--- a/ppt/Chen_Huang.pptx
+++ b/ppt/Chen_Huang.pptx
@@ -42,7 +42,7 @@
         <p:spPr>
           <a:xfrm>
             <a:off x="456840" y="549000"/>
-            <a:ext cx="7311240" cy="910440"/>
+            <a:ext cx="7310880" cy="910080"/>
           </a:xfrm>
           <a:prstGeom prst="rect">
             <a:avLst/>
@@ -83,7 +83,7 @@
         <p:spPr>
           <a:xfrm>
             <a:off x="456840" y="1828440"/>
-            <a:ext cx="9140040" cy="4568040"/>
+            <a:ext cx="9139680" cy="4567680"/>
           </a:xfrm>
           <a:prstGeom prst="rect">
             <a:avLst/>
@@ -151,8 +151,8 @@
         </p:nvSpPr>
         <p:spPr>
           <a:xfrm flipV="1">
-            <a:off x="236520" y="204480"/>
-            <a:ext cx="9540000" cy="153360"/>
+            <a:off x="236520" y="203400"/>
+            <a:ext cx="9539640" cy="153000"/>
           </a:xfrm>
           <a:prstGeom prst="rect">
             <a:avLst/>
@@ -211,8 +211,8 @@
         </p:nvSpPr>
         <p:spPr>
           <a:xfrm>
-            <a:off x="6703560" y="7078680"/>
-            <a:ext cx="694440" cy="256320"/>
+            <a:off x="5943600" y="7077600"/>
+            <a:ext cx="694080" cy="255960"/>
           </a:xfrm>
           <a:prstGeom prst="rect">
             <a:avLst/>
@@ -247,7 +247,7 @@
                 <a:tab algn="l" pos="0"/>
               </a:tabLst>
             </a:pPr>
-            <a:fld id="{DE7B2DA1-12C3-4086-BFEA-ABBBC8034379}" type="slidenum">
+            <a:fld id="{A7A3B894-EFCA-4601-A62E-C8089908AA58}" type="slidenum">
               <a:rPr b="0" lang="en-US" sz="1200" strike="noStrike" u="none">
                 <a:solidFill>
                   <a:srgbClr val="000000"/>
@@ -256,7 +256,7 @@
                 <a:latin typeface="Arial"/>
                 <a:ea typeface="DejaVu Sans"/>
               </a:rPr>
-              <a:t>1</a:t>
+              <a:t>&lt;编号&gt;</a:t>
             </a:fld>
             <a:endParaRPr b="0" lang="en-US" sz="1200" strike="noStrike" u="none">
               <a:solidFill>
@@ -367,7 +367,7 @@
         <p:spPr>
           <a:xfrm>
             <a:off x="7365960" y="7116840"/>
-            <a:ext cx="2358360" cy="378720"/>
+            <a:ext cx="2358000" cy="378360"/>
           </a:xfrm>
           <a:prstGeom prst="rect">
             <a:avLst/>
@@ -390,7 +390,7 @@
         <p:spPr>
           <a:xfrm>
             <a:off x="7845480" y="541440"/>
-            <a:ext cx="2220120" cy="916920"/>
+            <a:ext cx="2219760" cy="916560"/>
           </a:xfrm>
           <a:prstGeom prst="rect">
             <a:avLst/>
@@ -409,7 +409,7 @@
         <p:spPr>
           <a:xfrm>
             <a:off x="260280" y="7078680"/>
-            <a:ext cx="1083600" cy="266040"/>
+            <a:ext cx="1083240" cy="265680"/>
           </a:xfrm>
           <a:prstGeom prst="rect">
             <a:avLst/>
@@ -498,7 +498,7 @@
         <p:spPr>
           <a:xfrm>
             <a:off x="1158840" y="7078680"/>
-            <a:ext cx="3625200" cy="435960"/>
+            <a:ext cx="2583000" cy="435600"/>
           </a:xfrm>
           <a:prstGeom prst="rect">
             <a:avLst/>
@@ -524,7 +524,85 @@
                 <a:spcPct val="100000"/>
               </a:lnSpc>
               <a:spcBef>
-                <a:spcPts val="74"/>
+                <a:spcPts val="1191"/>
+              </a:spcBef>
+              <a:spcAft>
+                <a:spcPts val="992"/>
+              </a:spcAft>
+              <a:tabLst>
+                <a:tab algn="l" pos="0"/>
+                <a:tab algn="l" pos="914400"/>
+                <a:tab algn="l" pos="1828800"/>
+                <a:tab algn="l" pos="2743200"/>
+                <a:tab algn="l" pos="3657600"/>
+                <a:tab algn="l" pos="4572000"/>
+                <a:tab algn="l" pos="5486400"/>
+                <a:tab algn="l" pos="6400800"/>
+                <a:tab algn="l" pos="7315200"/>
+                <a:tab algn="l" pos="8229600"/>
+                <a:tab algn="l" pos="9144000"/>
+                <a:tab algn="l" pos="10058400"/>
+                <a:tab algn="l" pos="10333080"/>
+                <a:tab algn="l" pos="10782360"/>
+              </a:tabLst>
+            </a:pPr>
+            <a:r>
+              <a:rPr b="0" lang="en-US" sz="1200" strike="noStrike" u="none">
+                <a:solidFill>
+                  <a:srgbClr val="000000"/>
+                </a:solidFill>
+                <a:uFillTx/>
+                <a:latin typeface="Arial"/>
+                <a:ea typeface="DejaVu Sans"/>
+              </a:rPr>
+              <a:t>Charging Station Upgrade to OCPP Communication for Smart Charging </a:t>
+            </a:r>
+            <a:endParaRPr b="0" lang="en-US" sz="1200" strike="noStrike" u="none">
+              <a:solidFill>
+                <a:srgbClr val="000000"/>
+              </a:solidFill>
+              <a:uFillTx/>
+              <a:latin typeface="Arial"/>
+            </a:endParaRPr>
+          </a:p>
+        </p:txBody>
+      </p:sp>
+      <p:sp>
+        <p:nvSpPr>
+          <p:cNvPr id="8" name=""/>
+          <p:cNvSpPr/>
+          <p:nvPr/>
+        </p:nvSpPr>
+        <p:spPr>
+          <a:xfrm>
+            <a:off x="3621600" y="7077600"/>
+            <a:ext cx="1972440" cy="417960"/>
+          </a:xfrm>
+          <a:prstGeom prst="rect">
+            <a:avLst/>
+          </a:prstGeom>
+          <a:noFill/>
+          <a:ln w="0">
+            <a:noFill/>
+          </a:ln>
+        </p:spPr>
+        <p:style>
+          <a:lnRef idx="0"/>
+          <a:fillRef idx="0"/>
+          <a:effectRef idx="0"/>
+          <a:fontRef idx="minor"/>
+        </p:style>
+        <p:txBody>
+          <a:bodyPr wrap="none" lIns="90000" rIns="90000" tIns="45000" bIns="45000" anchor="t">
+            <a:noAutofit/>
+          </a:bodyPr>
+          <a:p>
+            <a:pPr>
+              <a:lnSpc>
+                <a:spcPct val="100000"/>
+              </a:lnSpc>
+              <a:spcBef>
+                <a:spcPts val="26"/>
               </a:spcBef>
               <a:spcAft>
                 <a:spcPts val="26"/>
@@ -555,7 +633,7 @@
                 <a:latin typeface="Arial"/>
                 <a:ea typeface="DejaVu Sans"/>
               </a:rPr>
-              <a:t>Ladesäulen-Aufrüstung auf OCPP-Kommunikation </a:t>
+              <a:t>| Junfan Jin, Can Zeng, </a:t>
             </a:r>
             <a:endParaRPr b="0" lang="en-US" sz="1200" strike="noStrike" u="none">
               <a:solidFill>
@@ -571,7 +649,7 @@
                 <a:spcPct val="100000"/>
               </a:lnSpc>
               <a:spcBef>
-                <a:spcPts val="74"/>
+                <a:spcPts val="26"/>
               </a:spcBef>
               <a:spcAft>
                 <a:spcPts val="26"/>
@@ -602,131 +680,6 @@
                 <a:latin typeface="Arial"/>
                 <a:ea typeface="DejaVu Sans"/>
               </a:rPr>
-              <a:t>für Intelligentes Laden</a:t>
-            </a:r>
-            <a:endParaRPr b="0" lang="en-US" sz="1200" strike="noStrike" u="none">
-              <a:solidFill>
-                <a:srgbClr val="000000"/>
-              </a:solidFill>
-              <a:uFillTx/>
-              <a:latin typeface="Arial"/>
-            </a:endParaRPr>
-          </a:p>
-        </p:txBody>
-      </p:sp>
-      <p:sp>
-        <p:nvSpPr>
-          <p:cNvPr id="8" name=""/>
-          <p:cNvSpPr/>
-          <p:nvPr/>
-        </p:nvSpPr>
-        <p:spPr>
-          <a:xfrm>
-            <a:off x="4619520" y="7078680"/>
-            <a:ext cx="1972800" cy="418320"/>
-          </a:xfrm>
-          <a:prstGeom prst="rect">
-            <a:avLst/>
-          </a:prstGeom>
-          <a:noFill/>
-          <a:ln w="0">
-            <a:noFill/>
-          </a:ln>
-        </p:spPr>
-        <p:style>
-          <a:lnRef idx="0"/>
-          <a:fillRef idx="0"/>
-          <a:effectRef idx="0"/>
-          <a:fontRef idx="minor"/>
-        </p:style>
-        <p:txBody>
-          <a:bodyPr wrap="none" lIns="90000" rIns="90000" tIns="45000" bIns="45000" anchor="t">
-            <a:noAutofit/>
-          </a:bodyPr>
-          <a:p>
-            <a:pPr>
-              <a:lnSpc>
-                <a:spcPct val="100000"/>
-              </a:lnSpc>
-              <a:spcBef>
-                <a:spcPts val="26"/>
-              </a:spcBef>
-              <a:spcAft>
-                <a:spcPts val="26"/>
-              </a:spcAft>
-              <a:tabLst>
-                <a:tab algn="l" pos="0"/>
-                <a:tab algn="l" pos="914400"/>
-                <a:tab algn="l" pos="1828800"/>
-                <a:tab algn="l" pos="2743200"/>
-                <a:tab algn="l" pos="3657600"/>
-                <a:tab algn="l" pos="4572000"/>
-                <a:tab algn="l" pos="5486400"/>
-                <a:tab algn="l" pos="6400800"/>
-                <a:tab algn="l" pos="7315200"/>
-                <a:tab algn="l" pos="8229600"/>
-                <a:tab algn="l" pos="9144000"/>
-                <a:tab algn="l" pos="10058400"/>
-                <a:tab algn="l" pos="10333080"/>
-                <a:tab algn="l" pos="10782360"/>
-              </a:tabLst>
-            </a:pPr>
-            <a:r>
-              <a:rPr b="0" lang="en-US" sz="1200" strike="noStrike" u="none">
-                <a:solidFill>
-                  <a:srgbClr val="000000"/>
-                </a:solidFill>
-                <a:uFillTx/>
-                <a:latin typeface="Arial"/>
-                <a:ea typeface="DejaVu Sans"/>
-              </a:rPr>
-              <a:t>| Junfan Jin, Can Zeng, </a:t>
-            </a:r>
-            <a:endParaRPr b="0" lang="en-US" sz="1200" strike="noStrike" u="none">
-              <a:solidFill>
-                <a:srgbClr val="000000"/>
-              </a:solidFill>
-              <a:uFillTx/>
-              <a:latin typeface="Arial"/>
-            </a:endParaRPr>
-          </a:p>
-          <a:p>
-            <a:pPr>
-              <a:lnSpc>
-                <a:spcPct val="100000"/>
-              </a:lnSpc>
-              <a:spcBef>
-                <a:spcPts val="26"/>
-              </a:spcBef>
-              <a:spcAft>
-                <a:spcPts val="26"/>
-              </a:spcAft>
-              <a:tabLst>
-                <a:tab algn="l" pos="0"/>
-                <a:tab algn="l" pos="914400"/>
-                <a:tab algn="l" pos="1828800"/>
-                <a:tab algn="l" pos="2743200"/>
-                <a:tab algn="l" pos="3657600"/>
-                <a:tab algn="l" pos="4572000"/>
-                <a:tab algn="l" pos="5486400"/>
-                <a:tab algn="l" pos="6400800"/>
-                <a:tab algn="l" pos="7315200"/>
-                <a:tab algn="l" pos="8229600"/>
-                <a:tab algn="l" pos="9144000"/>
-                <a:tab algn="l" pos="10058400"/>
-                <a:tab algn="l" pos="10333080"/>
-                <a:tab algn="l" pos="10782360"/>
-              </a:tabLst>
-            </a:pPr>
-            <a:r>
-              <a:rPr b="0" lang="en-US" sz="1200" strike="noStrike" u="none">
-                <a:solidFill>
-                  <a:srgbClr val="000000"/>
-                </a:solidFill>
-                <a:uFillTx/>
-                <a:latin typeface="Arial"/>
-                <a:ea typeface="DejaVu Sans"/>
-              </a:rPr>
               <a:t>  </a:t>
             </a:r>
             <a:r>
@@ -806,7 +759,7 @@
         <p:spPr>
           <a:xfrm>
             <a:off x="456840" y="549000"/>
-            <a:ext cx="7311240" cy="910440"/>
+            <a:ext cx="7310880" cy="910080"/>
           </a:xfrm>
           <a:prstGeom prst="rect">
             <a:avLst/>
@@ -857,7 +810,7 @@
         <p:spPr>
           <a:xfrm>
             <a:off x="456840" y="1828440"/>
-            <a:ext cx="9140040" cy="4568040"/>
+            <a:ext cx="9139680" cy="4567680"/>
           </a:xfrm>
           <a:prstGeom prst="rect">
             <a:avLst/>
@@ -1122,7 +1075,7 @@
         <p:spPr>
           <a:xfrm>
             <a:off x="382680" y="541440"/>
-            <a:ext cx="7470000" cy="943920"/>
+            <a:ext cx="7469640" cy="943560"/>
           </a:xfrm>
           <a:prstGeom prst="rect">
             <a:avLst/>
@@ -1163,7 +1116,7 @@
         <p:spPr>
           <a:xfrm>
             <a:off x="334440" y="1731600"/>
-            <a:ext cx="9378360" cy="5187240"/>
+            <a:ext cx="9378000" cy="5186880"/>
           </a:xfrm>
           <a:prstGeom prst="rect">
             <a:avLst/>

--- a/ppt/Chen_Huang.pptx
+++ b/ppt/Chen_Huang.pptx
@@ -1,19 +1,128 @@
 
 <file path=ppt/presentation.xml><?xml version="1.0" encoding="utf-8"?>
-<p:presentation xmlns:a="http://schemas.openxmlformats.org/drawingml/2006/main" xmlns:p="http://schemas.openxmlformats.org/presentationml/2006/main" xmlns:r="http://schemas.openxmlformats.org/officeDocument/2006/relationships" xmlns:p14="http://schemas.microsoft.com/office/powerpoint/2010/main" xmlns:p15="http://schemas.microsoft.com/office/powerpoint/2012/main" xmlns:mc="http://schemas.openxmlformats.org/markup-compatibility/2006">
+<p:presentation xmlns:a="http://schemas.openxmlformats.org/drawingml/2006/main" xmlns:r="http://schemas.openxmlformats.org/officeDocument/2006/relationships" xmlns:p="http://schemas.openxmlformats.org/presentationml/2006/main">
   <p:sldMasterIdLst>
-    <p:sldMasterId id="2147483648" r:id="rId2"/>
+    <p:sldMasterId id="2147483648" r:id="rId1"/>
+    <p:sldMasterId id="2147483651" r:id="rId2"/>
   </p:sldMasterIdLst>
   <p:sldIdLst>
-    <p:sldId id="256" r:id="rId3"/>
+    <p:sldId id="269" r:id="rId3"/>
+    <p:sldId id="257" r:id="rId4"/>
+    <p:sldId id="258" r:id="rId5"/>
+    <p:sldId id="260" r:id="rId6"/>
+    <p:sldId id="262" r:id="rId7"/>
+    <p:sldId id="264" r:id="rId8"/>
+    <p:sldId id="265" r:id="rId9"/>
+    <p:sldId id="261" r:id="rId10"/>
+    <p:sldId id="266" r:id="rId11"/>
   </p:sldIdLst>
   <p:sldSz cx="10080625" cy="7559675"/>
   <p:notesSz cx="7559675" cy="10691813"/>
+  <p:defaultTextStyle>
+    <a:defPPr>
+      <a:defRPr lang="zh-CN"/>
+    </a:defPPr>
+    <a:lvl1pPr marL="0" algn="l" defTabSz="914400" rtl="0" eaLnBrk="1" latinLnBrk="0" hangingPunct="1">
+      <a:defRPr sz="1800" kern="1200">
+        <a:solidFill>
+          <a:schemeClr val="tx1"/>
+        </a:solidFill>
+        <a:latin typeface="+mn-lt"/>
+        <a:ea typeface="+mn-ea"/>
+        <a:cs typeface="+mn-cs"/>
+      </a:defRPr>
+    </a:lvl1pPr>
+    <a:lvl2pPr marL="457200" algn="l" defTabSz="914400" rtl="0" eaLnBrk="1" latinLnBrk="0" hangingPunct="1">
+      <a:defRPr sz="1800" kern="1200">
+        <a:solidFill>
+          <a:schemeClr val="tx1"/>
+        </a:solidFill>
+        <a:latin typeface="+mn-lt"/>
+        <a:ea typeface="+mn-ea"/>
+        <a:cs typeface="+mn-cs"/>
+      </a:defRPr>
+    </a:lvl2pPr>
+    <a:lvl3pPr marL="914400" algn="l" defTabSz="914400" rtl="0" eaLnBrk="1" latinLnBrk="0" hangingPunct="1">
+      <a:defRPr sz="1800" kern="1200">
+        <a:solidFill>
+          <a:schemeClr val="tx1"/>
+        </a:solidFill>
+        <a:latin typeface="+mn-lt"/>
+        <a:ea typeface="+mn-ea"/>
+        <a:cs typeface="+mn-cs"/>
+      </a:defRPr>
+    </a:lvl3pPr>
+    <a:lvl4pPr marL="1371600" algn="l" defTabSz="914400" rtl="0" eaLnBrk="1" latinLnBrk="0" hangingPunct="1">
+      <a:defRPr sz="1800" kern="1200">
+        <a:solidFill>
+          <a:schemeClr val="tx1"/>
+        </a:solidFill>
+        <a:latin typeface="+mn-lt"/>
+        <a:ea typeface="+mn-ea"/>
+        <a:cs typeface="+mn-cs"/>
+      </a:defRPr>
+    </a:lvl4pPr>
+    <a:lvl5pPr marL="1828800" algn="l" defTabSz="914400" rtl="0" eaLnBrk="1" latinLnBrk="0" hangingPunct="1">
+      <a:defRPr sz="1800" kern="1200">
+        <a:solidFill>
+          <a:schemeClr val="tx1"/>
+        </a:solidFill>
+        <a:latin typeface="+mn-lt"/>
+        <a:ea typeface="+mn-ea"/>
+        <a:cs typeface="+mn-cs"/>
+      </a:defRPr>
+    </a:lvl5pPr>
+    <a:lvl6pPr marL="2286000" algn="l" defTabSz="914400" rtl="0" eaLnBrk="1" latinLnBrk="0" hangingPunct="1">
+      <a:defRPr sz="1800" kern="1200">
+        <a:solidFill>
+          <a:schemeClr val="tx1"/>
+        </a:solidFill>
+        <a:latin typeface="+mn-lt"/>
+        <a:ea typeface="+mn-ea"/>
+        <a:cs typeface="+mn-cs"/>
+      </a:defRPr>
+    </a:lvl6pPr>
+    <a:lvl7pPr marL="2743200" algn="l" defTabSz="914400" rtl="0" eaLnBrk="1" latinLnBrk="0" hangingPunct="1">
+      <a:defRPr sz="1800" kern="1200">
+        <a:solidFill>
+          <a:schemeClr val="tx1"/>
+        </a:solidFill>
+        <a:latin typeface="+mn-lt"/>
+        <a:ea typeface="+mn-ea"/>
+        <a:cs typeface="+mn-cs"/>
+      </a:defRPr>
+    </a:lvl7pPr>
+    <a:lvl8pPr marL="3200400" algn="l" defTabSz="914400" rtl="0" eaLnBrk="1" latinLnBrk="0" hangingPunct="1">
+      <a:defRPr sz="1800" kern="1200">
+        <a:solidFill>
+          <a:schemeClr val="tx1"/>
+        </a:solidFill>
+        <a:latin typeface="+mn-lt"/>
+        <a:ea typeface="+mn-ea"/>
+        <a:cs typeface="+mn-cs"/>
+      </a:defRPr>
+    </a:lvl8pPr>
+    <a:lvl9pPr marL="3657600" algn="l" defTabSz="914400" rtl="0" eaLnBrk="1" latinLnBrk="0" hangingPunct="1">
+      <a:defRPr sz="1800" kern="1200">
+        <a:solidFill>
+          <a:schemeClr val="tx1"/>
+        </a:solidFill>
+        <a:latin typeface="+mn-lt"/>
+        <a:ea typeface="+mn-ea"/>
+        <a:cs typeface="+mn-cs"/>
+      </a:defRPr>
+    </a:lvl9pPr>
+  </p:defaultTextStyle>
+  <p:extLst>
+    <p:ext uri="{EFAFB233-063F-42B5-8137-9DF3F51BA10A}">
+      <p15:sldGuideLst xmlns:p15="http://schemas.microsoft.com/office/powerpoint/2012/main"/>
+    </p:ext>
+  </p:extLst>
 </p:presentation>
 </file>
 
 <file path=ppt/slideLayouts/slideLayout1.xml><?xml version="1.0" encoding="utf-8"?>
-<p:sldLayout xmlns:a="http://schemas.openxmlformats.org/drawingml/2006/main" xmlns:p="http://schemas.openxmlformats.org/presentationml/2006/main" xmlns:r="http://schemas.openxmlformats.org/officeDocument/2006/relationships" xmlns:p14="http://schemas.microsoft.com/office/powerpoint/2010/main" xmlns:p15="http://schemas.microsoft.com/office/powerpoint/2012/main" xmlns:mc="http://schemas.openxmlformats.org/markup-compatibility/2006" type="tx" preserve="1">
+<p:sldLayout xmlns:a="http://schemas.openxmlformats.org/drawingml/2006/main" xmlns:r="http://schemas.openxmlformats.org/officeDocument/2006/relationships" xmlns:p="http://schemas.openxmlformats.org/presentationml/2006/main" type="tx" preserve="1">
   <p:cSld name="标题4">
     <p:spTree>
       <p:nvGrpSpPr>
@@ -53,14 +162,15 @@
           </a:ln>
         </p:spPr>
         <p:txBody>
-          <a:bodyPr lIns="0" rIns="0" tIns="0" bIns="0" anchor="ctr">
+          <a:bodyPr lIns="0" tIns="0" rIns="0" bIns="0" anchor="ctr">
             <a:noAutofit/>
           </a:bodyPr>
+          <a:lstStyle/>
           <a:p>
             <a:pPr indent="0" algn="ctr">
               <a:buNone/>
             </a:pPr>
-            <a:endParaRPr b="0" lang="en-US" sz="4400" strike="noStrike" u="none">
+            <a:endParaRPr lang="en-US" sz="4400" b="0" u="none" strike="noStrike">
               <a:solidFill>
                 <a:srgbClr val="000000"/>
               </a:solidFill>
@@ -94,9 +204,10 @@
           </a:ln>
         </p:spPr>
         <p:txBody>
-          <a:bodyPr lIns="0" rIns="0" tIns="0" bIns="0" anchor="t">
+          <a:bodyPr lIns="0" tIns="0" rIns="0" bIns="0" anchor="t">
             <a:normAutofit/>
           </a:bodyPr>
+          <a:lstStyle/>
           <a:p>
             <a:pPr indent="0">
               <a:spcBef>
@@ -104,7 +215,7 @@
               </a:spcBef>
               <a:buNone/>
             </a:pPr>
-            <a:endParaRPr b="0" lang="en-US" sz="3200" strike="noStrike" u="none">
+            <a:endParaRPr lang="en-US" sz="3200" b="0" u="none" strike="noStrike">
               <a:solidFill>
                 <a:srgbClr val="000000"/>
               </a:solidFill>
@@ -116,17 +227,613 @@
       </p:sp>
     </p:spTree>
   </p:cSld>
+  <p:clrMapOvr>
+    <a:masterClrMapping/>
+  </p:clrMapOvr>
+</p:sldLayout>
+</file>
+
+<file path=ppt/slideLayouts/slideLayout2.xml><?xml version="1.0" encoding="utf-8"?>
+<p:sldLayout xmlns:a="http://schemas.openxmlformats.org/drawingml/2006/main" xmlns:r="http://schemas.openxmlformats.org/officeDocument/2006/relationships" xmlns:p="http://schemas.openxmlformats.org/presentationml/2006/main" matchingName="Title, Content" type="obj">
+  <p:cSld name="Title, Content">
+    <p:spTree>
+      <p:nvGrpSpPr>
+        <p:cNvPr id="1" name="Shape 31"/>
+        <p:cNvGrpSpPr/>
+        <p:nvPr/>
+      </p:nvGrpSpPr>
+      <p:grpSpPr>
+        <a:xfrm>
+          <a:off x="0" y="0"/>
+          <a:ext cx="0" cy="0"/>
+          <a:chOff x="0" y="0"/>
+          <a:chExt cx="0" cy="0"/>
+        </a:xfrm>
+      </p:grpSpPr>
+      <p:sp>
+        <p:nvSpPr>
+          <p:cNvPr id="32" name="Google Shape;32;p4"/>
+          <p:cNvSpPr txBox="1">
+            <a:spLocks noGrp="1"/>
+          </p:cNvSpPr>
+          <p:nvPr>
+            <p:ph type="title"/>
+          </p:nvPr>
+        </p:nvSpPr>
+        <p:spPr>
+          <a:xfrm>
+            <a:off x="504031" y="301593"/>
+            <a:ext cx="9072166" cy="1261930"/>
+          </a:xfrm>
+          <a:prstGeom prst="rect">
+            <a:avLst/>
+          </a:prstGeom>
+          <a:noFill/>
+          <a:ln>
+            <a:noFill/>
+          </a:ln>
+        </p:spPr>
+        <p:txBody>
+          <a:bodyPr spcFirstLastPara="1" wrap="square" lIns="0" tIns="0" rIns="0" bIns="0" anchor="ctr" anchorCtr="0">
+            <a:noAutofit/>
+          </a:bodyPr>
+          <a:lstStyle>
+            <a:lvl1pPr lvl="0" algn="l">
+              <a:spcBef>
+                <a:spcPts val="0"/>
+              </a:spcBef>
+              <a:spcAft>
+                <a:spcPts val="0"/>
+              </a:spcAft>
+              <a:buSzPts val="1400"/>
+              <a:buNone/>
+              <a:defRPr/>
+            </a:lvl1pPr>
+            <a:lvl2pPr lvl="1" algn="l">
+              <a:spcBef>
+                <a:spcPts val="0"/>
+              </a:spcBef>
+              <a:spcAft>
+                <a:spcPts val="0"/>
+              </a:spcAft>
+              <a:buSzPts val="1400"/>
+              <a:buNone/>
+              <a:defRPr/>
+            </a:lvl2pPr>
+            <a:lvl3pPr lvl="2" algn="l">
+              <a:spcBef>
+                <a:spcPts val="0"/>
+              </a:spcBef>
+              <a:spcAft>
+                <a:spcPts val="0"/>
+              </a:spcAft>
+              <a:buSzPts val="1400"/>
+              <a:buNone/>
+              <a:defRPr/>
+            </a:lvl3pPr>
+            <a:lvl4pPr lvl="3" algn="l">
+              <a:spcBef>
+                <a:spcPts val="0"/>
+              </a:spcBef>
+              <a:spcAft>
+                <a:spcPts val="0"/>
+              </a:spcAft>
+              <a:buSzPts val="1400"/>
+              <a:buNone/>
+              <a:defRPr/>
+            </a:lvl4pPr>
+            <a:lvl5pPr lvl="4" algn="l">
+              <a:spcBef>
+                <a:spcPts val="0"/>
+              </a:spcBef>
+              <a:spcAft>
+                <a:spcPts val="0"/>
+              </a:spcAft>
+              <a:buSzPts val="1400"/>
+              <a:buNone/>
+              <a:defRPr/>
+            </a:lvl5pPr>
+            <a:lvl6pPr lvl="5" algn="l">
+              <a:spcBef>
+                <a:spcPts val="0"/>
+              </a:spcBef>
+              <a:spcAft>
+                <a:spcPts val="0"/>
+              </a:spcAft>
+              <a:buSzPts val="1400"/>
+              <a:buNone/>
+              <a:defRPr/>
+            </a:lvl6pPr>
+            <a:lvl7pPr lvl="6" algn="l">
+              <a:spcBef>
+                <a:spcPts val="0"/>
+              </a:spcBef>
+              <a:spcAft>
+                <a:spcPts val="0"/>
+              </a:spcAft>
+              <a:buSzPts val="1400"/>
+              <a:buNone/>
+              <a:defRPr/>
+            </a:lvl7pPr>
+            <a:lvl8pPr lvl="7" algn="l">
+              <a:spcBef>
+                <a:spcPts val="0"/>
+              </a:spcBef>
+              <a:spcAft>
+                <a:spcPts val="0"/>
+              </a:spcAft>
+              <a:buSzPts val="1400"/>
+              <a:buNone/>
+              <a:defRPr/>
+            </a:lvl8pPr>
+            <a:lvl9pPr lvl="8" algn="l">
+              <a:spcBef>
+                <a:spcPts val="0"/>
+              </a:spcBef>
+              <a:spcAft>
+                <a:spcPts val="0"/>
+              </a:spcAft>
+              <a:buSzPts val="1400"/>
+              <a:buNone/>
+              <a:defRPr/>
+            </a:lvl9pPr>
+          </a:lstStyle>
+          <a:p>
+            <a:endParaRPr/>
+          </a:p>
+        </p:txBody>
+      </p:sp>
+      <p:sp>
+        <p:nvSpPr>
+          <p:cNvPr id="33" name="Google Shape;33;p4"/>
+          <p:cNvSpPr txBox="1">
+            <a:spLocks noGrp="1"/>
+          </p:cNvSpPr>
+          <p:nvPr>
+            <p:ph type="body" idx="1"/>
+          </p:nvPr>
+        </p:nvSpPr>
+        <p:spPr>
+          <a:xfrm>
+            <a:off x="504031" y="1768686"/>
+            <a:ext cx="9072166" cy="4384215"/>
+          </a:xfrm>
+          <a:prstGeom prst="rect">
+            <a:avLst/>
+          </a:prstGeom>
+          <a:noFill/>
+          <a:ln>
+            <a:noFill/>
+          </a:ln>
+        </p:spPr>
+        <p:txBody>
+          <a:bodyPr spcFirstLastPara="1" wrap="square" lIns="0" tIns="0" rIns="0" bIns="0" anchor="t" anchorCtr="0">
+            <a:normAutofit/>
+          </a:bodyPr>
+          <a:lstStyle>
+            <a:lvl1pPr marL="503972" lvl="0" indent="-251986" algn="l">
+              <a:spcBef>
+                <a:spcPts val="0"/>
+              </a:spcBef>
+              <a:spcAft>
+                <a:spcPts val="0"/>
+              </a:spcAft>
+              <a:buSzPts val="1400"/>
+              <a:buNone/>
+              <a:defRPr/>
+            </a:lvl1pPr>
+            <a:lvl2pPr marL="1007943" lvl="1" indent="-251986" algn="l">
+              <a:spcBef>
+                <a:spcPts val="0"/>
+              </a:spcBef>
+              <a:spcAft>
+                <a:spcPts val="0"/>
+              </a:spcAft>
+              <a:buSzPts val="1400"/>
+              <a:buNone/>
+              <a:defRPr/>
+            </a:lvl2pPr>
+            <a:lvl3pPr marL="1511915" lvl="2" indent="-251986" algn="l">
+              <a:spcBef>
+                <a:spcPts val="0"/>
+              </a:spcBef>
+              <a:spcAft>
+                <a:spcPts val="0"/>
+              </a:spcAft>
+              <a:buSzPts val="1400"/>
+              <a:buNone/>
+              <a:defRPr/>
+            </a:lvl3pPr>
+            <a:lvl4pPr marL="2015886" lvl="3" indent="-251986" algn="l">
+              <a:spcBef>
+                <a:spcPts val="0"/>
+              </a:spcBef>
+              <a:spcAft>
+                <a:spcPts val="0"/>
+              </a:spcAft>
+              <a:buSzPts val="1400"/>
+              <a:buNone/>
+              <a:defRPr/>
+            </a:lvl4pPr>
+            <a:lvl5pPr marL="2519858" lvl="4" indent="-251986" algn="l">
+              <a:spcBef>
+                <a:spcPts val="0"/>
+              </a:spcBef>
+              <a:spcAft>
+                <a:spcPts val="0"/>
+              </a:spcAft>
+              <a:buSzPts val="1400"/>
+              <a:buNone/>
+              <a:defRPr/>
+            </a:lvl5pPr>
+            <a:lvl6pPr marL="3023829" lvl="5" indent="-251986" algn="l">
+              <a:spcBef>
+                <a:spcPts val="0"/>
+              </a:spcBef>
+              <a:spcAft>
+                <a:spcPts val="0"/>
+              </a:spcAft>
+              <a:buSzPts val="1400"/>
+              <a:buNone/>
+              <a:defRPr/>
+            </a:lvl6pPr>
+            <a:lvl7pPr marL="3527801" lvl="6" indent="-251986" algn="l">
+              <a:spcBef>
+                <a:spcPts val="0"/>
+              </a:spcBef>
+              <a:spcAft>
+                <a:spcPts val="0"/>
+              </a:spcAft>
+              <a:buSzPts val="1400"/>
+              <a:buNone/>
+              <a:defRPr/>
+            </a:lvl7pPr>
+            <a:lvl8pPr marL="4031772" lvl="7" indent="-251986" algn="l">
+              <a:spcBef>
+                <a:spcPts val="0"/>
+              </a:spcBef>
+              <a:spcAft>
+                <a:spcPts val="0"/>
+              </a:spcAft>
+              <a:buSzPts val="1400"/>
+              <a:buNone/>
+              <a:defRPr/>
+            </a:lvl8pPr>
+            <a:lvl9pPr marL="4535744" lvl="8" indent="-251986" algn="l">
+              <a:spcBef>
+                <a:spcPts val="0"/>
+              </a:spcBef>
+              <a:spcAft>
+                <a:spcPts val="0"/>
+              </a:spcAft>
+              <a:buSzPts val="1400"/>
+              <a:buNone/>
+              <a:defRPr/>
+            </a:lvl9pPr>
+          </a:lstStyle>
+          <a:p>
+            <a:endParaRPr/>
+          </a:p>
+        </p:txBody>
+      </p:sp>
+    </p:spTree>
+    <p:extLst>
+      <p:ext uri="{BB962C8B-B14F-4D97-AF65-F5344CB8AC3E}">
+        <p14:creationId xmlns:p14="http://schemas.microsoft.com/office/powerpoint/2010/main" val="3272245565"/>
+      </p:ext>
+    </p:extLst>
+  </p:cSld>
+  <p:clrMapOvr>
+    <a:masterClrMapping/>
+  </p:clrMapOvr>
+</p:sldLayout>
+</file>
+
+<file path=ppt/slideLayouts/slideLayout3.xml><?xml version="1.0" encoding="utf-8"?>
+<p:sldLayout xmlns:a="http://schemas.openxmlformats.org/drawingml/2006/main" xmlns:r="http://schemas.openxmlformats.org/officeDocument/2006/relationships" xmlns:p="http://schemas.openxmlformats.org/presentationml/2006/main" matchingName="Title, Content" type="obj" preserve="1">
+  <p:cSld name="Title, Content">
+    <p:spTree>
+      <p:nvGrpSpPr>
+        <p:cNvPr id="1" name="Shape 31"/>
+        <p:cNvGrpSpPr/>
+        <p:nvPr/>
+      </p:nvGrpSpPr>
+      <p:grpSpPr>
+        <a:xfrm>
+          <a:off x="0" y="0"/>
+          <a:ext cx="0" cy="0"/>
+          <a:chOff x="0" y="0"/>
+          <a:chExt cx="0" cy="0"/>
+        </a:xfrm>
+      </p:grpSpPr>
+      <p:sp>
+        <p:nvSpPr>
+          <p:cNvPr id="32" name="Google Shape;32;p4"/>
+          <p:cNvSpPr txBox="1">
+            <a:spLocks noGrp="1"/>
+          </p:cNvSpPr>
+          <p:nvPr>
+            <p:ph type="title"/>
+          </p:nvPr>
+        </p:nvSpPr>
+        <p:spPr>
+          <a:xfrm>
+            <a:off x="504031" y="301593"/>
+            <a:ext cx="9072166" cy="1261930"/>
+          </a:xfrm>
+          <a:prstGeom prst="rect">
+            <a:avLst/>
+          </a:prstGeom>
+          <a:noFill/>
+          <a:ln>
+            <a:noFill/>
+          </a:ln>
+        </p:spPr>
+        <p:txBody>
+          <a:bodyPr spcFirstLastPara="1" wrap="square" lIns="0" tIns="0" rIns="0" bIns="0" anchor="ctr" anchorCtr="0">
+            <a:noAutofit/>
+          </a:bodyPr>
+          <a:lstStyle>
+            <a:lvl1pPr lvl="0" algn="l">
+              <a:spcBef>
+                <a:spcPts val="0"/>
+              </a:spcBef>
+              <a:spcAft>
+                <a:spcPts val="0"/>
+              </a:spcAft>
+              <a:buSzPts val="1400"/>
+              <a:buNone/>
+              <a:defRPr/>
+            </a:lvl1pPr>
+            <a:lvl2pPr lvl="1" algn="l">
+              <a:spcBef>
+                <a:spcPts val="0"/>
+              </a:spcBef>
+              <a:spcAft>
+                <a:spcPts val="0"/>
+              </a:spcAft>
+              <a:buSzPts val="1400"/>
+              <a:buNone/>
+              <a:defRPr/>
+            </a:lvl2pPr>
+            <a:lvl3pPr lvl="2" algn="l">
+              <a:spcBef>
+                <a:spcPts val="0"/>
+              </a:spcBef>
+              <a:spcAft>
+                <a:spcPts val="0"/>
+              </a:spcAft>
+              <a:buSzPts val="1400"/>
+              <a:buNone/>
+              <a:defRPr/>
+            </a:lvl3pPr>
+            <a:lvl4pPr lvl="3" algn="l">
+              <a:spcBef>
+                <a:spcPts val="0"/>
+              </a:spcBef>
+              <a:spcAft>
+                <a:spcPts val="0"/>
+              </a:spcAft>
+              <a:buSzPts val="1400"/>
+              <a:buNone/>
+              <a:defRPr/>
+            </a:lvl4pPr>
+            <a:lvl5pPr lvl="4" algn="l">
+              <a:spcBef>
+                <a:spcPts val="0"/>
+              </a:spcBef>
+              <a:spcAft>
+                <a:spcPts val="0"/>
+              </a:spcAft>
+              <a:buSzPts val="1400"/>
+              <a:buNone/>
+              <a:defRPr/>
+            </a:lvl5pPr>
+            <a:lvl6pPr lvl="5" algn="l">
+              <a:spcBef>
+                <a:spcPts val="0"/>
+              </a:spcBef>
+              <a:spcAft>
+                <a:spcPts val="0"/>
+              </a:spcAft>
+              <a:buSzPts val="1400"/>
+              <a:buNone/>
+              <a:defRPr/>
+            </a:lvl6pPr>
+            <a:lvl7pPr lvl="6" algn="l">
+              <a:spcBef>
+                <a:spcPts val="0"/>
+              </a:spcBef>
+              <a:spcAft>
+                <a:spcPts val="0"/>
+              </a:spcAft>
+              <a:buSzPts val="1400"/>
+              <a:buNone/>
+              <a:defRPr/>
+            </a:lvl7pPr>
+            <a:lvl8pPr lvl="7" algn="l">
+              <a:spcBef>
+                <a:spcPts val="0"/>
+              </a:spcBef>
+              <a:spcAft>
+                <a:spcPts val="0"/>
+              </a:spcAft>
+              <a:buSzPts val="1400"/>
+              <a:buNone/>
+              <a:defRPr/>
+            </a:lvl8pPr>
+            <a:lvl9pPr lvl="8" algn="l">
+              <a:spcBef>
+                <a:spcPts val="0"/>
+              </a:spcBef>
+              <a:spcAft>
+                <a:spcPts val="0"/>
+              </a:spcAft>
+              <a:buSzPts val="1400"/>
+              <a:buNone/>
+              <a:defRPr/>
+            </a:lvl9pPr>
+          </a:lstStyle>
+          <a:p>
+            <a:endParaRPr/>
+          </a:p>
+        </p:txBody>
+      </p:sp>
+      <p:sp>
+        <p:nvSpPr>
+          <p:cNvPr id="33" name="Google Shape;33;p4"/>
+          <p:cNvSpPr txBox="1">
+            <a:spLocks noGrp="1"/>
+          </p:cNvSpPr>
+          <p:nvPr>
+            <p:ph type="body" idx="1"/>
+          </p:nvPr>
+        </p:nvSpPr>
+        <p:spPr>
+          <a:xfrm>
+            <a:off x="504031" y="1768686"/>
+            <a:ext cx="9072166" cy="4384215"/>
+          </a:xfrm>
+          <a:prstGeom prst="rect">
+            <a:avLst/>
+          </a:prstGeom>
+          <a:noFill/>
+          <a:ln>
+            <a:noFill/>
+          </a:ln>
+        </p:spPr>
+        <p:txBody>
+          <a:bodyPr spcFirstLastPara="1" wrap="square" lIns="0" tIns="0" rIns="0" bIns="0" anchor="t" anchorCtr="0">
+            <a:normAutofit/>
+          </a:bodyPr>
+          <a:lstStyle>
+            <a:lvl1pPr marL="503972" lvl="0" indent="-251986" algn="l">
+              <a:spcBef>
+                <a:spcPts val="0"/>
+              </a:spcBef>
+              <a:spcAft>
+                <a:spcPts val="0"/>
+              </a:spcAft>
+              <a:buSzPts val="1400"/>
+              <a:buNone/>
+              <a:defRPr/>
+            </a:lvl1pPr>
+            <a:lvl2pPr marL="1007943" lvl="1" indent="-251986" algn="l">
+              <a:spcBef>
+                <a:spcPts val="0"/>
+              </a:spcBef>
+              <a:spcAft>
+                <a:spcPts val="0"/>
+              </a:spcAft>
+              <a:buSzPts val="1400"/>
+              <a:buNone/>
+              <a:defRPr/>
+            </a:lvl2pPr>
+            <a:lvl3pPr marL="1511915" lvl="2" indent="-251986" algn="l">
+              <a:spcBef>
+                <a:spcPts val="0"/>
+              </a:spcBef>
+              <a:spcAft>
+                <a:spcPts val="0"/>
+              </a:spcAft>
+              <a:buSzPts val="1400"/>
+              <a:buNone/>
+              <a:defRPr/>
+            </a:lvl3pPr>
+            <a:lvl4pPr marL="2015886" lvl="3" indent="-251986" algn="l">
+              <a:spcBef>
+                <a:spcPts val="0"/>
+              </a:spcBef>
+              <a:spcAft>
+                <a:spcPts val="0"/>
+              </a:spcAft>
+              <a:buSzPts val="1400"/>
+              <a:buNone/>
+              <a:defRPr/>
+            </a:lvl4pPr>
+            <a:lvl5pPr marL="2519858" lvl="4" indent="-251986" algn="l">
+              <a:spcBef>
+                <a:spcPts val="0"/>
+              </a:spcBef>
+              <a:spcAft>
+                <a:spcPts val="0"/>
+              </a:spcAft>
+              <a:buSzPts val="1400"/>
+              <a:buNone/>
+              <a:defRPr/>
+            </a:lvl5pPr>
+            <a:lvl6pPr marL="3023829" lvl="5" indent="-251986" algn="l">
+              <a:spcBef>
+                <a:spcPts val="0"/>
+              </a:spcBef>
+              <a:spcAft>
+                <a:spcPts val="0"/>
+              </a:spcAft>
+              <a:buSzPts val="1400"/>
+              <a:buNone/>
+              <a:defRPr/>
+            </a:lvl6pPr>
+            <a:lvl7pPr marL="3527801" lvl="6" indent="-251986" algn="l">
+              <a:spcBef>
+                <a:spcPts val="0"/>
+              </a:spcBef>
+              <a:spcAft>
+                <a:spcPts val="0"/>
+              </a:spcAft>
+              <a:buSzPts val="1400"/>
+              <a:buNone/>
+              <a:defRPr/>
+            </a:lvl7pPr>
+            <a:lvl8pPr marL="4031772" lvl="7" indent="-251986" algn="l">
+              <a:spcBef>
+                <a:spcPts val="0"/>
+              </a:spcBef>
+              <a:spcAft>
+                <a:spcPts val="0"/>
+              </a:spcAft>
+              <a:buSzPts val="1400"/>
+              <a:buNone/>
+              <a:defRPr/>
+            </a:lvl8pPr>
+            <a:lvl9pPr marL="4535744" lvl="8" indent="-251986" algn="l">
+              <a:spcBef>
+                <a:spcPts val="0"/>
+              </a:spcBef>
+              <a:spcAft>
+                <a:spcPts val="0"/>
+              </a:spcAft>
+              <a:buSzPts val="1400"/>
+              <a:buNone/>
+              <a:defRPr/>
+            </a:lvl9pPr>
+          </a:lstStyle>
+          <a:p>
+            <a:endParaRPr/>
+          </a:p>
+        </p:txBody>
+      </p:sp>
+    </p:spTree>
+    <p:extLst>
+      <p:ext uri="{BB962C8B-B14F-4D97-AF65-F5344CB8AC3E}">
+        <p14:creationId xmlns:p14="http://schemas.microsoft.com/office/powerpoint/2010/main" val="3491831020"/>
+      </p:ext>
+    </p:extLst>
+  </p:cSld>
+  <p:clrMapOvr>
+    <a:masterClrMapping/>
+  </p:clrMapOvr>
 </p:sldLayout>
 </file>
 
 <file path=ppt/slideMasters/slideMaster1.xml><?xml version="1.0" encoding="utf-8"?>
-<p:sldMaster xmlns:a="http://schemas.openxmlformats.org/drawingml/2006/main" xmlns:p="http://schemas.openxmlformats.org/presentationml/2006/main" xmlns:r="http://schemas.openxmlformats.org/officeDocument/2006/relationships" xmlns:p14="http://schemas.microsoft.com/office/powerpoint/2010/main" xmlns:p15="http://schemas.microsoft.com/office/powerpoint/2012/main" xmlns:mc="http://schemas.openxmlformats.org/markup-compatibility/2006">
+<p:sldMaster xmlns:a="http://schemas.openxmlformats.org/drawingml/2006/main" xmlns:r="http://schemas.openxmlformats.org/officeDocument/2006/relationships" xmlns:p="http://schemas.openxmlformats.org/presentationml/2006/main">
   <p:cSld>
     <p:bg>
       <p:bgPr>
         <a:solidFill>
-          <a:srgbClr val="ffffff"/>
+          <a:srgbClr val="FFFFFF"/>
         </a:solidFill>
+        <a:effectLst/>
       </p:bgPr>
     </p:bg>
     <p:spTree>
@@ -145,7 +852,7 @@
       </p:grpSpPr>
       <p:sp>
         <p:nvSpPr>
-          <p:cNvPr id="0" name=""/>
+          <p:cNvPr id="12" name="矩形 11"/>
           <p:cNvSpPr/>
           <p:nvPr/>
         </p:nvSpPr>
@@ -168,15 +875,22 @@
           </a:ln>
         </p:spPr>
         <p:style>
-          <a:lnRef idx="0"/>
-          <a:fillRef idx="0"/>
-          <a:effectRef idx="0"/>
+          <a:lnRef idx="0">
+            <a:scrgbClr r="0" g="0" b="0"/>
+          </a:lnRef>
+          <a:fillRef idx="0">
+            <a:scrgbClr r="0" g="0" b="0"/>
+          </a:fillRef>
+          <a:effectRef idx="0">
+            <a:scrgbClr r="0" g="0" b="0"/>
+          </a:effectRef>
           <a:fontRef idx="minor"/>
         </p:style>
         <p:txBody>
-          <a:bodyPr wrap="none" lIns="90000" rIns="90000" tIns="46800" bIns="46800" anchor="ctr">
+          <a:bodyPr wrap="none" lIns="90000" tIns="46800" rIns="90000" bIns="46800" anchor="ctr">
             <a:noAutofit/>
           </a:bodyPr>
+          <a:lstStyle/>
           <a:p>
             <a:pPr>
               <a:lnSpc>
@@ -189,10 +903,10 @@
                 <a:spcPts val="26"/>
               </a:spcAft>
               <a:tabLst>
-                <a:tab algn="l" pos="0"/>
+                <a:tab pos="0" algn="l"/>
               </a:tabLst>
             </a:pPr>
-            <a:endParaRPr b="0" lang="en-US" sz="1800" strike="noStrike" u="none">
+            <a:endParaRPr lang="en-US" sz="1800" b="0" u="none" strike="noStrike">
               <a:solidFill>
                 <a:srgbClr val="000000"/>
               </a:solidFill>
@@ -205,7 +919,7 @@
       </p:sp>
       <p:sp>
         <p:nvSpPr>
-          <p:cNvPr id="1" name=""/>
+          <p:cNvPr id="13" name="矩形 12"/>
           <p:cNvSpPr/>
           <p:nvPr/>
         </p:nvSpPr>
@@ -223,15 +937,22 @@
           </a:ln>
         </p:spPr>
         <p:style>
-          <a:lnRef idx="0"/>
-          <a:fillRef idx="0"/>
-          <a:effectRef idx="0"/>
+          <a:lnRef idx="0">
+            <a:scrgbClr r="0" g="0" b="0"/>
+          </a:lnRef>
+          <a:fillRef idx="0">
+            <a:scrgbClr r="0" g="0" b="0"/>
+          </a:fillRef>
+          <a:effectRef idx="0">
+            <a:scrgbClr r="0" g="0" b="0"/>
+          </a:effectRef>
           <a:fontRef idx="minor"/>
         </p:style>
         <p:txBody>
-          <a:bodyPr wrap="none" lIns="90000" rIns="90000" tIns="45000" bIns="45000" anchor="t">
+          <a:bodyPr wrap="none" lIns="90000" tIns="45000" rIns="90000" bIns="45000" anchor="t">
             <a:noAutofit/>
           </a:bodyPr>
+          <a:lstStyle/>
           <a:p>
             <a:pPr>
               <a:lnSpc>
@@ -244,11 +965,11 @@
                 <a:spcPts val="26"/>
               </a:spcAft>
               <a:tabLst>
-                <a:tab algn="l" pos="0"/>
+                <a:tab pos="0" algn="l"/>
               </a:tabLst>
             </a:pPr>
             <a:fld id="{A7A3B894-EFCA-4601-A62E-C8089908AA58}" type="slidenum">
-              <a:rPr b="0" lang="en-US" sz="1200" strike="noStrike" u="none">
+              <a:rPr lang="en-US" sz="1200" b="0" u="none" strike="noStrike">
                 <a:solidFill>
                   <a:srgbClr val="000000"/>
                 </a:solidFill>
@@ -256,9 +977,9 @@
                 <a:latin typeface="Arial"/>
                 <a:ea typeface="DejaVu Sans"/>
               </a:rPr>
-              <a:t>&lt;编号&gt;</a:t>
+              <a:t>‹#›</a:t>
             </a:fld>
-            <a:endParaRPr b="0" lang="en-US" sz="1200" strike="noStrike" u="none">
+            <a:endParaRPr lang="en-US" sz="1200" b="0" u="none" strike="noStrike">
               <a:solidFill>
                 <a:srgbClr val="000000"/>
               </a:solidFill>
@@ -270,7 +991,7 @@
       </p:sp>
       <p:sp>
         <p:nvSpPr>
-          <p:cNvPr id="2" name=""/>
+          <p:cNvPr id="2" name="直接连接符 1"/>
           <p:cNvSpPr/>
           <p:nvPr/>
         </p:nvSpPr>
@@ -290,17 +1011,24 @@
           </a:ln>
         </p:spPr>
         <p:style>
-          <a:lnRef idx="0"/>
-          <a:fillRef idx="0"/>
-          <a:effectRef idx="0"/>
+          <a:lnRef idx="0">
+            <a:scrgbClr r="0" g="0" b="0"/>
+          </a:lnRef>
+          <a:fillRef idx="0">
+            <a:scrgbClr r="0" g="0" b="0"/>
+          </a:fillRef>
+          <a:effectRef idx="0">
+            <a:scrgbClr r="0" g="0" b="0"/>
+          </a:effectRef>
           <a:fontRef idx="minor"/>
         </p:style>
         <p:txBody>
-          <a:bodyPr lIns="90000" rIns="90000" tIns="-45000" bIns="-45000" anchor="t">
+          <a:bodyPr lIns="90000" tIns="-45000" rIns="90000" bIns="-45000" anchor="t">
             <a:noAutofit/>
           </a:bodyPr>
-          <a:p>
-            <a:endParaRPr b="0" lang="en-US" sz="1800" strike="noStrike" u="none">
+          <a:lstStyle/>
+          <a:p>
+            <a:endParaRPr lang="en-US" sz="1800" b="0" u="none" strike="noStrike">
               <a:solidFill>
                 <a:srgbClr val="000000"/>
               </a:solidFill>
@@ -313,7 +1041,7 @@
       </p:sp>
       <p:sp>
         <p:nvSpPr>
-          <p:cNvPr id="3" name=""/>
+          <p:cNvPr id="3" name="直接连接符 2"/>
           <p:cNvSpPr/>
           <p:nvPr/>
         </p:nvSpPr>
@@ -333,17 +1061,24 @@
           </a:ln>
         </p:spPr>
         <p:style>
-          <a:lnRef idx="0"/>
-          <a:fillRef idx="0"/>
-          <a:effectRef idx="0"/>
+          <a:lnRef idx="0">
+            <a:scrgbClr r="0" g="0" b="0"/>
+          </a:lnRef>
+          <a:fillRef idx="0">
+            <a:scrgbClr r="0" g="0" b="0"/>
+          </a:fillRef>
+          <a:effectRef idx="0">
+            <a:scrgbClr r="0" g="0" b="0"/>
+          </a:effectRef>
           <a:fontRef idx="minor"/>
         </p:style>
         <p:txBody>
-          <a:bodyPr lIns="90000" rIns="90000" tIns="-45360" bIns="-45360" anchor="t">
+          <a:bodyPr lIns="90000" tIns="-45360" rIns="90000" bIns="-45360" anchor="t">
             <a:noAutofit/>
           </a:bodyPr>
-          <a:p>
-            <a:endParaRPr b="0" lang="en-US" sz="1800" strike="noStrike" u="none">
+          <a:lstStyle/>
+          <a:p>
+            <a:endParaRPr lang="en-US" sz="1800" b="0" u="none" strike="noStrike">
               <a:solidFill>
                 <a:srgbClr val="000000"/>
               </a:solidFill>
@@ -356,12 +1091,12 @@
       </p:sp>
       <p:pic>
         <p:nvPicPr>
-          <p:cNvPr id="4" name="" descr=""/>
+          <p:cNvPr id="4" name="图片 3"/>
           <p:cNvPicPr/>
           <p:nvPr/>
         </p:nvPicPr>
         <p:blipFill>
-          <a:blip r:embed="rId2"/>
+          <a:blip r:embed="rId4"/>
           <a:stretch/>
         </p:blipFill>
         <p:spPr>
@@ -379,12 +1114,12 @@
       </p:pic>
       <p:pic>
         <p:nvPicPr>
-          <p:cNvPr id="5" name="" descr=""/>
+          <p:cNvPr id="5" name="图片 4"/>
           <p:cNvPicPr/>
           <p:nvPr/>
         </p:nvPicPr>
         <p:blipFill>
-          <a:blip r:embed="rId3"/>
+          <a:blip r:embed="rId5"/>
           <a:stretch/>
         </p:blipFill>
         <p:spPr>
@@ -402,7 +1137,7 @@
       </p:pic>
       <p:sp>
         <p:nvSpPr>
-          <p:cNvPr id="6" name=""/>
+          <p:cNvPr id="6" name="矩形 5"/>
           <p:cNvSpPr/>
           <p:nvPr/>
         </p:nvSpPr>
@@ -420,15 +1155,22 @@
           </a:ln>
         </p:spPr>
         <p:style>
-          <a:lnRef idx="0"/>
-          <a:fillRef idx="0"/>
-          <a:effectRef idx="0"/>
+          <a:lnRef idx="0">
+            <a:scrgbClr r="0" g="0" b="0"/>
+          </a:lnRef>
+          <a:fillRef idx="0">
+            <a:scrgbClr r="0" g="0" b="0"/>
+          </a:fillRef>
+          <a:effectRef idx="0">
+            <a:scrgbClr r="0" g="0" b="0"/>
+          </a:effectRef>
           <a:fontRef idx="minor"/>
         </p:style>
         <p:txBody>
-          <a:bodyPr lIns="90000" rIns="90000" tIns="45000" bIns="45000" anchor="t">
+          <a:bodyPr lIns="90000" tIns="45000" rIns="90000" bIns="45000" anchor="t">
             <a:noAutofit/>
           </a:bodyPr>
+          <a:lstStyle/>
           <a:p>
             <a:pPr>
               <a:lnSpc>
@@ -441,24 +1183,24 @@
                 <a:spcPts val="26"/>
               </a:spcAft>
               <a:tabLst>
-                <a:tab algn="l" pos="0"/>
-                <a:tab algn="l" pos="914400"/>
-                <a:tab algn="l" pos="1828800"/>
-                <a:tab algn="l" pos="2743200"/>
-                <a:tab algn="l" pos="3657600"/>
-                <a:tab algn="l" pos="4572000"/>
-                <a:tab algn="l" pos="5486400"/>
-                <a:tab algn="l" pos="6400800"/>
-                <a:tab algn="l" pos="7315200"/>
-                <a:tab algn="l" pos="8229600"/>
-                <a:tab algn="l" pos="9144000"/>
-                <a:tab algn="l" pos="10058400"/>
-                <a:tab algn="l" pos="10333080"/>
-                <a:tab algn="l" pos="10782360"/>
+                <a:tab pos="0" algn="l"/>
+                <a:tab pos="914400" algn="l"/>
+                <a:tab pos="1828800" algn="l"/>
+                <a:tab pos="2743200" algn="l"/>
+                <a:tab pos="3657600" algn="l"/>
+                <a:tab pos="4572000" algn="l"/>
+                <a:tab pos="5486400" algn="l"/>
+                <a:tab pos="6400800" algn="l"/>
+                <a:tab pos="7315200" algn="l"/>
+                <a:tab pos="8229600" algn="l"/>
+                <a:tab pos="9144000" algn="l"/>
+                <a:tab pos="10058400" algn="l"/>
+                <a:tab pos="10333080" algn="l"/>
+                <a:tab pos="10782360" algn="l"/>
               </a:tabLst>
             </a:pPr>
             <a:r>
-              <a:rPr b="0" lang="en-US" sz="1200" strike="noStrike" u="none">
+              <a:rPr lang="en-US" sz="1200" b="0" u="none" strike="noStrike">
                 <a:solidFill>
                   <a:srgbClr val="000000"/>
                 </a:solidFill>
@@ -466,20 +1208,9 @@
                 <a:latin typeface="Arial"/>
                 <a:ea typeface="DejaVu Sans"/>
               </a:rPr>
-              <a:t>05.12.2025 | </a:t>
-            </a:r>
-            <a:r>
-              <a:rPr b="0" lang="en-US" sz="1200" strike="noStrike" u="none">
-                <a:solidFill>
-                  <a:srgbClr val="000000"/>
-                </a:solidFill>
-                <a:uFillTx/>
-                <a:latin typeface="Arial"/>
-                <a:ea typeface="DejaVu Sans"/>
-              </a:rPr>
-              <a:t>	</a:t>
-            </a:r>
-            <a:endParaRPr b="0" lang="en-US" sz="1200" strike="noStrike" u="none">
+              <a:t>05.12.2025 | 	</a:t>
+            </a:r>
+            <a:endParaRPr lang="en-US" sz="1200" b="0" u="none" strike="noStrike">
               <a:solidFill>
                 <a:srgbClr val="000000"/>
               </a:solidFill>
@@ -491,7 +1222,7 @@
       </p:sp>
       <p:sp>
         <p:nvSpPr>
-          <p:cNvPr id="7" name=""/>
+          <p:cNvPr id="7" name="矩形 6"/>
           <p:cNvSpPr/>
           <p:nvPr/>
         </p:nvSpPr>
@@ -509,15 +1240,22 @@
           </a:ln>
         </p:spPr>
         <p:style>
-          <a:lnRef idx="0"/>
-          <a:fillRef idx="0"/>
-          <a:effectRef idx="0"/>
+          <a:lnRef idx="0">
+            <a:scrgbClr r="0" g="0" b="0"/>
+          </a:lnRef>
+          <a:fillRef idx="0">
+            <a:scrgbClr r="0" g="0" b="0"/>
+          </a:fillRef>
+          <a:effectRef idx="0">
+            <a:scrgbClr r="0" g="0" b="0"/>
+          </a:effectRef>
           <a:fontRef idx="minor"/>
         </p:style>
         <p:txBody>
-          <a:bodyPr lIns="90000" rIns="90000" tIns="45000" bIns="45000" anchor="t">
+          <a:bodyPr lIns="90000" tIns="45000" rIns="90000" bIns="45000" anchor="t">
             <a:noAutofit/>
           </a:bodyPr>
+          <a:lstStyle/>
           <a:p>
             <a:pPr>
               <a:lnSpc>
@@ -530,24 +1268,24 @@
                 <a:spcPts val="992"/>
               </a:spcAft>
               <a:tabLst>
-                <a:tab algn="l" pos="0"/>
-                <a:tab algn="l" pos="914400"/>
-                <a:tab algn="l" pos="1828800"/>
-                <a:tab algn="l" pos="2743200"/>
-                <a:tab algn="l" pos="3657600"/>
-                <a:tab algn="l" pos="4572000"/>
-                <a:tab algn="l" pos="5486400"/>
-                <a:tab algn="l" pos="6400800"/>
-                <a:tab algn="l" pos="7315200"/>
-                <a:tab algn="l" pos="8229600"/>
-                <a:tab algn="l" pos="9144000"/>
-                <a:tab algn="l" pos="10058400"/>
-                <a:tab algn="l" pos="10333080"/>
-                <a:tab algn="l" pos="10782360"/>
+                <a:tab pos="0" algn="l"/>
+                <a:tab pos="914400" algn="l"/>
+                <a:tab pos="1828800" algn="l"/>
+                <a:tab pos="2743200" algn="l"/>
+                <a:tab pos="3657600" algn="l"/>
+                <a:tab pos="4572000" algn="l"/>
+                <a:tab pos="5486400" algn="l"/>
+                <a:tab pos="6400800" algn="l"/>
+                <a:tab pos="7315200" algn="l"/>
+                <a:tab pos="8229600" algn="l"/>
+                <a:tab pos="9144000" algn="l"/>
+                <a:tab pos="10058400" algn="l"/>
+                <a:tab pos="10333080" algn="l"/>
+                <a:tab pos="10782360" algn="l"/>
               </a:tabLst>
             </a:pPr>
             <a:r>
-              <a:rPr b="0" lang="en-US" sz="1200" strike="noStrike" u="none">
+              <a:rPr lang="en-US" sz="1200" b="0" u="none" strike="noStrike">
                 <a:solidFill>
                   <a:srgbClr val="000000"/>
                 </a:solidFill>
@@ -557,7 +1295,7 @@
               </a:rPr>
               <a:t>Charging Station Upgrade to OCPP Communication for Smart Charging </a:t>
             </a:r>
-            <a:endParaRPr b="0" lang="en-US" sz="1200" strike="noStrike" u="none">
+            <a:endParaRPr lang="en-US" sz="1200" b="0" u="none" strike="noStrike">
               <a:solidFill>
                 <a:srgbClr val="000000"/>
               </a:solidFill>
@@ -569,7 +1307,7 @@
       </p:sp>
       <p:sp>
         <p:nvSpPr>
-          <p:cNvPr id="8" name=""/>
+          <p:cNvPr id="8" name="矩形 7"/>
           <p:cNvSpPr/>
           <p:nvPr/>
         </p:nvSpPr>
@@ -587,15 +1325,22 @@
           </a:ln>
         </p:spPr>
         <p:style>
-          <a:lnRef idx="0"/>
-          <a:fillRef idx="0"/>
-          <a:effectRef idx="0"/>
+          <a:lnRef idx="0">
+            <a:scrgbClr r="0" g="0" b="0"/>
+          </a:lnRef>
+          <a:fillRef idx="0">
+            <a:scrgbClr r="0" g="0" b="0"/>
+          </a:fillRef>
+          <a:effectRef idx="0">
+            <a:scrgbClr r="0" g="0" b="0"/>
+          </a:effectRef>
           <a:fontRef idx="minor"/>
         </p:style>
         <p:txBody>
-          <a:bodyPr wrap="none" lIns="90000" rIns="90000" tIns="45000" bIns="45000" anchor="t">
+          <a:bodyPr wrap="none" lIns="90000" tIns="45000" rIns="90000" bIns="45000" anchor="t">
             <a:noAutofit/>
           </a:bodyPr>
+          <a:lstStyle/>
           <a:p>
             <a:pPr>
               <a:lnSpc>
@@ -608,24 +1353,24 @@
                 <a:spcPts val="26"/>
               </a:spcAft>
               <a:tabLst>
-                <a:tab algn="l" pos="0"/>
-                <a:tab algn="l" pos="914400"/>
-                <a:tab algn="l" pos="1828800"/>
-                <a:tab algn="l" pos="2743200"/>
-                <a:tab algn="l" pos="3657600"/>
-                <a:tab algn="l" pos="4572000"/>
-                <a:tab algn="l" pos="5486400"/>
-                <a:tab algn="l" pos="6400800"/>
-                <a:tab algn="l" pos="7315200"/>
-                <a:tab algn="l" pos="8229600"/>
-                <a:tab algn="l" pos="9144000"/>
-                <a:tab algn="l" pos="10058400"/>
-                <a:tab algn="l" pos="10333080"/>
-                <a:tab algn="l" pos="10782360"/>
+                <a:tab pos="0" algn="l"/>
+                <a:tab pos="914400" algn="l"/>
+                <a:tab pos="1828800" algn="l"/>
+                <a:tab pos="2743200" algn="l"/>
+                <a:tab pos="3657600" algn="l"/>
+                <a:tab pos="4572000" algn="l"/>
+                <a:tab pos="5486400" algn="l"/>
+                <a:tab pos="6400800" algn="l"/>
+                <a:tab pos="7315200" algn="l"/>
+                <a:tab pos="8229600" algn="l"/>
+                <a:tab pos="9144000" algn="l"/>
+                <a:tab pos="10058400" algn="l"/>
+                <a:tab pos="10333080" algn="l"/>
+                <a:tab pos="10782360" algn="l"/>
               </a:tabLst>
             </a:pPr>
             <a:r>
-              <a:rPr b="0" lang="en-US" sz="1200" strike="noStrike" u="none">
+              <a:rPr lang="en-US" sz="1200" b="0" u="none" strike="noStrike">
                 <a:solidFill>
                   <a:srgbClr val="000000"/>
                 </a:solidFill>
@@ -635,7 +1380,7 @@
               </a:rPr>
               <a:t>| Junfan Jin, Can Zeng, </a:t>
             </a:r>
-            <a:endParaRPr b="0" lang="en-US" sz="1200" strike="noStrike" u="none">
+            <a:endParaRPr lang="en-US" sz="1200" b="0" u="none" strike="noStrike">
               <a:solidFill>
                 <a:srgbClr val="000000"/>
               </a:solidFill>
@@ -655,24 +1400,24 @@
                 <a:spcPts val="26"/>
               </a:spcAft>
               <a:tabLst>
-                <a:tab algn="l" pos="0"/>
-                <a:tab algn="l" pos="914400"/>
-                <a:tab algn="l" pos="1828800"/>
-                <a:tab algn="l" pos="2743200"/>
-                <a:tab algn="l" pos="3657600"/>
-                <a:tab algn="l" pos="4572000"/>
-                <a:tab algn="l" pos="5486400"/>
-                <a:tab algn="l" pos="6400800"/>
-                <a:tab algn="l" pos="7315200"/>
-                <a:tab algn="l" pos="8229600"/>
-                <a:tab algn="l" pos="9144000"/>
-                <a:tab algn="l" pos="10058400"/>
-                <a:tab algn="l" pos="10333080"/>
-                <a:tab algn="l" pos="10782360"/>
+                <a:tab pos="0" algn="l"/>
+                <a:tab pos="914400" algn="l"/>
+                <a:tab pos="1828800" algn="l"/>
+                <a:tab pos="2743200" algn="l"/>
+                <a:tab pos="3657600" algn="l"/>
+                <a:tab pos="4572000" algn="l"/>
+                <a:tab pos="5486400" algn="l"/>
+                <a:tab pos="6400800" algn="l"/>
+                <a:tab pos="7315200" algn="l"/>
+                <a:tab pos="8229600" algn="l"/>
+                <a:tab pos="9144000" algn="l"/>
+                <a:tab pos="10058400" algn="l"/>
+                <a:tab pos="10333080" algn="l"/>
+                <a:tab pos="10782360" algn="l"/>
               </a:tabLst>
             </a:pPr>
             <a:r>
-              <a:rPr b="0" lang="en-US" sz="1200" strike="noStrike" u="none">
+              <a:rPr lang="en-US" sz="1200" b="0" u="none" strike="noStrike">
                 <a:solidFill>
                   <a:srgbClr val="000000"/>
                 </a:solidFill>
@@ -680,20 +1425,9 @@
                 <a:latin typeface="Arial"/>
                 <a:ea typeface="DejaVu Sans"/>
               </a:rPr>
-              <a:t>  </a:t>
-            </a:r>
-            <a:r>
-              <a:rPr b="0" lang="en-US" sz="1200" strike="noStrike" u="none">
-                <a:solidFill>
-                  <a:srgbClr val="000000"/>
-                </a:solidFill>
-                <a:uFillTx/>
-                <a:latin typeface="Arial"/>
-                <a:ea typeface="DejaVu Sans"/>
-              </a:rPr>
-              <a:t>Yunan Jiang, Huang Chen</a:t>
-            </a:r>
-            <a:endParaRPr b="0" lang="en-US" sz="1200" strike="noStrike" u="none">
+              <a:t>  Yunan Jiang, Huang Chen</a:t>
+            </a:r>
+            <a:endParaRPr lang="en-US" sz="1200" b="0" u="none" strike="noStrike">
               <a:solidFill>
                 <a:srgbClr val="000000"/>
               </a:solidFill>
@@ -705,7 +1439,7 @@
       </p:sp>
       <p:sp>
         <p:nvSpPr>
-          <p:cNvPr id="9" name=""/>
+          <p:cNvPr id="9" name="直接连接符 8"/>
           <p:cNvSpPr/>
           <p:nvPr/>
         </p:nvSpPr>
@@ -725,17 +1459,24 @@
           </a:ln>
         </p:spPr>
         <p:style>
-          <a:lnRef idx="0"/>
-          <a:fillRef idx="0"/>
-          <a:effectRef idx="0"/>
+          <a:lnRef idx="0">
+            <a:scrgbClr r="0" g="0" b="0"/>
+          </a:lnRef>
+          <a:fillRef idx="0">
+            <a:scrgbClr r="0" g="0" b="0"/>
+          </a:fillRef>
+          <a:effectRef idx="0">
+            <a:scrgbClr r="0" g="0" b="0"/>
+          </a:effectRef>
           <a:fontRef idx="minor"/>
         </p:style>
         <p:txBody>
-          <a:bodyPr lIns="90000" rIns="90000" tIns="-45360" bIns="-45360" anchor="t">
+          <a:bodyPr lIns="90000" tIns="-45360" rIns="90000" bIns="-45360" anchor="t">
             <a:noAutofit/>
           </a:bodyPr>
-          <a:p>
-            <a:endParaRPr b="0" lang="en-US" sz="1800" strike="noStrike" u="none">
+          <a:lstStyle/>
+          <a:p>
+            <a:endParaRPr lang="en-US" sz="1800" b="0" u="none" strike="noStrike">
               <a:solidFill>
                 <a:srgbClr val="000000"/>
               </a:solidFill>
@@ -770,15 +1511,16 @@
           </a:ln>
         </p:spPr>
         <p:txBody>
-          <a:bodyPr lIns="0" rIns="0" tIns="0" bIns="0" anchor="ctr">
+          <a:bodyPr lIns="0" tIns="0" rIns="0" bIns="0" anchor="ctr">
             <a:noAutofit/>
           </a:bodyPr>
+          <a:lstStyle/>
           <a:p>
             <a:pPr indent="0">
               <a:buNone/>
             </a:pPr>
             <a:r>
-              <a:rPr b="0" lang="zh-CN" sz="1800" strike="noStrike" u="none">
+              <a:rPr lang="zh-CN" sz="1800" b="0" u="none" strike="noStrike">
                 <a:solidFill>
                   <a:srgbClr val="000000"/>
                 </a:solidFill>
@@ -787,7 +1529,7 @@
               </a:rPr>
               <a:t>单击以编辑标题文本格式</a:t>
             </a:r>
-            <a:endParaRPr b="0" lang="en-US" sz="1800" strike="noStrike" u="none">
+            <a:endParaRPr lang="en-US" sz="1800" b="0" u="none" strike="noStrike">
               <a:solidFill>
                 <a:srgbClr val="000000"/>
               </a:solidFill>
@@ -821,9 +1563,10 @@
           </a:ln>
         </p:spPr>
         <p:txBody>
-          <a:bodyPr lIns="0" rIns="0" tIns="0" bIns="0" anchor="t">
+          <a:bodyPr lIns="0" tIns="0" rIns="0" bIns="0" anchor="t">
             <a:normAutofit/>
           </a:bodyPr>
+          <a:lstStyle/>
           <a:p>
             <a:pPr marL="432000" indent="-324000">
               <a:spcBef>
@@ -837,7 +1580,7 @@
               <a:buChar char=""/>
             </a:pPr>
             <a:r>
-              <a:rPr b="0" lang="zh-CN" sz="1800" strike="noStrike" u="none">
+              <a:rPr lang="zh-CN" sz="1800" b="0" u="none" strike="noStrike">
                 <a:solidFill>
                   <a:srgbClr val="000000"/>
                 </a:solidFill>
@@ -846,7 +1589,7 @@
               </a:rPr>
               <a:t>点击以编辑提纲文本格式</a:t>
             </a:r>
-            <a:endParaRPr b="0" lang="en-US" sz="1800" strike="noStrike" u="none">
+            <a:endParaRPr lang="en-US" sz="1800" b="0" u="none" strike="noStrike">
               <a:solidFill>
                 <a:srgbClr val="000000"/>
               </a:solidFill>
@@ -855,7 +1598,7 @@
             </a:endParaRPr>
           </a:p>
           <a:p>
-            <a:pPr lvl="1" marL="864000" indent="-324000">
+            <a:pPr marL="864000" lvl="1" indent="-324000">
               <a:spcBef>
                 <a:spcPts val="1134"/>
               </a:spcBef>
@@ -867,7 +1610,7 @@
               <a:buChar char=""/>
             </a:pPr>
             <a:r>
-              <a:rPr b="0" lang="zh-CN" sz="1800" strike="noStrike" u="none">
+              <a:rPr lang="zh-CN" sz="1800" b="0" u="none" strike="noStrike">
                 <a:solidFill>
                   <a:srgbClr val="000000"/>
                 </a:solidFill>
@@ -876,7 +1619,7 @@
               </a:rPr>
               <a:t>第二提纲级别</a:t>
             </a:r>
-            <a:endParaRPr b="0" lang="en-US" sz="1800" strike="noStrike" u="none">
+            <a:endParaRPr lang="en-US" sz="1800" b="0" u="none" strike="noStrike">
               <a:solidFill>
                 <a:srgbClr val="000000"/>
               </a:solidFill>
@@ -885,7 +1628,7 @@
             </a:endParaRPr>
           </a:p>
           <a:p>
-            <a:pPr lvl="2" marL="1296000" indent="-288000">
+            <a:pPr marL="1296000" lvl="2" indent="-288000">
               <a:spcBef>
                 <a:spcPts val="850"/>
               </a:spcBef>
@@ -897,7 +1640,7 @@
               <a:buChar char=""/>
             </a:pPr>
             <a:r>
-              <a:rPr b="0" lang="zh-CN" sz="1800" strike="noStrike" u="none">
+              <a:rPr lang="zh-CN" sz="1800" b="0" u="none" strike="noStrike">
                 <a:solidFill>
                   <a:srgbClr val="000000"/>
                 </a:solidFill>
@@ -906,7 +1649,7 @@
               </a:rPr>
               <a:t>第三提纲级别</a:t>
             </a:r>
-            <a:endParaRPr b="0" lang="en-US" sz="1800" strike="noStrike" u="none">
+            <a:endParaRPr lang="en-US" sz="1800" b="0" u="none" strike="noStrike">
               <a:solidFill>
                 <a:srgbClr val="000000"/>
               </a:solidFill>
@@ -915,7 +1658,7 @@
             </a:endParaRPr>
           </a:p>
           <a:p>
-            <a:pPr lvl="3" marL="1728000" indent="-216000">
+            <a:pPr marL="1728000" lvl="3" indent="-216000">
               <a:spcBef>
                 <a:spcPts val="567"/>
               </a:spcBef>
@@ -927,7 +1670,7 @@
               <a:buChar char=""/>
             </a:pPr>
             <a:r>
-              <a:rPr b="0" lang="zh-CN" sz="1800" strike="noStrike" u="none">
+              <a:rPr lang="zh-CN" sz="1800" b="0" u="none" strike="noStrike">
                 <a:solidFill>
                   <a:srgbClr val="000000"/>
                 </a:solidFill>
@@ -936,7 +1679,7 @@
               </a:rPr>
               <a:t>第四提纲级别</a:t>
             </a:r>
-            <a:endParaRPr b="0" lang="en-US" sz="1800" strike="noStrike" u="none">
+            <a:endParaRPr lang="en-US" sz="1800" b="0" u="none" strike="noStrike">
               <a:solidFill>
                 <a:srgbClr val="000000"/>
               </a:solidFill>
@@ -945,7 +1688,7 @@
             </a:endParaRPr>
           </a:p>
           <a:p>
-            <a:pPr lvl="4" marL="2160000" indent="-216000">
+            <a:pPr marL="2160000" lvl="4" indent="-216000">
               <a:spcBef>
                 <a:spcPts val="283"/>
               </a:spcBef>
@@ -957,7 +1700,7 @@
               <a:buChar char=""/>
             </a:pPr>
             <a:r>
-              <a:rPr b="0" lang="zh-CN" sz="1800" strike="noStrike" u="none">
+              <a:rPr lang="zh-CN" sz="1800" b="0" u="none" strike="noStrike">
                 <a:solidFill>
                   <a:srgbClr val="000000"/>
                 </a:solidFill>
@@ -966,7 +1709,7 @@
               </a:rPr>
               <a:t>第五提纲级别</a:t>
             </a:r>
-            <a:endParaRPr b="0" lang="en-US" sz="1800" strike="noStrike" u="none">
+            <a:endParaRPr lang="en-US" sz="1800" b="0" u="none" strike="noStrike">
               <a:solidFill>
                 <a:srgbClr val="000000"/>
               </a:solidFill>
@@ -975,7 +1718,7 @@
             </a:endParaRPr>
           </a:p>
           <a:p>
-            <a:pPr lvl="5" marL="2592000" indent="-216000">
+            <a:pPr marL="2592000" lvl="5" indent="-216000">
               <a:spcBef>
                 <a:spcPts val="283"/>
               </a:spcBef>
@@ -987,7 +1730,7 @@
               <a:buChar char=""/>
             </a:pPr>
             <a:r>
-              <a:rPr b="0" lang="zh-CN" sz="1800" strike="noStrike" u="none">
+              <a:rPr lang="zh-CN" sz="1800" b="0" u="none" strike="noStrike">
                 <a:solidFill>
                   <a:srgbClr val="000000"/>
                 </a:solidFill>
@@ -996,7 +1739,7 @@
               </a:rPr>
               <a:t>第六提纲级别</a:t>
             </a:r>
-            <a:endParaRPr b="0" lang="en-US" sz="1800" strike="noStrike" u="none">
+            <a:endParaRPr lang="en-US" sz="1800" b="0" u="none" strike="noStrike">
               <a:solidFill>
                 <a:srgbClr val="000000"/>
               </a:solidFill>
@@ -1005,7 +1748,7 @@
             </a:endParaRPr>
           </a:p>
           <a:p>
-            <a:pPr lvl="6" marL="3024000" indent="-216000">
+            <a:pPr marL="3024000" lvl="6" indent="-216000">
               <a:spcBef>
                 <a:spcPts val="283"/>
               </a:spcBef>
@@ -1017,7 +1760,7 @@
               <a:buChar char=""/>
             </a:pPr>
             <a:r>
-              <a:rPr b="0" lang="zh-CN" sz="1800" strike="noStrike" u="none">
+              <a:rPr lang="zh-CN" sz="1800" b="0" u="none" strike="noStrike">
                 <a:solidFill>
                   <a:srgbClr val="000000"/>
                 </a:solidFill>
@@ -1026,7 +1769,7 @@
               </a:rPr>
               <a:t>第七提纲级别</a:t>
             </a:r>
-            <a:endParaRPr b="0" lang="en-US" sz="1800" strike="noStrike" u="none">
+            <a:endParaRPr lang="en-US" sz="1800" b="0" u="none" strike="noStrike">
               <a:solidFill>
                 <a:srgbClr val="000000"/>
               </a:solidFill>
@@ -1040,13 +1783,2126 @@
   </p:cSld>
   <p:clrMap bg1="lt1" tx1="dk1" bg2="lt2" tx2="dk2" accent1="accent1" accent2="accent2" accent3="accent3" accent4="accent4" accent5="accent5" accent6="accent6" hlink="hlink" folHlink="folHlink"/>
   <p:sldLayoutIdLst>
-    <p:sldLayoutId id="2147483649" r:id="rId4"/>
+    <p:sldLayoutId id="2147483649" r:id="rId1"/>
+    <p:sldLayoutId id="2147483650" r:id="rId2"/>
   </p:sldLayoutIdLst>
+  <p:txStyles>
+    <p:titleStyle>
+      <a:lvl1pPr algn="l" defTabSz="914400" rtl="0" eaLnBrk="1" latinLnBrk="0" hangingPunct="1">
+        <a:lnSpc>
+          <a:spcPct val="90000"/>
+        </a:lnSpc>
+        <a:spcBef>
+          <a:spcPct val="0"/>
+        </a:spcBef>
+        <a:buNone/>
+        <a:defRPr sz="4400" kern="1200">
+          <a:solidFill>
+            <a:schemeClr val="tx1"/>
+          </a:solidFill>
+          <a:latin typeface="+mj-lt"/>
+          <a:ea typeface="+mj-ea"/>
+          <a:cs typeface="+mj-cs"/>
+        </a:defRPr>
+      </a:lvl1pPr>
+    </p:titleStyle>
+    <p:bodyStyle>
+      <a:lvl1pPr marL="228600" indent="-228600" algn="l" defTabSz="914400" rtl="0" eaLnBrk="1" latinLnBrk="0" hangingPunct="1">
+        <a:lnSpc>
+          <a:spcPct val="90000"/>
+        </a:lnSpc>
+        <a:spcBef>
+          <a:spcPts val="1000"/>
+        </a:spcBef>
+        <a:buFont typeface="Arial" panose="020B0604020202020204" pitchFamily="34" charset="0"/>
+        <a:buChar char="•"/>
+        <a:defRPr sz="2800" kern="1200">
+          <a:solidFill>
+            <a:schemeClr val="tx1"/>
+          </a:solidFill>
+          <a:latin typeface="+mn-lt"/>
+          <a:ea typeface="+mn-ea"/>
+          <a:cs typeface="+mn-cs"/>
+        </a:defRPr>
+      </a:lvl1pPr>
+      <a:lvl2pPr marL="685800" indent="-228600" algn="l" defTabSz="914400" rtl="0" eaLnBrk="1" latinLnBrk="0" hangingPunct="1">
+        <a:lnSpc>
+          <a:spcPct val="90000"/>
+        </a:lnSpc>
+        <a:spcBef>
+          <a:spcPts val="500"/>
+        </a:spcBef>
+        <a:buFont typeface="Arial" panose="020B0604020202020204" pitchFamily="34" charset="0"/>
+        <a:buChar char="•"/>
+        <a:defRPr sz="2400" kern="1200">
+          <a:solidFill>
+            <a:schemeClr val="tx1"/>
+          </a:solidFill>
+          <a:latin typeface="+mn-lt"/>
+          <a:ea typeface="+mn-ea"/>
+          <a:cs typeface="+mn-cs"/>
+        </a:defRPr>
+      </a:lvl2pPr>
+      <a:lvl3pPr marL="1143000" indent="-228600" algn="l" defTabSz="914400" rtl="0" eaLnBrk="1" latinLnBrk="0" hangingPunct="1">
+        <a:lnSpc>
+          <a:spcPct val="90000"/>
+        </a:lnSpc>
+        <a:spcBef>
+          <a:spcPts val="500"/>
+        </a:spcBef>
+        <a:buFont typeface="Arial" panose="020B0604020202020204" pitchFamily="34" charset="0"/>
+        <a:buChar char="•"/>
+        <a:defRPr sz="2000" kern="1200">
+          <a:solidFill>
+            <a:schemeClr val="tx1"/>
+          </a:solidFill>
+          <a:latin typeface="+mn-lt"/>
+          <a:ea typeface="+mn-ea"/>
+          <a:cs typeface="+mn-cs"/>
+        </a:defRPr>
+      </a:lvl3pPr>
+      <a:lvl4pPr marL="1600200" indent="-228600" algn="l" defTabSz="914400" rtl="0" eaLnBrk="1" latinLnBrk="0" hangingPunct="1">
+        <a:lnSpc>
+          <a:spcPct val="90000"/>
+        </a:lnSpc>
+        <a:spcBef>
+          <a:spcPts val="500"/>
+        </a:spcBef>
+        <a:buFont typeface="Arial" panose="020B0604020202020204" pitchFamily="34" charset="0"/>
+        <a:buChar char="•"/>
+        <a:defRPr sz="1800" kern="1200">
+          <a:solidFill>
+            <a:schemeClr val="tx1"/>
+          </a:solidFill>
+          <a:latin typeface="+mn-lt"/>
+          <a:ea typeface="+mn-ea"/>
+          <a:cs typeface="+mn-cs"/>
+        </a:defRPr>
+      </a:lvl4pPr>
+      <a:lvl5pPr marL="2057400" indent="-228600" algn="l" defTabSz="914400" rtl="0" eaLnBrk="1" latinLnBrk="0" hangingPunct="1">
+        <a:lnSpc>
+          <a:spcPct val="90000"/>
+        </a:lnSpc>
+        <a:spcBef>
+          <a:spcPts val="500"/>
+        </a:spcBef>
+        <a:buFont typeface="Arial" panose="020B0604020202020204" pitchFamily="34" charset="0"/>
+        <a:buChar char="•"/>
+        <a:defRPr sz="1800" kern="1200">
+          <a:solidFill>
+            <a:schemeClr val="tx1"/>
+          </a:solidFill>
+          <a:latin typeface="+mn-lt"/>
+          <a:ea typeface="+mn-ea"/>
+          <a:cs typeface="+mn-cs"/>
+        </a:defRPr>
+      </a:lvl5pPr>
+      <a:lvl6pPr marL="2514600" indent="-228600" algn="l" defTabSz="914400" rtl="0" eaLnBrk="1" latinLnBrk="0" hangingPunct="1">
+        <a:lnSpc>
+          <a:spcPct val="90000"/>
+        </a:lnSpc>
+        <a:spcBef>
+          <a:spcPts val="500"/>
+        </a:spcBef>
+        <a:buFont typeface="Arial" panose="020B0604020202020204" pitchFamily="34" charset="0"/>
+        <a:buChar char="•"/>
+        <a:defRPr sz="1800" kern="1200">
+          <a:solidFill>
+            <a:schemeClr val="tx1"/>
+          </a:solidFill>
+          <a:latin typeface="+mn-lt"/>
+          <a:ea typeface="+mn-ea"/>
+          <a:cs typeface="+mn-cs"/>
+        </a:defRPr>
+      </a:lvl6pPr>
+      <a:lvl7pPr marL="2971800" indent="-228600" algn="l" defTabSz="914400" rtl="0" eaLnBrk="1" latinLnBrk="0" hangingPunct="1">
+        <a:lnSpc>
+          <a:spcPct val="90000"/>
+        </a:lnSpc>
+        <a:spcBef>
+          <a:spcPts val="500"/>
+        </a:spcBef>
+        <a:buFont typeface="Arial" panose="020B0604020202020204" pitchFamily="34" charset="0"/>
+        <a:buChar char="•"/>
+        <a:defRPr sz="1800" kern="1200">
+          <a:solidFill>
+            <a:schemeClr val="tx1"/>
+          </a:solidFill>
+          <a:latin typeface="+mn-lt"/>
+          <a:ea typeface="+mn-ea"/>
+          <a:cs typeface="+mn-cs"/>
+        </a:defRPr>
+      </a:lvl7pPr>
+      <a:lvl8pPr marL="3429000" indent="-228600" algn="l" defTabSz="914400" rtl="0" eaLnBrk="1" latinLnBrk="0" hangingPunct="1">
+        <a:lnSpc>
+          <a:spcPct val="90000"/>
+        </a:lnSpc>
+        <a:spcBef>
+          <a:spcPts val="500"/>
+        </a:spcBef>
+        <a:buFont typeface="Arial" panose="020B0604020202020204" pitchFamily="34" charset="0"/>
+        <a:buChar char="•"/>
+        <a:defRPr sz="1800" kern="1200">
+          <a:solidFill>
+            <a:schemeClr val="tx1"/>
+          </a:solidFill>
+          <a:latin typeface="+mn-lt"/>
+          <a:ea typeface="+mn-ea"/>
+          <a:cs typeface="+mn-cs"/>
+        </a:defRPr>
+      </a:lvl8pPr>
+      <a:lvl9pPr marL="3886200" indent="-228600" algn="l" defTabSz="914400" rtl="0" eaLnBrk="1" latinLnBrk="0" hangingPunct="1">
+        <a:lnSpc>
+          <a:spcPct val="90000"/>
+        </a:lnSpc>
+        <a:spcBef>
+          <a:spcPts val="500"/>
+        </a:spcBef>
+        <a:buFont typeface="Arial" panose="020B0604020202020204" pitchFamily="34" charset="0"/>
+        <a:buChar char="•"/>
+        <a:defRPr sz="1800" kern="1200">
+          <a:solidFill>
+            <a:schemeClr val="tx1"/>
+          </a:solidFill>
+          <a:latin typeface="+mn-lt"/>
+          <a:ea typeface="+mn-ea"/>
+          <a:cs typeface="+mn-cs"/>
+        </a:defRPr>
+      </a:lvl9pPr>
+    </p:bodyStyle>
+    <p:otherStyle>
+      <a:defPPr>
+        <a:defRPr lang="zh-CN"/>
+      </a:defPPr>
+      <a:lvl1pPr marL="0" algn="l" defTabSz="914400" rtl="0" eaLnBrk="1" latinLnBrk="0" hangingPunct="1">
+        <a:defRPr sz="1800" kern="1200">
+          <a:solidFill>
+            <a:schemeClr val="tx1"/>
+          </a:solidFill>
+          <a:latin typeface="+mn-lt"/>
+          <a:ea typeface="+mn-ea"/>
+          <a:cs typeface="+mn-cs"/>
+        </a:defRPr>
+      </a:lvl1pPr>
+      <a:lvl2pPr marL="457200" algn="l" defTabSz="914400" rtl="0" eaLnBrk="1" latinLnBrk="0" hangingPunct="1">
+        <a:defRPr sz="1800" kern="1200">
+          <a:solidFill>
+            <a:schemeClr val="tx1"/>
+          </a:solidFill>
+          <a:latin typeface="+mn-lt"/>
+          <a:ea typeface="+mn-ea"/>
+          <a:cs typeface="+mn-cs"/>
+        </a:defRPr>
+      </a:lvl2pPr>
+      <a:lvl3pPr marL="914400" algn="l" defTabSz="914400" rtl="0" eaLnBrk="1" latinLnBrk="0" hangingPunct="1">
+        <a:defRPr sz="1800" kern="1200">
+          <a:solidFill>
+            <a:schemeClr val="tx1"/>
+          </a:solidFill>
+          <a:latin typeface="+mn-lt"/>
+          <a:ea typeface="+mn-ea"/>
+          <a:cs typeface="+mn-cs"/>
+        </a:defRPr>
+      </a:lvl3pPr>
+      <a:lvl4pPr marL="1371600" algn="l" defTabSz="914400" rtl="0" eaLnBrk="1" latinLnBrk="0" hangingPunct="1">
+        <a:defRPr sz="1800" kern="1200">
+          <a:solidFill>
+            <a:schemeClr val="tx1"/>
+          </a:solidFill>
+          <a:latin typeface="+mn-lt"/>
+          <a:ea typeface="+mn-ea"/>
+          <a:cs typeface="+mn-cs"/>
+        </a:defRPr>
+      </a:lvl4pPr>
+      <a:lvl5pPr marL="1828800" algn="l" defTabSz="914400" rtl="0" eaLnBrk="1" latinLnBrk="0" hangingPunct="1">
+        <a:defRPr sz="1800" kern="1200">
+          <a:solidFill>
+            <a:schemeClr val="tx1"/>
+          </a:solidFill>
+          <a:latin typeface="+mn-lt"/>
+          <a:ea typeface="+mn-ea"/>
+          <a:cs typeface="+mn-cs"/>
+        </a:defRPr>
+      </a:lvl5pPr>
+      <a:lvl6pPr marL="2286000" algn="l" defTabSz="914400" rtl="0" eaLnBrk="1" latinLnBrk="0" hangingPunct="1">
+        <a:defRPr sz="1800" kern="1200">
+          <a:solidFill>
+            <a:schemeClr val="tx1"/>
+          </a:solidFill>
+          <a:latin typeface="+mn-lt"/>
+          <a:ea typeface="+mn-ea"/>
+          <a:cs typeface="+mn-cs"/>
+        </a:defRPr>
+      </a:lvl6pPr>
+      <a:lvl7pPr marL="2743200" algn="l" defTabSz="914400" rtl="0" eaLnBrk="1" latinLnBrk="0" hangingPunct="1">
+        <a:defRPr sz="1800" kern="1200">
+          <a:solidFill>
+            <a:schemeClr val="tx1"/>
+          </a:solidFill>
+          <a:latin typeface="+mn-lt"/>
+          <a:ea typeface="+mn-ea"/>
+          <a:cs typeface="+mn-cs"/>
+        </a:defRPr>
+      </a:lvl7pPr>
+      <a:lvl8pPr marL="3200400" algn="l" defTabSz="914400" rtl="0" eaLnBrk="1" latinLnBrk="0" hangingPunct="1">
+        <a:defRPr sz="1800" kern="1200">
+          <a:solidFill>
+            <a:schemeClr val="tx1"/>
+          </a:solidFill>
+          <a:latin typeface="+mn-lt"/>
+          <a:ea typeface="+mn-ea"/>
+          <a:cs typeface="+mn-cs"/>
+        </a:defRPr>
+      </a:lvl8pPr>
+      <a:lvl9pPr marL="3657600" algn="l" defTabSz="914400" rtl="0" eaLnBrk="1" latinLnBrk="0" hangingPunct="1">
+        <a:defRPr sz="1800" kern="1200">
+          <a:solidFill>
+            <a:schemeClr val="tx1"/>
+          </a:solidFill>
+          <a:latin typeface="+mn-lt"/>
+          <a:ea typeface="+mn-ea"/>
+          <a:cs typeface="+mn-cs"/>
+        </a:defRPr>
+      </a:lvl9pPr>
+    </p:otherStyle>
+  </p:txStyles>
+</p:sldMaster>
+</file>
+
+<file path=ppt/slideMasters/slideMaster2.xml><?xml version="1.0" encoding="utf-8"?>
+<p:sldMaster xmlns:a="http://schemas.openxmlformats.org/drawingml/2006/main" xmlns:r="http://schemas.openxmlformats.org/officeDocument/2006/relationships" xmlns:p="http://schemas.openxmlformats.org/presentationml/2006/main" preserve="1">
+  <p:cSld>
+    <p:bg>
+      <p:bgPr>
+        <a:solidFill>
+          <a:srgbClr val="FFFFFF"/>
+        </a:solidFill>
+        <a:effectLst/>
+      </p:bgPr>
+    </p:bg>
+    <p:spTree>
+      <p:nvGrpSpPr>
+        <p:cNvPr id="1" name="Shape 9"/>
+        <p:cNvGrpSpPr/>
+        <p:nvPr/>
+      </p:nvGrpSpPr>
+      <p:grpSpPr>
+        <a:xfrm>
+          <a:off x="0" y="0"/>
+          <a:ext cx="0" cy="0"/>
+          <a:chOff x="0" y="0"/>
+          <a:chExt cx="0" cy="0"/>
+        </a:xfrm>
+      </p:grpSpPr>
+      <p:sp>
+        <p:nvSpPr>
+          <p:cNvPr id="10" name="Google Shape;10;p1"/>
+          <p:cNvSpPr/>
+          <p:nvPr/>
+        </p:nvSpPr>
+        <p:spPr>
+          <a:xfrm>
+            <a:off x="276622" y="405961"/>
+            <a:ext cx="9526191" cy="1190103"/>
+          </a:xfrm>
+          <a:prstGeom prst="rect">
+            <a:avLst/>
+          </a:prstGeom>
+          <a:noFill/>
+          <a:ln>
+            <a:noFill/>
+          </a:ln>
+        </p:spPr>
+        <p:txBody>
+          <a:bodyPr spcFirstLastPara="1" wrap="square" lIns="100779" tIns="100779" rIns="100779" bIns="100779" anchor="ctr" anchorCtr="0">
+            <a:noAutofit/>
+          </a:bodyPr>
+          <a:lstStyle/>
+          <a:p>
+            <a:pPr marL="0" lvl="0" indent="0" algn="l" rtl="0">
+              <a:spcBef>
+                <a:spcPts val="0"/>
+              </a:spcBef>
+              <a:spcAft>
+                <a:spcPts val="0"/>
+              </a:spcAft>
+              <a:buNone/>
+            </a:pPr>
+            <a:endParaRPr sz="1984"/>
+          </a:p>
+        </p:txBody>
+      </p:sp>
+      <p:sp>
+        <p:nvSpPr>
+          <p:cNvPr id="11" name="Google Shape;11;p1"/>
+          <p:cNvSpPr/>
+          <p:nvPr/>
+        </p:nvSpPr>
+        <p:spPr>
+          <a:xfrm>
+            <a:off x="276622" y="217068"/>
+            <a:ext cx="9526191" cy="157543"/>
+          </a:xfrm>
+          <a:prstGeom prst="rect">
+            <a:avLst/>
+          </a:prstGeom>
+          <a:solidFill>
+            <a:srgbClr val="99C000"/>
+          </a:solidFill>
+          <a:ln>
+            <a:noFill/>
+          </a:ln>
+        </p:spPr>
+        <p:txBody>
+          <a:bodyPr spcFirstLastPara="1" wrap="square" lIns="100779" tIns="100779" rIns="100779" bIns="100779" anchor="ctr" anchorCtr="0">
+            <a:noAutofit/>
+          </a:bodyPr>
+          <a:lstStyle/>
+          <a:p>
+            <a:pPr marL="0" lvl="0" indent="0" algn="l" rtl="0">
+              <a:spcBef>
+                <a:spcPts val="0"/>
+              </a:spcBef>
+              <a:spcAft>
+                <a:spcPts val="0"/>
+              </a:spcAft>
+              <a:buNone/>
+            </a:pPr>
+            <a:endParaRPr sz="1984"/>
+          </a:p>
+        </p:txBody>
+      </p:sp>
+      <p:pic>
+        <p:nvPicPr>
+          <p:cNvPr id="12" name="Google Shape;12;p1"/>
+          <p:cNvPicPr preferRelativeResize="0"/>
+          <p:nvPr/>
+        </p:nvPicPr>
+        <p:blipFill rotWithShape="1">
+          <a:blip r:embed="rId3">
+            <a:alphaModFix/>
+          </a:blip>
+          <a:srcRect r="5428"/>
+          <a:stretch/>
+        </p:blipFill>
+        <p:spPr>
+          <a:xfrm>
+            <a:off x="7901781" y="565091"/>
+            <a:ext cx="2063353" cy="871446"/>
+          </a:xfrm>
+          <a:prstGeom prst="rect">
+            <a:avLst/>
+          </a:prstGeom>
+          <a:noFill/>
+          <a:ln>
+            <a:noFill/>
+          </a:ln>
+        </p:spPr>
+      </p:pic>
+      <p:cxnSp>
+        <p:nvCxnSpPr>
+          <p:cNvPr id="13" name="Google Shape;13;p1"/>
+          <p:cNvCxnSpPr/>
+          <p:nvPr/>
+        </p:nvCxnSpPr>
+        <p:spPr>
+          <a:xfrm>
+            <a:off x="276225" y="1597651"/>
+            <a:ext cx="9525794" cy="0"/>
+          </a:xfrm>
+          <a:prstGeom prst="straightConnector1">
+            <a:avLst/>
+          </a:prstGeom>
+          <a:noFill/>
+          <a:ln w="9525" cap="flat" cmpd="sng">
+            <a:solidFill>
+              <a:srgbClr val="000000"/>
+            </a:solidFill>
+            <a:prstDash val="solid"/>
+            <a:round/>
+            <a:headEnd type="none" w="sm" len="sm"/>
+            <a:tailEnd type="none" w="sm" len="sm"/>
+          </a:ln>
+        </p:spPr>
+      </p:cxnSp>
+      <p:sp>
+        <p:nvSpPr>
+          <p:cNvPr id="14" name="Google Shape;14;p1"/>
+          <p:cNvSpPr/>
+          <p:nvPr/>
+        </p:nvSpPr>
+        <p:spPr>
+          <a:xfrm>
+            <a:off x="276622" y="404373"/>
+            <a:ext cx="9524206" cy="14286"/>
+          </a:xfrm>
+          <a:prstGeom prst="rect">
+            <a:avLst/>
+          </a:prstGeom>
+          <a:solidFill>
+            <a:srgbClr val="000000"/>
+          </a:solidFill>
+          <a:ln>
+            <a:noFill/>
+          </a:ln>
+        </p:spPr>
+        <p:txBody>
+          <a:bodyPr spcFirstLastPara="1" wrap="square" lIns="100779" tIns="100779" rIns="100779" bIns="100779" anchor="ctr" anchorCtr="0">
+            <a:noAutofit/>
+          </a:bodyPr>
+          <a:lstStyle/>
+          <a:p>
+            <a:pPr marL="0" lvl="0" indent="0" algn="l" rtl="0">
+              <a:spcBef>
+                <a:spcPts val="0"/>
+              </a:spcBef>
+              <a:spcAft>
+                <a:spcPts val="0"/>
+              </a:spcAft>
+              <a:buNone/>
+            </a:pPr>
+            <a:endParaRPr sz="1984"/>
+          </a:p>
+        </p:txBody>
+      </p:sp>
+      <p:cxnSp>
+        <p:nvCxnSpPr>
+          <p:cNvPr id="15" name="Google Shape;15;p1"/>
+          <p:cNvCxnSpPr/>
+          <p:nvPr/>
+        </p:nvCxnSpPr>
+        <p:spPr>
+          <a:xfrm>
+            <a:off x="278209" y="7008077"/>
+            <a:ext cx="9525794" cy="0"/>
+          </a:xfrm>
+          <a:prstGeom prst="straightConnector1">
+            <a:avLst/>
+          </a:prstGeom>
+          <a:noFill/>
+          <a:ln w="9525" cap="flat" cmpd="sng">
+            <a:solidFill>
+              <a:srgbClr val="000000"/>
+            </a:solidFill>
+            <a:prstDash val="solid"/>
+            <a:round/>
+            <a:headEnd type="none" w="sm" len="sm"/>
+            <a:tailEnd type="none" w="sm" len="sm"/>
+          </a:ln>
+        </p:spPr>
+      </p:cxnSp>
+      <p:sp>
+        <p:nvSpPr>
+          <p:cNvPr id="17" name="Google Shape;17;p1"/>
+          <p:cNvSpPr/>
+          <p:nvPr/>
+        </p:nvSpPr>
+        <p:spPr>
+          <a:xfrm>
+            <a:off x="276622" y="405960"/>
+            <a:ext cx="9526191" cy="2301237"/>
+          </a:xfrm>
+          <a:prstGeom prst="rect">
+            <a:avLst/>
+          </a:prstGeom>
+          <a:solidFill>
+            <a:srgbClr val="075578"/>
+          </a:solidFill>
+          <a:ln>
+            <a:noFill/>
+          </a:ln>
+        </p:spPr>
+        <p:txBody>
+          <a:bodyPr spcFirstLastPara="1" wrap="square" lIns="100779" tIns="100779" rIns="100779" bIns="100779" anchor="ctr" anchorCtr="0">
+            <a:noAutofit/>
+          </a:bodyPr>
+          <a:lstStyle/>
+          <a:p>
+            <a:pPr marL="0" lvl="0" indent="0" algn="l" rtl="0">
+              <a:spcBef>
+                <a:spcPts val="0"/>
+              </a:spcBef>
+              <a:spcAft>
+                <a:spcPts val="0"/>
+              </a:spcAft>
+              <a:buNone/>
+            </a:pPr>
+            <a:endParaRPr sz="1984"/>
+          </a:p>
+        </p:txBody>
+      </p:sp>
+      <p:sp>
+        <p:nvSpPr>
+          <p:cNvPr id="18" name="Google Shape;18;p1"/>
+          <p:cNvSpPr/>
+          <p:nvPr/>
+        </p:nvSpPr>
+        <p:spPr>
+          <a:xfrm>
+            <a:off x="276622" y="217068"/>
+            <a:ext cx="9526191" cy="157543"/>
+          </a:xfrm>
+          <a:prstGeom prst="rect">
+            <a:avLst/>
+          </a:prstGeom>
+          <a:solidFill>
+            <a:srgbClr val="075578"/>
+          </a:solidFill>
+          <a:ln>
+            <a:noFill/>
+          </a:ln>
+        </p:spPr>
+        <p:txBody>
+          <a:bodyPr spcFirstLastPara="1" wrap="square" lIns="100779" tIns="100779" rIns="100779" bIns="100779" anchor="ctr" anchorCtr="0">
+            <a:noAutofit/>
+          </a:bodyPr>
+          <a:lstStyle/>
+          <a:p>
+            <a:pPr marL="0" lvl="0" indent="0" algn="l" rtl="0">
+              <a:spcBef>
+                <a:spcPts val="0"/>
+              </a:spcBef>
+              <a:spcAft>
+                <a:spcPts val="0"/>
+              </a:spcAft>
+              <a:buNone/>
+            </a:pPr>
+            <a:endParaRPr sz="1984"/>
+          </a:p>
+        </p:txBody>
+      </p:sp>
+      <p:pic>
+        <p:nvPicPr>
+          <p:cNvPr id="19" name="Google Shape;19;p1"/>
+          <p:cNvPicPr preferRelativeResize="0"/>
+          <p:nvPr/>
+        </p:nvPicPr>
+        <p:blipFill rotWithShape="1">
+          <a:blip r:embed="rId3">
+            <a:alphaModFix/>
+          </a:blip>
+          <a:srcRect r="5428"/>
+          <a:stretch/>
+        </p:blipFill>
+        <p:spPr>
+          <a:xfrm>
+            <a:off x="7906941" y="724618"/>
+            <a:ext cx="2063353" cy="871446"/>
+          </a:xfrm>
+          <a:prstGeom prst="rect">
+            <a:avLst/>
+          </a:prstGeom>
+          <a:noFill/>
+          <a:ln>
+            <a:noFill/>
+          </a:ln>
+        </p:spPr>
+      </p:pic>
+      <p:cxnSp>
+        <p:nvCxnSpPr>
+          <p:cNvPr id="20" name="Google Shape;20;p1"/>
+          <p:cNvCxnSpPr/>
+          <p:nvPr/>
+        </p:nvCxnSpPr>
+        <p:spPr>
+          <a:xfrm>
+            <a:off x="278209" y="7008077"/>
+            <a:ext cx="9525794" cy="0"/>
+          </a:xfrm>
+          <a:prstGeom prst="straightConnector1">
+            <a:avLst/>
+          </a:prstGeom>
+          <a:noFill/>
+          <a:ln w="9525" cap="flat" cmpd="sng">
+            <a:solidFill>
+              <a:srgbClr val="000000"/>
+            </a:solidFill>
+            <a:prstDash val="solid"/>
+            <a:round/>
+            <a:headEnd type="none" w="sm" len="sm"/>
+            <a:tailEnd type="none" w="sm" len="sm"/>
+          </a:ln>
+        </p:spPr>
+      </p:cxnSp>
+      <p:sp>
+        <p:nvSpPr>
+          <p:cNvPr id="21" name="Google Shape;21;p1"/>
+          <p:cNvSpPr/>
+          <p:nvPr/>
+        </p:nvSpPr>
+        <p:spPr>
+          <a:xfrm>
+            <a:off x="276622" y="397230"/>
+            <a:ext cx="9524206" cy="14286"/>
+          </a:xfrm>
+          <a:prstGeom prst="rect">
+            <a:avLst/>
+          </a:prstGeom>
+          <a:solidFill>
+            <a:srgbClr val="000000"/>
+          </a:solidFill>
+          <a:ln>
+            <a:noFill/>
+          </a:ln>
+        </p:spPr>
+        <p:txBody>
+          <a:bodyPr spcFirstLastPara="1" wrap="square" lIns="100779" tIns="100779" rIns="100779" bIns="100779" anchor="ctr" anchorCtr="0">
+            <a:noAutofit/>
+          </a:bodyPr>
+          <a:lstStyle/>
+          <a:p>
+            <a:pPr marL="0" lvl="0" indent="0" algn="l" rtl="0">
+              <a:spcBef>
+                <a:spcPts val="0"/>
+              </a:spcBef>
+              <a:spcAft>
+                <a:spcPts val="0"/>
+              </a:spcAft>
+              <a:buNone/>
+            </a:pPr>
+            <a:endParaRPr sz="1984"/>
+          </a:p>
+        </p:txBody>
+      </p:sp>
+      <p:sp>
+        <p:nvSpPr>
+          <p:cNvPr id="22" name="Google Shape;22;p1"/>
+          <p:cNvSpPr/>
+          <p:nvPr/>
+        </p:nvSpPr>
+        <p:spPr>
+          <a:xfrm>
+            <a:off x="276622" y="2708784"/>
+            <a:ext cx="9524206" cy="7143"/>
+          </a:xfrm>
+          <a:prstGeom prst="rect">
+            <a:avLst/>
+          </a:prstGeom>
+          <a:solidFill>
+            <a:srgbClr val="000000"/>
+          </a:solidFill>
+          <a:ln>
+            <a:noFill/>
+          </a:ln>
+        </p:spPr>
+        <p:txBody>
+          <a:bodyPr spcFirstLastPara="1" wrap="square" lIns="100779" tIns="100779" rIns="100779" bIns="100779" anchor="ctr" anchorCtr="0">
+            <a:noAutofit/>
+          </a:bodyPr>
+          <a:lstStyle/>
+          <a:p>
+            <a:pPr marL="0" lvl="0" indent="0" algn="l" rtl="0">
+              <a:spcBef>
+                <a:spcPts val="0"/>
+              </a:spcBef>
+              <a:spcAft>
+                <a:spcPts val="0"/>
+              </a:spcAft>
+              <a:buNone/>
+            </a:pPr>
+            <a:endParaRPr sz="1984"/>
+          </a:p>
+        </p:txBody>
+      </p:sp>
+      <p:sp>
+        <p:nvSpPr>
+          <p:cNvPr id="25" name="Google Shape;25;p1"/>
+          <p:cNvSpPr txBox="1">
+            <a:spLocks noGrp="1"/>
+          </p:cNvSpPr>
+          <p:nvPr>
+            <p:ph type="title"/>
+          </p:nvPr>
+        </p:nvSpPr>
+        <p:spPr>
+          <a:xfrm>
+            <a:off x="504031" y="301593"/>
+            <a:ext cx="9072166" cy="1261930"/>
+          </a:xfrm>
+          <a:prstGeom prst="rect">
+            <a:avLst/>
+          </a:prstGeom>
+          <a:noFill/>
+          <a:ln>
+            <a:noFill/>
+          </a:ln>
+        </p:spPr>
+        <p:txBody>
+          <a:bodyPr spcFirstLastPara="1" wrap="square" lIns="0" tIns="0" rIns="0" bIns="0" anchor="ctr" anchorCtr="0">
+            <a:noAutofit/>
+          </a:bodyPr>
+          <a:lstStyle>
+            <a:lvl1pPr marR="0" lvl="0" algn="l" rtl="0">
+              <a:spcBef>
+                <a:spcPts val="0"/>
+              </a:spcBef>
+              <a:spcAft>
+                <a:spcPts val="0"/>
+              </a:spcAft>
+              <a:buSzPts val="1400"/>
+              <a:buNone/>
+              <a:defRPr sz="1800" b="0" i="0" u="none" strike="noStrike" cap="none"/>
+            </a:lvl1pPr>
+            <a:lvl2pPr marR="0" lvl="1" algn="l" rtl="0">
+              <a:spcBef>
+                <a:spcPts val="0"/>
+              </a:spcBef>
+              <a:spcAft>
+                <a:spcPts val="0"/>
+              </a:spcAft>
+              <a:buSzPts val="1400"/>
+              <a:buNone/>
+              <a:defRPr sz="1800" b="0" i="0" u="none" strike="noStrike" cap="none"/>
+            </a:lvl2pPr>
+            <a:lvl3pPr marR="0" lvl="2" algn="l" rtl="0">
+              <a:spcBef>
+                <a:spcPts val="0"/>
+              </a:spcBef>
+              <a:spcAft>
+                <a:spcPts val="0"/>
+              </a:spcAft>
+              <a:buSzPts val="1400"/>
+              <a:buNone/>
+              <a:defRPr sz="1800" b="0" i="0" u="none" strike="noStrike" cap="none"/>
+            </a:lvl3pPr>
+            <a:lvl4pPr marR="0" lvl="3" algn="l" rtl="0">
+              <a:spcBef>
+                <a:spcPts val="0"/>
+              </a:spcBef>
+              <a:spcAft>
+                <a:spcPts val="0"/>
+              </a:spcAft>
+              <a:buSzPts val="1400"/>
+              <a:buNone/>
+              <a:defRPr sz="1800" b="0" i="0" u="none" strike="noStrike" cap="none"/>
+            </a:lvl4pPr>
+            <a:lvl5pPr marR="0" lvl="4" algn="l" rtl="0">
+              <a:spcBef>
+                <a:spcPts val="0"/>
+              </a:spcBef>
+              <a:spcAft>
+                <a:spcPts val="0"/>
+              </a:spcAft>
+              <a:buSzPts val="1400"/>
+              <a:buNone/>
+              <a:defRPr sz="1800" b="0" i="0" u="none" strike="noStrike" cap="none"/>
+            </a:lvl5pPr>
+            <a:lvl6pPr marR="0" lvl="5" algn="l" rtl="0">
+              <a:spcBef>
+                <a:spcPts val="0"/>
+              </a:spcBef>
+              <a:spcAft>
+                <a:spcPts val="0"/>
+              </a:spcAft>
+              <a:buSzPts val="1400"/>
+              <a:buNone/>
+              <a:defRPr sz="1800" b="0" i="0" u="none" strike="noStrike" cap="none"/>
+            </a:lvl6pPr>
+            <a:lvl7pPr marR="0" lvl="6" algn="l" rtl="0">
+              <a:spcBef>
+                <a:spcPts val="0"/>
+              </a:spcBef>
+              <a:spcAft>
+                <a:spcPts val="0"/>
+              </a:spcAft>
+              <a:buSzPts val="1400"/>
+              <a:buNone/>
+              <a:defRPr sz="1800" b="0" i="0" u="none" strike="noStrike" cap="none"/>
+            </a:lvl7pPr>
+            <a:lvl8pPr marR="0" lvl="7" algn="l" rtl="0">
+              <a:spcBef>
+                <a:spcPts val="0"/>
+              </a:spcBef>
+              <a:spcAft>
+                <a:spcPts val="0"/>
+              </a:spcAft>
+              <a:buSzPts val="1400"/>
+              <a:buNone/>
+              <a:defRPr sz="1800" b="0" i="0" u="none" strike="noStrike" cap="none"/>
+            </a:lvl8pPr>
+            <a:lvl9pPr marR="0" lvl="8" algn="l" rtl="0">
+              <a:spcBef>
+                <a:spcPts val="0"/>
+              </a:spcBef>
+              <a:spcAft>
+                <a:spcPts val="0"/>
+              </a:spcAft>
+              <a:buSzPts val="1400"/>
+              <a:buNone/>
+              <a:defRPr sz="1800" b="0" i="0" u="none" strike="noStrike" cap="none"/>
+            </a:lvl9pPr>
+          </a:lstStyle>
+          <a:p>
+            <a:endParaRPr/>
+          </a:p>
+        </p:txBody>
+      </p:sp>
+      <p:sp>
+        <p:nvSpPr>
+          <p:cNvPr id="26" name="Google Shape;26;p1"/>
+          <p:cNvSpPr txBox="1">
+            <a:spLocks noGrp="1"/>
+          </p:cNvSpPr>
+          <p:nvPr>
+            <p:ph type="body" idx="1"/>
+          </p:nvPr>
+        </p:nvSpPr>
+        <p:spPr>
+          <a:xfrm>
+            <a:off x="504031" y="1768686"/>
+            <a:ext cx="9072166" cy="4384215"/>
+          </a:xfrm>
+          <a:prstGeom prst="rect">
+            <a:avLst/>
+          </a:prstGeom>
+          <a:noFill/>
+          <a:ln>
+            <a:noFill/>
+          </a:ln>
+        </p:spPr>
+        <p:txBody>
+          <a:bodyPr spcFirstLastPara="1" wrap="square" lIns="0" tIns="0" rIns="0" bIns="0" anchor="t" anchorCtr="0">
+            <a:normAutofit/>
+          </a:bodyPr>
+          <a:lstStyle>
+            <a:lvl1pPr marL="457200" marR="0" lvl="0" indent="-228600" algn="l" rtl="0">
+              <a:spcBef>
+                <a:spcPts val="0"/>
+              </a:spcBef>
+              <a:spcAft>
+                <a:spcPts val="0"/>
+              </a:spcAft>
+              <a:buSzPts val="1400"/>
+              <a:buNone/>
+              <a:defRPr sz="1800" b="0" i="0" u="none" strike="noStrike" cap="none"/>
+            </a:lvl1pPr>
+            <a:lvl2pPr marL="914400" marR="0" lvl="1" indent="-228600" algn="l" rtl="0">
+              <a:spcBef>
+                <a:spcPts val="0"/>
+              </a:spcBef>
+              <a:spcAft>
+                <a:spcPts val="0"/>
+              </a:spcAft>
+              <a:buSzPts val="1400"/>
+              <a:buNone/>
+              <a:defRPr sz="1800" b="0" i="0" u="none" strike="noStrike" cap="none"/>
+            </a:lvl2pPr>
+            <a:lvl3pPr marL="1371600" marR="0" lvl="2" indent="-228600" algn="l" rtl="0">
+              <a:spcBef>
+                <a:spcPts val="0"/>
+              </a:spcBef>
+              <a:spcAft>
+                <a:spcPts val="0"/>
+              </a:spcAft>
+              <a:buSzPts val="1400"/>
+              <a:buNone/>
+              <a:defRPr sz="1800" b="0" i="0" u="none" strike="noStrike" cap="none"/>
+            </a:lvl3pPr>
+            <a:lvl4pPr marL="1828800" marR="0" lvl="3" indent="-228600" algn="l" rtl="0">
+              <a:spcBef>
+                <a:spcPts val="0"/>
+              </a:spcBef>
+              <a:spcAft>
+                <a:spcPts val="0"/>
+              </a:spcAft>
+              <a:buSzPts val="1400"/>
+              <a:buNone/>
+              <a:defRPr sz="1800" b="0" i="0" u="none" strike="noStrike" cap="none"/>
+            </a:lvl4pPr>
+            <a:lvl5pPr marL="2286000" marR="0" lvl="4" indent="-228600" algn="l" rtl="0">
+              <a:spcBef>
+                <a:spcPts val="0"/>
+              </a:spcBef>
+              <a:spcAft>
+                <a:spcPts val="0"/>
+              </a:spcAft>
+              <a:buSzPts val="1400"/>
+              <a:buNone/>
+              <a:defRPr sz="1800" b="0" i="0" u="none" strike="noStrike" cap="none"/>
+            </a:lvl5pPr>
+            <a:lvl6pPr marL="2743200" marR="0" lvl="5" indent="-228600" algn="l" rtl="0">
+              <a:spcBef>
+                <a:spcPts val="0"/>
+              </a:spcBef>
+              <a:spcAft>
+                <a:spcPts val="0"/>
+              </a:spcAft>
+              <a:buSzPts val="1400"/>
+              <a:buNone/>
+              <a:defRPr sz="1800" b="0" i="0" u="none" strike="noStrike" cap="none"/>
+            </a:lvl6pPr>
+            <a:lvl7pPr marL="3200400" marR="0" lvl="6" indent="-228600" algn="l" rtl="0">
+              <a:spcBef>
+                <a:spcPts val="0"/>
+              </a:spcBef>
+              <a:spcAft>
+                <a:spcPts val="0"/>
+              </a:spcAft>
+              <a:buSzPts val="1400"/>
+              <a:buNone/>
+              <a:defRPr sz="1800" b="0" i="0" u="none" strike="noStrike" cap="none"/>
+            </a:lvl7pPr>
+            <a:lvl8pPr marL="3657600" marR="0" lvl="7" indent="-228600" algn="l" rtl="0">
+              <a:spcBef>
+                <a:spcPts val="0"/>
+              </a:spcBef>
+              <a:spcAft>
+                <a:spcPts val="0"/>
+              </a:spcAft>
+              <a:buSzPts val="1400"/>
+              <a:buNone/>
+              <a:defRPr sz="1800" b="0" i="0" u="none" strike="noStrike" cap="none"/>
+            </a:lvl8pPr>
+            <a:lvl9pPr marL="4114800" marR="0" lvl="8" indent="-228600" algn="l" rtl="0">
+              <a:spcBef>
+                <a:spcPts val="0"/>
+              </a:spcBef>
+              <a:spcAft>
+                <a:spcPts val="0"/>
+              </a:spcAft>
+              <a:buSzPts val="1400"/>
+              <a:buNone/>
+              <a:defRPr sz="1800" b="0" i="0" u="none" strike="noStrike" cap="none"/>
+            </a:lvl9pPr>
+          </a:lstStyle>
+          <a:p>
+            <a:endParaRPr dirty="0"/>
+          </a:p>
+        </p:txBody>
+      </p:sp>
+      <p:sp>
+        <p:nvSpPr>
+          <p:cNvPr id="2" name="矩形 1">
+            <a:extLst>
+              <a:ext uri="{FF2B5EF4-FFF2-40B4-BE49-F238E27FC236}">
+                <a16:creationId xmlns:a16="http://schemas.microsoft.com/office/drawing/2014/main" id="{AAED8547-FC04-B782-833F-A7835C59BAF6}"/>
+              </a:ext>
+            </a:extLst>
+          </p:cNvPr>
+          <p:cNvSpPr/>
+          <p:nvPr userDrawn="1"/>
+        </p:nvSpPr>
+        <p:spPr>
+          <a:xfrm>
+            <a:off x="5943600" y="7077600"/>
+            <a:ext cx="694080" cy="255960"/>
+          </a:xfrm>
+          <a:prstGeom prst="rect">
+            <a:avLst/>
+          </a:prstGeom>
+          <a:noFill/>
+          <a:ln w="0">
+            <a:noFill/>
+          </a:ln>
+        </p:spPr>
+        <p:style>
+          <a:lnRef idx="0">
+            <a:scrgbClr r="0" g="0" b="0"/>
+          </a:lnRef>
+          <a:fillRef idx="0">
+            <a:scrgbClr r="0" g="0" b="0"/>
+          </a:fillRef>
+          <a:effectRef idx="0">
+            <a:scrgbClr r="0" g="0" b="0"/>
+          </a:effectRef>
+          <a:fontRef idx="minor"/>
+        </p:style>
+        <p:txBody>
+          <a:bodyPr wrap="none" lIns="90000" tIns="45000" rIns="90000" bIns="45000" anchor="t">
+            <a:noAutofit/>
+          </a:bodyPr>
+          <a:lstStyle/>
+          <a:p>
+            <a:pPr>
+              <a:lnSpc>
+                <a:spcPct val="100000"/>
+              </a:lnSpc>
+              <a:spcBef>
+                <a:spcPts val="26"/>
+              </a:spcBef>
+              <a:spcAft>
+                <a:spcPts val="26"/>
+              </a:spcAft>
+              <a:tabLst>
+                <a:tab pos="0" algn="l"/>
+              </a:tabLst>
+            </a:pPr>
+            <a:fld id="{00BBAA12-D779-4D1E-A8BF-4A2BB1C21117}" type="slidenum">
+              <a:rPr lang="en-US" sz="1200" b="0" u="none" strike="noStrike">
+                <a:solidFill>
+                  <a:srgbClr val="000000"/>
+                </a:solidFill>
+                <a:uFillTx/>
+                <a:latin typeface="Arial"/>
+                <a:ea typeface="DejaVu Sans"/>
+              </a:rPr>
+              <a:t>‹#›</a:t>
+            </a:fld>
+            <a:endParaRPr lang="en-US" sz="1200" b="0" u="none" strike="noStrike">
+              <a:solidFill>
+                <a:srgbClr val="000000"/>
+              </a:solidFill>
+              <a:uFillTx/>
+              <a:latin typeface="Arial"/>
+            </a:endParaRPr>
+          </a:p>
+        </p:txBody>
+      </p:sp>
+      <p:pic>
+        <p:nvPicPr>
+          <p:cNvPr id="3" name="图片 2">
+            <a:extLst>
+              <a:ext uri="{FF2B5EF4-FFF2-40B4-BE49-F238E27FC236}">
+                <a16:creationId xmlns:a16="http://schemas.microsoft.com/office/drawing/2014/main" id="{6EFDBF9C-962D-D51C-736A-E292354FCA5D}"/>
+              </a:ext>
+            </a:extLst>
+          </p:cNvPr>
+          <p:cNvPicPr/>
+          <p:nvPr userDrawn="1"/>
+        </p:nvPicPr>
+        <p:blipFill>
+          <a:blip r:embed="rId4"/>
+          <a:stretch/>
+        </p:blipFill>
+        <p:spPr>
+          <a:xfrm>
+            <a:off x="7365960" y="7116840"/>
+            <a:ext cx="2358000" cy="378360"/>
+          </a:xfrm>
+          <a:prstGeom prst="rect">
+            <a:avLst/>
+          </a:prstGeom>
+          <a:ln w="0">
+            <a:noFill/>
+          </a:ln>
+        </p:spPr>
+      </p:pic>
+      <p:sp>
+        <p:nvSpPr>
+          <p:cNvPr id="4" name="矩形 3">
+            <a:extLst>
+              <a:ext uri="{FF2B5EF4-FFF2-40B4-BE49-F238E27FC236}">
+                <a16:creationId xmlns:a16="http://schemas.microsoft.com/office/drawing/2014/main" id="{6275DF79-D9B7-DAEE-FC4A-1A1AA8551845}"/>
+              </a:ext>
+            </a:extLst>
+          </p:cNvPr>
+          <p:cNvSpPr/>
+          <p:nvPr userDrawn="1"/>
+        </p:nvSpPr>
+        <p:spPr>
+          <a:xfrm>
+            <a:off x="260280" y="7078680"/>
+            <a:ext cx="1083240" cy="265680"/>
+          </a:xfrm>
+          <a:prstGeom prst="rect">
+            <a:avLst/>
+          </a:prstGeom>
+          <a:noFill/>
+          <a:ln w="0">
+            <a:noFill/>
+          </a:ln>
+        </p:spPr>
+        <p:style>
+          <a:lnRef idx="0">
+            <a:scrgbClr r="0" g="0" b="0"/>
+          </a:lnRef>
+          <a:fillRef idx="0">
+            <a:scrgbClr r="0" g="0" b="0"/>
+          </a:fillRef>
+          <a:effectRef idx="0">
+            <a:scrgbClr r="0" g="0" b="0"/>
+          </a:effectRef>
+          <a:fontRef idx="minor"/>
+        </p:style>
+        <p:txBody>
+          <a:bodyPr lIns="90000" tIns="45000" rIns="90000" bIns="45000" anchor="t">
+            <a:noAutofit/>
+          </a:bodyPr>
+          <a:lstStyle/>
+          <a:p>
+            <a:pPr>
+              <a:lnSpc>
+                <a:spcPct val="100000"/>
+              </a:lnSpc>
+              <a:spcBef>
+                <a:spcPts val="74"/>
+              </a:spcBef>
+              <a:spcAft>
+                <a:spcPts val="26"/>
+              </a:spcAft>
+              <a:tabLst>
+                <a:tab pos="0" algn="l"/>
+                <a:tab pos="914400" algn="l"/>
+                <a:tab pos="1828800" algn="l"/>
+                <a:tab pos="2743200" algn="l"/>
+                <a:tab pos="3657600" algn="l"/>
+                <a:tab pos="4572000" algn="l"/>
+                <a:tab pos="5486400" algn="l"/>
+                <a:tab pos="6400800" algn="l"/>
+                <a:tab pos="7315200" algn="l"/>
+                <a:tab pos="8229600" algn="l"/>
+                <a:tab pos="9144000" algn="l"/>
+                <a:tab pos="10058400" algn="l"/>
+                <a:tab pos="10333080" algn="l"/>
+                <a:tab pos="10782360" algn="l"/>
+              </a:tabLst>
+            </a:pPr>
+            <a:r>
+              <a:rPr lang="en-US" sz="1200" b="0" u="none" strike="noStrike" dirty="0">
+                <a:solidFill>
+                  <a:srgbClr val="000000"/>
+                </a:solidFill>
+                <a:uFillTx/>
+                <a:latin typeface="Arial"/>
+                <a:ea typeface="DejaVu Sans"/>
+              </a:rPr>
+              <a:t>05.12.2025 | 	</a:t>
+            </a:r>
+            <a:endParaRPr lang="en-US" sz="1200" b="0" u="none" strike="noStrike" dirty="0">
+              <a:solidFill>
+                <a:srgbClr val="000000"/>
+              </a:solidFill>
+              <a:uFillTx/>
+              <a:latin typeface="Arial"/>
+            </a:endParaRPr>
+          </a:p>
+        </p:txBody>
+      </p:sp>
+      <p:sp>
+        <p:nvSpPr>
+          <p:cNvPr id="5" name="矩形 4">
+            <a:extLst>
+              <a:ext uri="{FF2B5EF4-FFF2-40B4-BE49-F238E27FC236}">
+                <a16:creationId xmlns:a16="http://schemas.microsoft.com/office/drawing/2014/main" id="{BD691FC2-C92B-C0CA-0083-4B5C88479457}"/>
+              </a:ext>
+            </a:extLst>
+          </p:cNvPr>
+          <p:cNvSpPr/>
+          <p:nvPr userDrawn="1"/>
+        </p:nvSpPr>
+        <p:spPr>
+          <a:xfrm>
+            <a:off x="1158840" y="7078680"/>
+            <a:ext cx="3624840" cy="435600"/>
+          </a:xfrm>
+          <a:prstGeom prst="rect">
+            <a:avLst/>
+          </a:prstGeom>
+          <a:noFill/>
+          <a:ln w="0">
+            <a:noFill/>
+          </a:ln>
+        </p:spPr>
+        <p:style>
+          <a:lnRef idx="0">
+            <a:scrgbClr r="0" g="0" b="0"/>
+          </a:lnRef>
+          <a:fillRef idx="0">
+            <a:scrgbClr r="0" g="0" b="0"/>
+          </a:fillRef>
+          <a:effectRef idx="0">
+            <a:scrgbClr r="0" g="0" b="0"/>
+          </a:effectRef>
+          <a:fontRef idx="minor"/>
+        </p:style>
+        <p:txBody>
+          <a:bodyPr lIns="90000" tIns="45000" rIns="90000" bIns="45000" anchor="t">
+            <a:noAutofit/>
+          </a:bodyPr>
+          <a:lstStyle/>
+          <a:p>
+            <a:pPr>
+              <a:lnSpc>
+                <a:spcPct val="100000"/>
+              </a:lnSpc>
+              <a:spcBef>
+                <a:spcPts val="1191"/>
+              </a:spcBef>
+              <a:spcAft>
+                <a:spcPts val="992"/>
+              </a:spcAft>
+              <a:tabLst>
+                <a:tab pos="0" algn="l"/>
+                <a:tab pos="914400" algn="l"/>
+                <a:tab pos="1828800" algn="l"/>
+                <a:tab pos="2743200" algn="l"/>
+                <a:tab pos="3657600" algn="l"/>
+                <a:tab pos="4572000" algn="l"/>
+                <a:tab pos="5486400" algn="l"/>
+                <a:tab pos="6400800" algn="l"/>
+                <a:tab pos="7315200" algn="l"/>
+                <a:tab pos="8229600" algn="l"/>
+                <a:tab pos="9144000" algn="l"/>
+                <a:tab pos="10058400" algn="l"/>
+                <a:tab pos="10333080" algn="l"/>
+                <a:tab pos="10782360" algn="l"/>
+              </a:tabLst>
+            </a:pPr>
+            <a:r>
+              <a:rPr lang="en-US" sz="1200" b="0" u="none" strike="noStrike" dirty="0">
+                <a:solidFill>
+                  <a:srgbClr val="000000"/>
+                </a:solidFill>
+                <a:uFillTx/>
+                <a:latin typeface="Arial"/>
+                <a:ea typeface="DejaVu Sans"/>
+              </a:rPr>
+              <a:t>Charging Station Upgrade to OCPP Communication for Smart Charging </a:t>
+            </a:r>
+            <a:endParaRPr lang="en-US" sz="1200" b="0" u="none" strike="noStrike" dirty="0">
+              <a:solidFill>
+                <a:srgbClr val="000000"/>
+              </a:solidFill>
+              <a:uFillTx/>
+              <a:latin typeface="Arial"/>
+            </a:endParaRPr>
+          </a:p>
+        </p:txBody>
+      </p:sp>
+      <p:sp>
+        <p:nvSpPr>
+          <p:cNvPr id="6" name="矩形 5">
+            <a:extLst>
+              <a:ext uri="{FF2B5EF4-FFF2-40B4-BE49-F238E27FC236}">
+                <a16:creationId xmlns:a16="http://schemas.microsoft.com/office/drawing/2014/main" id="{56E8B8AA-8F4A-A21A-57D3-A5E86C27A154}"/>
+              </a:ext>
+            </a:extLst>
+          </p:cNvPr>
+          <p:cNvSpPr/>
+          <p:nvPr userDrawn="1"/>
+        </p:nvSpPr>
+        <p:spPr>
+          <a:xfrm>
+            <a:off x="3620880" y="7077600"/>
+            <a:ext cx="1972440" cy="417960"/>
+          </a:xfrm>
+          <a:prstGeom prst="rect">
+            <a:avLst/>
+          </a:prstGeom>
+          <a:noFill/>
+          <a:ln w="0">
+            <a:noFill/>
+          </a:ln>
+        </p:spPr>
+        <p:style>
+          <a:lnRef idx="0">
+            <a:scrgbClr r="0" g="0" b="0"/>
+          </a:lnRef>
+          <a:fillRef idx="0">
+            <a:scrgbClr r="0" g="0" b="0"/>
+          </a:fillRef>
+          <a:effectRef idx="0">
+            <a:scrgbClr r="0" g="0" b="0"/>
+          </a:effectRef>
+          <a:fontRef idx="minor"/>
+        </p:style>
+        <p:txBody>
+          <a:bodyPr wrap="none" lIns="90000" tIns="45000" rIns="90000" bIns="45000" anchor="t">
+            <a:noAutofit/>
+          </a:bodyPr>
+          <a:lstStyle/>
+          <a:p>
+            <a:pPr>
+              <a:lnSpc>
+                <a:spcPct val="100000"/>
+              </a:lnSpc>
+              <a:spcBef>
+                <a:spcPts val="26"/>
+              </a:spcBef>
+              <a:spcAft>
+                <a:spcPts val="26"/>
+              </a:spcAft>
+              <a:tabLst>
+                <a:tab pos="0" algn="l"/>
+                <a:tab pos="914400" algn="l"/>
+                <a:tab pos="1828800" algn="l"/>
+                <a:tab pos="2743200" algn="l"/>
+                <a:tab pos="3657600" algn="l"/>
+                <a:tab pos="4572000" algn="l"/>
+                <a:tab pos="5486400" algn="l"/>
+                <a:tab pos="6400800" algn="l"/>
+                <a:tab pos="7315200" algn="l"/>
+                <a:tab pos="8229600" algn="l"/>
+                <a:tab pos="9144000" algn="l"/>
+                <a:tab pos="10058400" algn="l"/>
+                <a:tab pos="10333080" algn="l"/>
+                <a:tab pos="10782360" algn="l"/>
+              </a:tabLst>
+            </a:pPr>
+            <a:r>
+              <a:rPr lang="en-US" sz="1200" b="0" u="none" strike="noStrike">
+                <a:solidFill>
+                  <a:srgbClr val="000000"/>
+                </a:solidFill>
+                <a:uFillTx/>
+                <a:latin typeface="Arial"/>
+                <a:ea typeface="DejaVu Sans"/>
+              </a:rPr>
+              <a:t>| Junfan Jin, Can Zeng, </a:t>
+            </a:r>
+            <a:endParaRPr lang="en-US" sz="1200" b="0" u="none" strike="noStrike">
+              <a:solidFill>
+                <a:srgbClr val="000000"/>
+              </a:solidFill>
+              <a:uFillTx/>
+              <a:latin typeface="Arial"/>
+            </a:endParaRPr>
+          </a:p>
+          <a:p>
+            <a:pPr>
+              <a:lnSpc>
+                <a:spcPct val="100000"/>
+              </a:lnSpc>
+              <a:spcBef>
+                <a:spcPts val="26"/>
+              </a:spcBef>
+              <a:spcAft>
+                <a:spcPts val="26"/>
+              </a:spcAft>
+              <a:tabLst>
+                <a:tab pos="0" algn="l"/>
+                <a:tab pos="914400" algn="l"/>
+                <a:tab pos="1828800" algn="l"/>
+                <a:tab pos="2743200" algn="l"/>
+                <a:tab pos="3657600" algn="l"/>
+                <a:tab pos="4572000" algn="l"/>
+                <a:tab pos="5486400" algn="l"/>
+                <a:tab pos="6400800" algn="l"/>
+                <a:tab pos="7315200" algn="l"/>
+                <a:tab pos="8229600" algn="l"/>
+                <a:tab pos="9144000" algn="l"/>
+                <a:tab pos="10058400" algn="l"/>
+                <a:tab pos="10333080" algn="l"/>
+                <a:tab pos="10782360" algn="l"/>
+              </a:tabLst>
+            </a:pPr>
+            <a:r>
+              <a:rPr lang="en-US" sz="1200" b="0" u="none" strike="noStrike">
+                <a:solidFill>
+                  <a:srgbClr val="000000"/>
+                </a:solidFill>
+                <a:uFillTx/>
+                <a:latin typeface="Arial"/>
+                <a:ea typeface="DejaVu Sans"/>
+              </a:rPr>
+              <a:t>  Yunan Jiang, Huang Chen</a:t>
+            </a:r>
+            <a:endParaRPr lang="en-US" sz="1200" b="0" u="none" strike="noStrike">
+              <a:solidFill>
+                <a:srgbClr val="000000"/>
+              </a:solidFill>
+              <a:uFillTx/>
+              <a:latin typeface="Arial"/>
+            </a:endParaRPr>
+          </a:p>
+        </p:txBody>
+      </p:sp>
+    </p:spTree>
+    <p:extLst>
+      <p:ext uri="{BB962C8B-B14F-4D97-AF65-F5344CB8AC3E}">
+        <p14:creationId xmlns:p14="http://schemas.microsoft.com/office/powerpoint/2010/main" val="3817374734"/>
+      </p:ext>
+    </p:extLst>
+  </p:cSld>
+  <p:clrMap bg1="lt1" tx1="dk1" bg2="dk2" tx2="lt2" accent1="accent1" accent2="accent2" accent3="accent3" accent4="accent4" accent5="accent5" accent6="accent6" hlink="hlink" folHlink="folHlink"/>
+  <p:sldLayoutIdLst>
+    <p:sldLayoutId id="2147483652" r:id="rId1"/>
+  </p:sldLayoutIdLst>
+  <p:hf sldNum="0" hdr="0" ftr="0" dt="0"/>
+  <p:txStyles>
+    <p:titleStyle>
+      <a:defPPr marR="0" lvl="0" algn="l" rtl="0">
+        <a:lnSpc>
+          <a:spcPct val="100000"/>
+        </a:lnSpc>
+        <a:spcBef>
+          <a:spcPts val="0"/>
+        </a:spcBef>
+        <a:spcAft>
+          <a:spcPts val="0"/>
+        </a:spcAft>
+      </a:defPPr>
+      <a:lvl1pPr marR="0" lvl="0" algn="l" rtl="0">
+        <a:lnSpc>
+          <a:spcPct val="100000"/>
+        </a:lnSpc>
+        <a:spcBef>
+          <a:spcPts val="0"/>
+        </a:spcBef>
+        <a:spcAft>
+          <a:spcPts val="0"/>
+        </a:spcAft>
+        <a:buClr>
+          <a:srgbClr val="000000"/>
+        </a:buClr>
+        <a:buFont typeface="Arial"/>
+        <a:defRPr sz="1543" b="0" i="0" u="none" strike="noStrike" cap="none">
+          <a:solidFill>
+            <a:srgbClr val="000000"/>
+          </a:solidFill>
+          <a:latin typeface="Arial"/>
+          <a:ea typeface="Arial"/>
+          <a:cs typeface="Arial"/>
+          <a:sym typeface="Arial"/>
+        </a:defRPr>
+      </a:lvl1pPr>
+      <a:lvl2pPr marR="0" lvl="1" algn="l" rtl="0">
+        <a:lnSpc>
+          <a:spcPct val="100000"/>
+        </a:lnSpc>
+        <a:spcBef>
+          <a:spcPts val="0"/>
+        </a:spcBef>
+        <a:spcAft>
+          <a:spcPts val="0"/>
+        </a:spcAft>
+        <a:buClr>
+          <a:srgbClr val="000000"/>
+        </a:buClr>
+        <a:buFont typeface="Arial"/>
+        <a:defRPr sz="1543" b="0" i="0" u="none" strike="noStrike" cap="none">
+          <a:solidFill>
+            <a:srgbClr val="000000"/>
+          </a:solidFill>
+          <a:latin typeface="Arial"/>
+          <a:ea typeface="Arial"/>
+          <a:cs typeface="Arial"/>
+          <a:sym typeface="Arial"/>
+        </a:defRPr>
+      </a:lvl2pPr>
+      <a:lvl3pPr marR="0" lvl="2" algn="l" rtl="0">
+        <a:lnSpc>
+          <a:spcPct val="100000"/>
+        </a:lnSpc>
+        <a:spcBef>
+          <a:spcPts val="0"/>
+        </a:spcBef>
+        <a:spcAft>
+          <a:spcPts val="0"/>
+        </a:spcAft>
+        <a:buClr>
+          <a:srgbClr val="000000"/>
+        </a:buClr>
+        <a:buFont typeface="Arial"/>
+        <a:defRPr sz="1543" b="0" i="0" u="none" strike="noStrike" cap="none">
+          <a:solidFill>
+            <a:srgbClr val="000000"/>
+          </a:solidFill>
+          <a:latin typeface="Arial"/>
+          <a:ea typeface="Arial"/>
+          <a:cs typeface="Arial"/>
+          <a:sym typeface="Arial"/>
+        </a:defRPr>
+      </a:lvl3pPr>
+      <a:lvl4pPr marR="0" lvl="3" algn="l" rtl="0">
+        <a:lnSpc>
+          <a:spcPct val="100000"/>
+        </a:lnSpc>
+        <a:spcBef>
+          <a:spcPts val="0"/>
+        </a:spcBef>
+        <a:spcAft>
+          <a:spcPts val="0"/>
+        </a:spcAft>
+        <a:buClr>
+          <a:srgbClr val="000000"/>
+        </a:buClr>
+        <a:buFont typeface="Arial"/>
+        <a:defRPr sz="1543" b="0" i="0" u="none" strike="noStrike" cap="none">
+          <a:solidFill>
+            <a:srgbClr val="000000"/>
+          </a:solidFill>
+          <a:latin typeface="Arial"/>
+          <a:ea typeface="Arial"/>
+          <a:cs typeface="Arial"/>
+          <a:sym typeface="Arial"/>
+        </a:defRPr>
+      </a:lvl4pPr>
+      <a:lvl5pPr marR="0" lvl="4" algn="l" rtl="0">
+        <a:lnSpc>
+          <a:spcPct val="100000"/>
+        </a:lnSpc>
+        <a:spcBef>
+          <a:spcPts val="0"/>
+        </a:spcBef>
+        <a:spcAft>
+          <a:spcPts val="0"/>
+        </a:spcAft>
+        <a:buClr>
+          <a:srgbClr val="000000"/>
+        </a:buClr>
+        <a:buFont typeface="Arial"/>
+        <a:defRPr sz="1543" b="0" i="0" u="none" strike="noStrike" cap="none">
+          <a:solidFill>
+            <a:srgbClr val="000000"/>
+          </a:solidFill>
+          <a:latin typeface="Arial"/>
+          <a:ea typeface="Arial"/>
+          <a:cs typeface="Arial"/>
+          <a:sym typeface="Arial"/>
+        </a:defRPr>
+      </a:lvl5pPr>
+      <a:lvl6pPr marR="0" lvl="5" algn="l" rtl="0">
+        <a:lnSpc>
+          <a:spcPct val="100000"/>
+        </a:lnSpc>
+        <a:spcBef>
+          <a:spcPts val="0"/>
+        </a:spcBef>
+        <a:spcAft>
+          <a:spcPts val="0"/>
+        </a:spcAft>
+        <a:buClr>
+          <a:srgbClr val="000000"/>
+        </a:buClr>
+        <a:buFont typeface="Arial"/>
+        <a:defRPr sz="1543" b="0" i="0" u="none" strike="noStrike" cap="none">
+          <a:solidFill>
+            <a:srgbClr val="000000"/>
+          </a:solidFill>
+          <a:latin typeface="Arial"/>
+          <a:ea typeface="Arial"/>
+          <a:cs typeface="Arial"/>
+          <a:sym typeface="Arial"/>
+        </a:defRPr>
+      </a:lvl6pPr>
+      <a:lvl7pPr marR="0" lvl="6" algn="l" rtl="0">
+        <a:lnSpc>
+          <a:spcPct val="100000"/>
+        </a:lnSpc>
+        <a:spcBef>
+          <a:spcPts val="0"/>
+        </a:spcBef>
+        <a:spcAft>
+          <a:spcPts val="0"/>
+        </a:spcAft>
+        <a:buClr>
+          <a:srgbClr val="000000"/>
+        </a:buClr>
+        <a:buFont typeface="Arial"/>
+        <a:defRPr sz="1543" b="0" i="0" u="none" strike="noStrike" cap="none">
+          <a:solidFill>
+            <a:srgbClr val="000000"/>
+          </a:solidFill>
+          <a:latin typeface="Arial"/>
+          <a:ea typeface="Arial"/>
+          <a:cs typeface="Arial"/>
+          <a:sym typeface="Arial"/>
+        </a:defRPr>
+      </a:lvl7pPr>
+      <a:lvl8pPr marR="0" lvl="7" algn="l" rtl="0">
+        <a:lnSpc>
+          <a:spcPct val="100000"/>
+        </a:lnSpc>
+        <a:spcBef>
+          <a:spcPts val="0"/>
+        </a:spcBef>
+        <a:spcAft>
+          <a:spcPts val="0"/>
+        </a:spcAft>
+        <a:buClr>
+          <a:srgbClr val="000000"/>
+        </a:buClr>
+        <a:buFont typeface="Arial"/>
+        <a:defRPr sz="1543" b="0" i="0" u="none" strike="noStrike" cap="none">
+          <a:solidFill>
+            <a:srgbClr val="000000"/>
+          </a:solidFill>
+          <a:latin typeface="Arial"/>
+          <a:ea typeface="Arial"/>
+          <a:cs typeface="Arial"/>
+          <a:sym typeface="Arial"/>
+        </a:defRPr>
+      </a:lvl8pPr>
+      <a:lvl9pPr marR="0" lvl="8" algn="l" rtl="0">
+        <a:lnSpc>
+          <a:spcPct val="100000"/>
+        </a:lnSpc>
+        <a:spcBef>
+          <a:spcPts val="0"/>
+        </a:spcBef>
+        <a:spcAft>
+          <a:spcPts val="0"/>
+        </a:spcAft>
+        <a:buClr>
+          <a:srgbClr val="000000"/>
+        </a:buClr>
+        <a:buFont typeface="Arial"/>
+        <a:defRPr sz="1543" b="0" i="0" u="none" strike="noStrike" cap="none">
+          <a:solidFill>
+            <a:srgbClr val="000000"/>
+          </a:solidFill>
+          <a:latin typeface="Arial"/>
+          <a:ea typeface="Arial"/>
+          <a:cs typeface="Arial"/>
+          <a:sym typeface="Arial"/>
+        </a:defRPr>
+      </a:lvl9pPr>
+    </p:titleStyle>
+    <p:bodyStyle>
+      <a:defPPr marR="0" lvl="0" algn="l" rtl="0">
+        <a:lnSpc>
+          <a:spcPct val="100000"/>
+        </a:lnSpc>
+        <a:spcBef>
+          <a:spcPts val="0"/>
+        </a:spcBef>
+        <a:spcAft>
+          <a:spcPts val="0"/>
+        </a:spcAft>
+      </a:defPPr>
+      <a:lvl1pPr marR="0" lvl="0" algn="l" rtl="0">
+        <a:lnSpc>
+          <a:spcPct val="100000"/>
+        </a:lnSpc>
+        <a:spcBef>
+          <a:spcPts val="0"/>
+        </a:spcBef>
+        <a:spcAft>
+          <a:spcPts val="0"/>
+        </a:spcAft>
+        <a:buClr>
+          <a:srgbClr val="000000"/>
+        </a:buClr>
+        <a:buFont typeface="Arial"/>
+        <a:defRPr sz="1543" b="0" i="0" u="none" strike="noStrike" cap="none">
+          <a:solidFill>
+            <a:srgbClr val="000000"/>
+          </a:solidFill>
+          <a:latin typeface="Arial"/>
+          <a:ea typeface="Arial"/>
+          <a:cs typeface="Arial"/>
+          <a:sym typeface="Arial"/>
+        </a:defRPr>
+      </a:lvl1pPr>
+      <a:lvl2pPr marR="0" lvl="1" algn="l" rtl="0">
+        <a:lnSpc>
+          <a:spcPct val="100000"/>
+        </a:lnSpc>
+        <a:spcBef>
+          <a:spcPts val="0"/>
+        </a:spcBef>
+        <a:spcAft>
+          <a:spcPts val="0"/>
+        </a:spcAft>
+        <a:buClr>
+          <a:srgbClr val="000000"/>
+        </a:buClr>
+        <a:buFont typeface="Arial"/>
+        <a:defRPr sz="1543" b="0" i="0" u="none" strike="noStrike" cap="none">
+          <a:solidFill>
+            <a:srgbClr val="000000"/>
+          </a:solidFill>
+          <a:latin typeface="Arial"/>
+          <a:ea typeface="Arial"/>
+          <a:cs typeface="Arial"/>
+          <a:sym typeface="Arial"/>
+        </a:defRPr>
+      </a:lvl2pPr>
+      <a:lvl3pPr marR="0" lvl="2" algn="l" rtl="0">
+        <a:lnSpc>
+          <a:spcPct val="100000"/>
+        </a:lnSpc>
+        <a:spcBef>
+          <a:spcPts val="0"/>
+        </a:spcBef>
+        <a:spcAft>
+          <a:spcPts val="0"/>
+        </a:spcAft>
+        <a:buClr>
+          <a:srgbClr val="000000"/>
+        </a:buClr>
+        <a:buFont typeface="Arial"/>
+        <a:defRPr sz="1543" b="0" i="0" u="none" strike="noStrike" cap="none">
+          <a:solidFill>
+            <a:srgbClr val="000000"/>
+          </a:solidFill>
+          <a:latin typeface="Arial"/>
+          <a:ea typeface="Arial"/>
+          <a:cs typeface="Arial"/>
+          <a:sym typeface="Arial"/>
+        </a:defRPr>
+      </a:lvl3pPr>
+      <a:lvl4pPr marR="0" lvl="3" algn="l" rtl="0">
+        <a:lnSpc>
+          <a:spcPct val="100000"/>
+        </a:lnSpc>
+        <a:spcBef>
+          <a:spcPts val="0"/>
+        </a:spcBef>
+        <a:spcAft>
+          <a:spcPts val="0"/>
+        </a:spcAft>
+        <a:buClr>
+          <a:srgbClr val="000000"/>
+        </a:buClr>
+        <a:buFont typeface="Arial"/>
+        <a:defRPr sz="1543" b="0" i="0" u="none" strike="noStrike" cap="none">
+          <a:solidFill>
+            <a:srgbClr val="000000"/>
+          </a:solidFill>
+          <a:latin typeface="Arial"/>
+          <a:ea typeface="Arial"/>
+          <a:cs typeface="Arial"/>
+          <a:sym typeface="Arial"/>
+        </a:defRPr>
+      </a:lvl4pPr>
+      <a:lvl5pPr marR="0" lvl="4" algn="l" rtl="0">
+        <a:lnSpc>
+          <a:spcPct val="100000"/>
+        </a:lnSpc>
+        <a:spcBef>
+          <a:spcPts val="0"/>
+        </a:spcBef>
+        <a:spcAft>
+          <a:spcPts val="0"/>
+        </a:spcAft>
+        <a:buClr>
+          <a:srgbClr val="000000"/>
+        </a:buClr>
+        <a:buFont typeface="Arial"/>
+        <a:defRPr sz="1543" b="0" i="0" u="none" strike="noStrike" cap="none">
+          <a:solidFill>
+            <a:srgbClr val="000000"/>
+          </a:solidFill>
+          <a:latin typeface="Arial"/>
+          <a:ea typeface="Arial"/>
+          <a:cs typeface="Arial"/>
+          <a:sym typeface="Arial"/>
+        </a:defRPr>
+      </a:lvl5pPr>
+      <a:lvl6pPr marR="0" lvl="5" algn="l" rtl="0">
+        <a:lnSpc>
+          <a:spcPct val="100000"/>
+        </a:lnSpc>
+        <a:spcBef>
+          <a:spcPts val="0"/>
+        </a:spcBef>
+        <a:spcAft>
+          <a:spcPts val="0"/>
+        </a:spcAft>
+        <a:buClr>
+          <a:srgbClr val="000000"/>
+        </a:buClr>
+        <a:buFont typeface="Arial"/>
+        <a:defRPr sz="1543" b="0" i="0" u="none" strike="noStrike" cap="none">
+          <a:solidFill>
+            <a:srgbClr val="000000"/>
+          </a:solidFill>
+          <a:latin typeface="Arial"/>
+          <a:ea typeface="Arial"/>
+          <a:cs typeface="Arial"/>
+          <a:sym typeface="Arial"/>
+        </a:defRPr>
+      </a:lvl6pPr>
+      <a:lvl7pPr marR="0" lvl="6" algn="l" rtl="0">
+        <a:lnSpc>
+          <a:spcPct val="100000"/>
+        </a:lnSpc>
+        <a:spcBef>
+          <a:spcPts val="0"/>
+        </a:spcBef>
+        <a:spcAft>
+          <a:spcPts val="0"/>
+        </a:spcAft>
+        <a:buClr>
+          <a:srgbClr val="000000"/>
+        </a:buClr>
+        <a:buFont typeface="Arial"/>
+        <a:defRPr sz="1543" b="0" i="0" u="none" strike="noStrike" cap="none">
+          <a:solidFill>
+            <a:srgbClr val="000000"/>
+          </a:solidFill>
+          <a:latin typeface="Arial"/>
+          <a:ea typeface="Arial"/>
+          <a:cs typeface="Arial"/>
+          <a:sym typeface="Arial"/>
+        </a:defRPr>
+      </a:lvl7pPr>
+      <a:lvl8pPr marR="0" lvl="7" algn="l" rtl="0">
+        <a:lnSpc>
+          <a:spcPct val="100000"/>
+        </a:lnSpc>
+        <a:spcBef>
+          <a:spcPts val="0"/>
+        </a:spcBef>
+        <a:spcAft>
+          <a:spcPts val="0"/>
+        </a:spcAft>
+        <a:buClr>
+          <a:srgbClr val="000000"/>
+        </a:buClr>
+        <a:buFont typeface="Arial"/>
+        <a:defRPr sz="1543" b="0" i="0" u="none" strike="noStrike" cap="none">
+          <a:solidFill>
+            <a:srgbClr val="000000"/>
+          </a:solidFill>
+          <a:latin typeface="Arial"/>
+          <a:ea typeface="Arial"/>
+          <a:cs typeface="Arial"/>
+          <a:sym typeface="Arial"/>
+        </a:defRPr>
+      </a:lvl8pPr>
+      <a:lvl9pPr marR="0" lvl="8" algn="l" rtl="0">
+        <a:lnSpc>
+          <a:spcPct val="100000"/>
+        </a:lnSpc>
+        <a:spcBef>
+          <a:spcPts val="0"/>
+        </a:spcBef>
+        <a:spcAft>
+          <a:spcPts val="0"/>
+        </a:spcAft>
+        <a:buClr>
+          <a:srgbClr val="000000"/>
+        </a:buClr>
+        <a:buFont typeface="Arial"/>
+        <a:defRPr sz="1543" b="0" i="0" u="none" strike="noStrike" cap="none">
+          <a:solidFill>
+            <a:srgbClr val="000000"/>
+          </a:solidFill>
+          <a:latin typeface="Arial"/>
+          <a:ea typeface="Arial"/>
+          <a:cs typeface="Arial"/>
+          <a:sym typeface="Arial"/>
+        </a:defRPr>
+      </a:lvl9pPr>
+    </p:bodyStyle>
+    <p:otherStyle>
+      <a:defPPr marR="0" lvl="0" algn="l" rtl="0">
+        <a:lnSpc>
+          <a:spcPct val="100000"/>
+        </a:lnSpc>
+        <a:spcBef>
+          <a:spcPts val="0"/>
+        </a:spcBef>
+        <a:spcAft>
+          <a:spcPts val="0"/>
+        </a:spcAft>
+      </a:defPPr>
+      <a:lvl1pPr marR="0" lvl="0" algn="l" rtl="0">
+        <a:lnSpc>
+          <a:spcPct val="100000"/>
+        </a:lnSpc>
+        <a:spcBef>
+          <a:spcPts val="0"/>
+        </a:spcBef>
+        <a:spcAft>
+          <a:spcPts val="0"/>
+        </a:spcAft>
+        <a:buClr>
+          <a:srgbClr val="000000"/>
+        </a:buClr>
+        <a:buFont typeface="Arial"/>
+        <a:defRPr sz="1543" b="0" i="0" u="none" strike="noStrike" cap="none">
+          <a:solidFill>
+            <a:srgbClr val="000000"/>
+          </a:solidFill>
+          <a:latin typeface="Arial"/>
+          <a:ea typeface="Arial"/>
+          <a:cs typeface="Arial"/>
+          <a:sym typeface="Arial"/>
+        </a:defRPr>
+      </a:lvl1pPr>
+      <a:lvl2pPr marR="0" lvl="1" algn="l" rtl="0">
+        <a:lnSpc>
+          <a:spcPct val="100000"/>
+        </a:lnSpc>
+        <a:spcBef>
+          <a:spcPts val="0"/>
+        </a:spcBef>
+        <a:spcAft>
+          <a:spcPts val="0"/>
+        </a:spcAft>
+        <a:buClr>
+          <a:srgbClr val="000000"/>
+        </a:buClr>
+        <a:buFont typeface="Arial"/>
+        <a:defRPr sz="1543" b="0" i="0" u="none" strike="noStrike" cap="none">
+          <a:solidFill>
+            <a:srgbClr val="000000"/>
+          </a:solidFill>
+          <a:latin typeface="Arial"/>
+          <a:ea typeface="Arial"/>
+          <a:cs typeface="Arial"/>
+          <a:sym typeface="Arial"/>
+        </a:defRPr>
+      </a:lvl2pPr>
+      <a:lvl3pPr marR="0" lvl="2" algn="l" rtl="0">
+        <a:lnSpc>
+          <a:spcPct val="100000"/>
+        </a:lnSpc>
+        <a:spcBef>
+          <a:spcPts val="0"/>
+        </a:spcBef>
+        <a:spcAft>
+          <a:spcPts val="0"/>
+        </a:spcAft>
+        <a:buClr>
+          <a:srgbClr val="000000"/>
+        </a:buClr>
+        <a:buFont typeface="Arial"/>
+        <a:defRPr sz="1543" b="0" i="0" u="none" strike="noStrike" cap="none">
+          <a:solidFill>
+            <a:srgbClr val="000000"/>
+          </a:solidFill>
+          <a:latin typeface="Arial"/>
+          <a:ea typeface="Arial"/>
+          <a:cs typeface="Arial"/>
+          <a:sym typeface="Arial"/>
+        </a:defRPr>
+      </a:lvl3pPr>
+      <a:lvl4pPr marR="0" lvl="3" algn="l" rtl="0">
+        <a:lnSpc>
+          <a:spcPct val="100000"/>
+        </a:lnSpc>
+        <a:spcBef>
+          <a:spcPts val="0"/>
+        </a:spcBef>
+        <a:spcAft>
+          <a:spcPts val="0"/>
+        </a:spcAft>
+        <a:buClr>
+          <a:srgbClr val="000000"/>
+        </a:buClr>
+        <a:buFont typeface="Arial"/>
+        <a:defRPr sz="1543" b="0" i="0" u="none" strike="noStrike" cap="none">
+          <a:solidFill>
+            <a:srgbClr val="000000"/>
+          </a:solidFill>
+          <a:latin typeface="Arial"/>
+          <a:ea typeface="Arial"/>
+          <a:cs typeface="Arial"/>
+          <a:sym typeface="Arial"/>
+        </a:defRPr>
+      </a:lvl4pPr>
+      <a:lvl5pPr marR="0" lvl="4" algn="l" rtl="0">
+        <a:lnSpc>
+          <a:spcPct val="100000"/>
+        </a:lnSpc>
+        <a:spcBef>
+          <a:spcPts val="0"/>
+        </a:spcBef>
+        <a:spcAft>
+          <a:spcPts val="0"/>
+        </a:spcAft>
+        <a:buClr>
+          <a:srgbClr val="000000"/>
+        </a:buClr>
+        <a:buFont typeface="Arial"/>
+        <a:defRPr sz="1543" b="0" i="0" u="none" strike="noStrike" cap="none">
+          <a:solidFill>
+            <a:srgbClr val="000000"/>
+          </a:solidFill>
+          <a:latin typeface="Arial"/>
+          <a:ea typeface="Arial"/>
+          <a:cs typeface="Arial"/>
+          <a:sym typeface="Arial"/>
+        </a:defRPr>
+      </a:lvl5pPr>
+      <a:lvl6pPr marR="0" lvl="5" algn="l" rtl="0">
+        <a:lnSpc>
+          <a:spcPct val="100000"/>
+        </a:lnSpc>
+        <a:spcBef>
+          <a:spcPts val="0"/>
+        </a:spcBef>
+        <a:spcAft>
+          <a:spcPts val="0"/>
+        </a:spcAft>
+        <a:buClr>
+          <a:srgbClr val="000000"/>
+        </a:buClr>
+        <a:buFont typeface="Arial"/>
+        <a:defRPr sz="1543" b="0" i="0" u="none" strike="noStrike" cap="none">
+          <a:solidFill>
+            <a:srgbClr val="000000"/>
+          </a:solidFill>
+          <a:latin typeface="Arial"/>
+          <a:ea typeface="Arial"/>
+          <a:cs typeface="Arial"/>
+          <a:sym typeface="Arial"/>
+        </a:defRPr>
+      </a:lvl6pPr>
+      <a:lvl7pPr marR="0" lvl="6" algn="l" rtl="0">
+        <a:lnSpc>
+          <a:spcPct val="100000"/>
+        </a:lnSpc>
+        <a:spcBef>
+          <a:spcPts val="0"/>
+        </a:spcBef>
+        <a:spcAft>
+          <a:spcPts val="0"/>
+        </a:spcAft>
+        <a:buClr>
+          <a:srgbClr val="000000"/>
+        </a:buClr>
+        <a:buFont typeface="Arial"/>
+        <a:defRPr sz="1543" b="0" i="0" u="none" strike="noStrike" cap="none">
+          <a:solidFill>
+            <a:srgbClr val="000000"/>
+          </a:solidFill>
+          <a:latin typeface="Arial"/>
+          <a:ea typeface="Arial"/>
+          <a:cs typeface="Arial"/>
+          <a:sym typeface="Arial"/>
+        </a:defRPr>
+      </a:lvl7pPr>
+      <a:lvl8pPr marR="0" lvl="7" algn="l" rtl="0">
+        <a:lnSpc>
+          <a:spcPct val="100000"/>
+        </a:lnSpc>
+        <a:spcBef>
+          <a:spcPts val="0"/>
+        </a:spcBef>
+        <a:spcAft>
+          <a:spcPts val="0"/>
+        </a:spcAft>
+        <a:buClr>
+          <a:srgbClr val="000000"/>
+        </a:buClr>
+        <a:buFont typeface="Arial"/>
+        <a:defRPr sz="1543" b="0" i="0" u="none" strike="noStrike" cap="none">
+          <a:solidFill>
+            <a:srgbClr val="000000"/>
+          </a:solidFill>
+          <a:latin typeface="Arial"/>
+          <a:ea typeface="Arial"/>
+          <a:cs typeface="Arial"/>
+          <a:sym typeface="Arial"/>
+        </a:defRPr>
+      </a:lvl8pPr>
+      <a:lvl9pPr marR="0" lvl="8" algn="l" rtl="0">
+        <a:lnSpc>
+          <a:spcPct val="100000"/>
+        </a:lnSpc>
+        <a:spcBef>
+          <a:spcPts val="0"/>
+        </a:spcBef>
+        <a:spcAft>
+          <a:spcPts val="0"/>
+        </a:spcAft>
+        <a:buClr>
+          <a:srgbClr val="000000"/>
+        </a:buClr>
+        <a:buFont typeface="Arial"/>
+        <a:defRPr sz="1543" b="0" i="0" u="none" strike="noStrike" cap="none">
+          <a:solidFill>
+            <a:srgbClr val="000000"/>
+          </a:solidFill>
+          <a:latin typeface="Arial"/>
+          <a:ea typeface="Arial"/>
+          <a:cs typeface="Arial"/>
+          <a:sym typeface="Arial"/>
+        </a:defRPr>
+      </a:lvl9pPr>
+    </p:otherStyle>
+  </p:txStyles>
 </p:sldMaster>
 </file>
 
 <file path=ppt/slides/slide1.xml><?xml version="1.0" encoding="utf-8"?>
-<p:sld xmlns:a="http://schemas.openxmlformats.org/drawingml/2006/main" xmlns:p="http://schemas.openxmlformats.org/presentationml/2006/main" xmlns:r="http://schemas.openxmlformats.org/officeDocument/2006/relationships" xmlns:p14="http://schemas.microsoft.com/office/powerpoint/2010/main" xmlns:p15="http://schemas.microsoft.com/office/powerpoint/2012/main" xmlns:mc="http://schemas.openxmlformats.org/markup-compatibility/2006">
+<p:sld xmlns:a="http://schemas.openxmlformats.org/drawingml/2006/main" xmlns:r="http://schemas.openxmlformats.org/officeDocument/2006/relationships" xmlns:p="http://schemas.openxmlformats.org/presentationml/2006/main">
   <p:cSld>
     <p:spTree>
       <p:nvGrpSpPr>
@@ -1064,7 +3920,217 @@
       </p:grpSpPr>
       <p:sp>
         <p:nvSpPr>
-          <p:cNvPr id="14" name="PlaceHolder 1"/>
+          <p:cNvPr id="4" name="标题 3">
+            <a:extLst>
+              <a:ext uri="{FF2B5EF4-FFF2-40B4-BE49-F238E27FC236}">
+                <a16:creationId xmlns:a16="http://schemas.microsoft.com/office/drawing/2014/main" id="{AD720BE6-F43E-AD4A-3B44-5734D9ABA775}"/>
+              </a:ext>
+            </a:extLst>
+          </p:cNvPr>
+          <p:cNvSpPr>
+            <a:spLocks noGrp="1"/>
+          </p:cNvSpPr>
+          <p:nvPr>
+            <p:ph type="title"/>
+          </p:nvPr>
+        </p:nvSpPr>
+        <p:spPr>
+          <a:xfrm>
+            <a:off x="504229" y="1070043"/>
+            <a:ext cx="9072166" cy="1609722"/>
+          </a:xfrm>
+        </p:spPr>
+        <p:txBody>
+          <a:bodyPr/>
+          <a:lstStyle/>
+          <a:p>
+            <a:r>
+              <a:rPr lang="de-DE" altLang="zh-CN" sz="3200" b="1" dirty="0">
+                <a:solidFill>
+                  <a:schemeClr val="bg1"/>
+                </a:solidFill>
+              </a:rPr>
+              <a:t>ADP - </a:t>
+            </a:r>
+            <a:r>
+              <a:rPr lang="en-US" altLang="zh-CN" sz="3200" b="1" dirty="0">
+                <a:solidFill>
+                  <a:schemeClr val="bg1"/>
+                </a:solidFill>
+              </a:rPr>
+              <a:t>Charging Station Upgrade to </a:t>
+            </a:r>
+            <a:br>
+              <a:rPr lang="en-US" altLang="zh-CN" sz="3200" b="1" dirty="0">
+                <a:solidFill>
+                  <a:schemeClr val="bg1"/>
+                </a:solidFill>
+              </a:rPr>
+            </a:br>
+            <a:r>
+              <a:rPr lang="en-US" altLang="zh-CN" sz="3200" b="1" dirty="0">
+                <a:solidFill>
+                  <a:schemeClr val="bg1"/>
+                </a:solidFill>
+              </a:rPr>
+              <a:t>OCPP Communication for </a:t>
+            </a:r>
+            <a:br>
+              <a:rPr lang="en-US" altLang="zh-CN" sz="3200" b="1" dirty="0">
+                <a:solidFill>
+                  <a:schemeClr val="bg1"/>
+                </a:solidFill>
+              </a:rPr>
+            </a:br>
+            <a:r>
+              <a:rPr lang="en-US" altLang="zh-CN" sz="3200" b="1" dirty="0">
+                <a:solidFill>
+                  <a:schemeClr val="bg1"/>
+                </a:solidFill>
+              </a:rPr>
+              <a:t>Smart Charging</a:t>
+            </a:r>
+            <a:br>
+              <a:rPr lang="en-US" altLang="zh-CN" sz="3600" b="1" dirty="0">
+                <a:solidFill>
+                  <a:schemeClr val="bg1"/>
+                </a:solidFill>
+              </a:rPr>
+            </a:br>
+            <a:br>
+              <a:rPr lang="de-DE" altLang="zh-CN" b="1" dirty="0">
+                <a:solidFill>
+                  <a:schemeClr val="bg1"/>
+                </a:solidFill>
+              </a:rPr>
+            </a:br>
+            <a:br>
+              <a:rPr lang="zh-CN" altLang="en-US" sz="3600" dirty="0"/>
+            </a:br>
+            <a:endParaRPr lang="zh-CN" altLang="en-US" sz="3600" dirty="0"/>
+          </a:p>
+        </p:txBody>
+      </p:sp>
+      <p:sp>
+        <p:nvSpPr>
+          <p:cNvPr id="5" name="文本占位符 4">
+            <a:extLst>
+              <a:ext uri="{FF2B5EF4-FFF2-40B4-BE49-F238E27FC236}">
+                <a16:creationId xmlns:a16="http://schemas.microsoft.com/office/drawing/2014/main" id="{56C71B0E-0D03-E401-6CAB-5F6EC7E7B312}"/>
+              </a:ext>
+            </a:extLst>
+          </p:cNvPr>
+          <p:cNvSpPr>
+            <a:spLocks noGrp="1"/>
+          </p:cNvSpPr>
+          <p:nvPr>
+            <p:ph type="body" idx="1"/>
+          </p:nvPr>
+        </p:nvSpPr>
+        <p:spPr>
+          <a:xfrm>
+            <a:off x="270567" y="2130357"/>
+            <a:ext cx="9072166" cy="321013"/>
+          </a:xfrm>
+        </p:spPr>
+        <p:txBody>
+          <a:bodyPr>
+            <a:normAutofit/>
+          </a:bodyPr>
+          <a:lstStyle/>
+          <a:p>
+            <a:r>
+              <a:rPr lang="de-DE" altLang="zh-CN" b="1" dirty="0">
+                <a:solidFill>
+                  <a:schemeClr val="bg1"/>
+                </a:solidFill>
+              </a:rPr>
+              <a:t>reported by Junfan Jin, Can Zeng, Yunan Jiang and Huang Chen</a:t>
+            </a:r>
+            <a:endParaRPr lang="zh-CN" altLang="en-US" dirty="0"/>
+          </a:p>
+        </p:txBody>
+      </p:sp>
+      <p:pic>
+        <p:nvPicPr>
+          <p:cNvPr id="6" name="图片 5">
+            <a:extLst>
+              <a:ext uri="{FF2B5EF4-FFF2-40B4-BE49-F238E27FC236}">
+                <a16:creationId xmlns:a16="http://schemas.microsoft.com/office/drawing/2014/main" id="{77523AD8-98A3-72A0-850E-634E7FF6D6F4}"/>
+              </a:ext>
+            </a:extLst>
+          </p:cNvPr>
+          <p:cNvPicPr>
+            <a:picLocks noChangeAspect="1"/>
+          </p:cNvPicPr>
+          <p:nvPr/>
+        </p:nvPicPr>
+        <p:blipFill>
+          <a:blip r:embed="rId2" cstate="print">
+            <a:extLst>
+              <a:ext uri="{28A0092B-C50C-407E-A947-70E740481C1C}">
+                <a14:useLocalDpi xmlns:a14="http://schemas.microsoft.com/office/drawing/2010/main" val="0"/>
+              </a:ext>
+            </a:extLst>
+          </a:blip>
+          <a:srcRect l="-2015" t="18852" r="2015" b="5285"/>
+          <a:stretch/>
+        </p:blipFill>
+        <p:spPr>
+          <a:xfrm>
+            <a:off x="1363447" y="2754512"/>
+            <a:ext cx="7410902" cy="4218254"/>
+          </a:xfrm>
+          <a:prstGeom prst="rect">
+            <a:avLst/>
+          </a:prstGeom>
+        </p:spPr>
+      </p:pic>
+    </p:spTree>
+    <p:extLst>
+      <p:ext uri="{BB962C8B-B14F-4D97-AF65-F5344CB8AC3E}">
+        <p14:creationId xmlns:p14="http://schemas.microsoft.com/office/powerpoint/2010/main" val="3148505410"/>
+      </p:ext>
+    </p:extLst>
+  </p:cSld>
+  <p:clrMapOvr>
+    <a:masterClrMapping/>
+  </p:clrMapOvr>
+</p:sld>
+</file>
+
+<file path=ppt/slides/slide2.xml><?xml version="1.0" encoding="utf-8"?>
+<p:sld xmlns:a="http://schemas.openxmlformats.org/drawingml/2006/main" xmlns:r="http://schemas.openxmlformats.org/officeDocument/2006/relationships" xmlns:p="http://schemas.openxmlformats.org/presentationml/2006/main">
+  <p:cSld>
+    <p:spTree>
+      <p:nvGrpSpPr>
+        <p:cNvPr id="1" name="">
+          <a:extLst>
+            <a:ext uri="{FF2B5EF4-FFF2-40B4-BE49-F238E27FC236}">
+              <a16:creationId xmlns:a16="http://schemas.microsoft.com/office/drawing/2014/main" id="{228EEE18-2917-2C37-020D-F76174484097}"/>
+            </a:ext>
+          </a:extLst>
+        </p:cNvPr>
+        <p:cNvGrpSpPr/>
+        <p:nvPr/>
+      </p:nvGrpSpPr>
+      <p:grpSpPr>
+        <a:xfrm>
+          <a:off x="0" y="0"/>
+          <a:ext cx="0" cy="0"/>
+          <a:chOff x="0" y="0"/>
+          <a:chExt cx="0" cy="0"/>
+        </a:xfrm>
+      </p:grpSpPr>
+      <p:sp>
+        <p:nvSpPr>
+          <p:cNvPr id="14" name="PlaceHolder 1">
+            <a:extLst>
+              <a:ext uri="{FF2B5EF4-FFF2-40B4-BE49-F238E27FC236}">
+                <a16:creationId xmlns:a16="http://schemas.microsoft.com/office/drawing/2014/main" id="{75AF7416-53BA-283E-337A-C8D510FBF6F9}"/>
+              </a:ext>
+            </a:extLst>
+          </p:cNvPr>
           <p:cNvSpPr>
             <a:spLocks noGrp="1"/>
           </p:cNvSpPr>
@@ -1086,14 +4152,25 @@
           </a:ln>
         </p:spPr>
         <p:txBody>
-          <a:bodyPr lIns="0" rIns="0" tIns="0" bIns="0" anchor="ctr">
+          <a:bodyPr lIns="0" tIns="0" rIns="0" bIns="0" anchor="ctr">
             <a:noAutofit/>
           </a:bodyPr>
-          <a:p>
-            <a:pPr indent="0" algn="ctr">
+          <a:lstStyle/>
+          <a:p>
+            <a:pPr indent="0">
               <a:buNone/>
             </a:pPr>
-            <a:endParaRPr b="0" lang="en-US" sz="1800" strike="noStrike" u="none">
+            <a:r>
+              <a:rPr lang="de-DE" sz="3200" b="0" u="none" strike="noStrike" dirty="0">
+                <a:solidFill>
+                  <a:srgbClr val="000000"/>
+                </a:solidFill>
+                <a:uFillTx/>
+                <a:latin typeface="Arial"/>
+              </a:rPr>
+              <a:t>Background</a:t>
+            </a:r>
+            <a:endParaRPr lang="en-US" sz="3200" b="0" u="none" strike="noStrike" dirty="0">
               <a:solidFill>
                 <a:srgbClr val="000000"/>
               </a:solidFill>
@@ -1103,114 +4180,2369 @@
           </a:p>
         </p:txBody>
       </p:sp>
+      <p:pic>
+        <p:nvPicPr>
+          <p:cNvPr id="9" name="图片 8">
+            <a:extLst>
+              <a:ext uri="{FF2B5EF4-FFF2-40B4-BE49-F238E27FC236}">
+                <a16:creationId xmlns:a16="http://schemas.microsoft.com/office/drawing/2014/main" id="{4C7C8B1D-E0FE-CF5A-D90C-CC4BFB9F13F5}"/>
+              </a:ext>
+            </a:extLst>
+          </p:cNvPr>
+          <p:cNvPicPr>
+            <a:picLocks noChangeAspect="1"/>
+          </p:cNvPicPr>
+          <p:nvPr/>
+        </p:nvPicPr>
+        <p:blipFill>
+          <a:blip r:embed="rId2">
+            <a:extLst>
+              <a:ext uri="{28A0092B-C50C-407E-A947-70E740481C1C}">
+                <a14:useLocalDpi xmlns:a14="http://schemas.microsoft.com/office/drawing/2010/main" val="0"/>
+              </a:ext>
+            </a:extLst>
+          </a:blip>
+          <a:stretch>
+            <a:fillRect/>
+          </a:stretch>
+        </p:blipFill>
+        <p:spPr>
+          <a:xfrm>
+            <a:off x="4513633" y="2169099"/>
+            <a:ext cx="5057854" cy="2970393"/>
+          </a:xfrm>
+          <a:prstGeom prst="rect">
+            <a:avLst/>
+          </a:prstGeom>
+        </p:spPr>
+      </p:pic>
       <p:sp>
         <p:nvSpPr>
-          <p:cNvPr id="15" name="PlaceHolder 2"/>
-          <p:cNvSpPr>
-            <a:spLocks noGrp="1"/>
-          </p:cNvSpPr>
-          <p:nvPr>
-            <p:ph/>
-          </p:nvPr>
+          <p:cNvPr id="13" name="文本框 12">
+            <a:extLst>
+              <a:ext uri="{FF2B5EF4-FFF2-40B4-BE49-F238E27FC236}">
+                <a16:creationId xmlns:a16="http://schemas.microsoft.com/office/drawing/2014/main" id="{7B005B52-D976-F0B9-0558-A159F3211281}"/>
+              </a:ext>
+            </a:extLst>
+          </p:cNvPr>
+          <p:cNvSpPr txBox="1"/>
+          <p:nvPr/>
         </p:nvSpPr>
         <p:spPr>
           <a:xfrm>
-            <a:off x="334440" y="1731600"/>
-            <a:ext cx="9378000" cy="5186880"/>
+            <a:off x="5040312" y="4993936"/>
+            <a:ext cx="4826857" cy="276999"/>
           </a:xfrm>
           <a:prstGeom prst="rect">
             <a:avLst/>
           </a:prstGeom>
           <a:noFill/>
-          <a:ln w="0">
-            <a:noFill/>
-          </a:ln>
         </p:spPr>
         <p:txBody>
-          <a:bodyPr lIns="0" rIns="0" tIns="28440" bIns="0" anchor="t">
-            <a:normAutofit/>
+          <a:bodyPr wrap="square" rtlCol="0">
+            <a:spAutoFit/>
           </a:bodyPr>
-          <a:p>
-            <a:pPr indent="0">
-              <a:spcBef>
-                <a:spcPts val="1417"/>
-              </a:spcBef>
-              <a:buNone/>
-            </a:pPr>
-            <a:endParaRPr b="0" lang="en-US" sz="1800" strike="noStrike" u="none">
+          <a:lstStyle/>
+          <a:p>
+            <a:r>
+              <a:rPr lang="en-US" altLang="zh-CN" sz="1200" dirty="0"/>
+              <a:t>Figure 1: Charge station sales increasing over the years [2]</a:t>
+            </a:r>
+            <a:endParaRPr lang="zh-CN" altLang="en-US" sz="1200" dirty="0"/>
+          </a:p>
+        </p:txBody>
+      </p:sp>
+      <p:sp>
+        <p:nvSpPr>
+          <p:cNvPr id="16" name="文本框 15">
+            <a:extLst>
+              <a:ext uri="{FF2B5EF4-FFF2-40B4-BE49-F238E27FC236}">
+                <a16:creationId xmlns:a16="http://schemas.microsoft.com/office/drawing/2014/main" id="{31DD0DE0-1418-EAC2-3C5B-B1153C1888BF}"/>
+              </a:ext>
+            </a:extLst>
+          </p:cNvPr>
+          <p:cNvSpPr txBox="1"/>
+          <p:nvPr/>
+        </p:nvSpPr>
+        <p:spPr>
+          <a:xfrm>
+            <a:off x="509139" y="2408613"/>
+            <a:ext cx="3413126" cy="2862322"/>
+          </a:xfrm>
+          <a:prstGeom prst="rect">
+            <a:avLst/>
+          </a:prstGeom>
+          <a:noFill/>
+        </p:spPr>
+        <p:txBody>
+          <a:bodyPr wrap="square" rtlCol="0">
+            <a:spAutoFit/>
+          </a:bodyPr>
+          <a:lstStyle/>
+          <a:p>
+            <a:r>
+              <a:rPr lang="en-US" altLang="zh-CN" dirty="0"/>
+              <a:t>1, Increasing number of </a:t>
+            </a:r>
+          </a:p>
+          <a:p>
+            <a:r>
+              <a:rPr lang="en-US" altLang="zh-CN" dirty="0"/>
+              <a:t>    EVs &amp; Charging Stations</a:t>
+            </a:r>
+          </a:p>
+          <a:p>
+            <a:endParaRPr lang="en-US" altLang="zh-CN" dirty="0"/>
+          </a:p>
+          <a:p>
+            <a:r>
+              <a:rPr lang="en-US" altLang="zh-CN" dirty="0"/>
+              <a:t>2, In Germany, “plug and </a:t>
+            </a:r>
+          </a:p>
+          <a:p>
+            <a:r>
+              <a:rPr lang="en-US" altLang="zh-CN" dirty="0"/>
+              <a:t>    charge” mode of 10 million     </a:t>
+            </a:r>
+          </a:p>
+          <a:p>
+            <a:r>
+              <a:rPr lang="en-US" altLang="zh-CN" dirty="0"/>
+              <a:t>    EVs by 2035 increase 50% </a:t>
+            </a:r>
+          </a:p>
+          <a:p>
+            <a:r>
+              <a:rPr lang="en-US" altLang="zh-CN" dirty="0"/>
+              <a:t>    in low-voltage grid and </a:t>
+            </a:r>
+          </a:p>
+          <a:p>
+            <a:r>
+              <a:rPr lang="en-US" altLang="zh-CN" dirty="0"/>
+              <a:t>    transformer costs [1]</a:t>
+            </a:r>
+            <a:endParaRPr lang="en-US" altLang="zh-CN" dirty="0">
               <a:solidFill>
-                <a:srgbClr val="000000"/>
+                <a:srgbClr val="FF0000"/>
               </a:solidFill>
-              <a:uFillTx/>
-              <a:latin typeface="Arial"/>
             </a:endParaRPr>
+          </a:p>
+          <a:p>
+            <a:endParaRPr lang="en-US" altLang="zh-CN" dirty="0">
+              <a:solidFill>
+                <a:srgbClr val="FF0000"/>
+              </a:solidFill>
+            </a:endParaRPr>
+          </a:p>
+          <a:p>
+            <a:endParaRPr lang="zh-CN" altLang="en-US" dirty="0"/>
           </a:p>
         </p:txBody>
       </p:sp>
     </p:spTree>
+    <p:extLst>
+      <p:ext uri="{BB962C8B-B14F-4D97-AF65-F5344CB8AC3E}">
+        <p14:creationId xmlns:p14="http://schemas.microsoft.com/office/powerpoint/2010/main" val="1063115770"/>
+      </p:ext>
+    </p:extLst>
   </p:cSld>
-  <mc:AlternateContent>
-    <mc:Choice Requires="p14">
-      <p:transition spd="slow" p14:dur="2000"/>
-    </mc:Choice>
-    <mc:Fallback>
-      <p:transition spd="slow"/>
-    </mc:Fallback>
-  </mc:AlternateContent>
+  <p:clrMapOvr>
+    <a:masterClrMapping/>
+  </p:clrMapOvr>
+</p:sld>
+</file>
+
+<file path=ppt/slides/slide3.xml><?xml version="1.0" encoding="utf-8"?>
+<p:sld xmlns:a="http://schemas.openxmlformats.org/drawingml/2006/main" xmlns:r="http://schemas.openxmlformats.org/officeDocument/2006/relationships" xmlns:p="http://schemas.openxmlformats.org/presentationml/2006/main">
+  <p:cSld>
+    <p:spTree>
+      <p:nvGrpSpPr>
+        <p:cNvPr id="1" name=""/>
+        <p:cNvGrpSpPr/>
+        <p:nvPr/>
+      </p:nvGrpSpPr>
+      <p:grpSpPr>
+        <a:xfrm>
+          <a:off x="0" y="0"/>
+          <a:ext cx="0" cy="0"/>
+          <a:chOff x="0" y="0"/>
+          <a:chExt cx="0" cy="0"/>
+        </a:xfrm>
+      </p:grpSpPr>
+      <p:sp>
+        <p:nvSpPr>
+          <p:cNvPr id="2" name="标题 1">
+            <a:extLst>
+              <a:ext uri="{FF2B5EF4-FFF2-40B4-BE49-F238E27FC236}">
+                <a16:creationId xmlns:a16="http://schemas.microsoft.com/office/drawing/2014/main" id="{FAB76C36-5496-EFE0-1325-F2BA5745BF98}"/>
+              </a:ext>
+            </a:extLst>
+          </p:cNvPr>
+          <p:cNvSpPr>
+            <a:spLocks noGrp="1"/>
+          </p:cNvSpPr>
+          <p:nvPr>
+            <p:ph type="title"/>
+          </p:nvPr>
+        </p:nvSpPr>
+        <p:spPr/>
+        <p:txBody>
+          <a:bodyPr/>
+          <a:lstStyle/>
+          <a:p>
+            <a:r>
+              <a:rPr lang="en-US" altLang="zh-CN" sz="3200" dirty="0"/>
+              <a:t>Significance </a:t>
+            </a:r>
+            <a:endParaRPr lang="zh-CN" altLang="en-US" sz="3200" dirty="0"/>
+          </a:p>
+        </p:txBody>
+      </p:sp>
+      <p:sp>
+        <p:nvSpPr>
+          <p:cNvPr id="7" name="矩形 6">
+            <a:extLst>
+              <a:ext uri="{FF2B5EF4-FFF2-40B4-BE49-F238E27FC236}">
+                <a16:creationId xmlns:a16="http://schemas.microsoft.com/office/drawing/2014/main" id="{7B27B981-DE1F-488A-9841-9222784B88FB}"/>
+              </a:ext>
+            </a:extLst>
+          </p:cNvPr>
+          <p:cNvSpPr/>
+          <p:nvPr/>
+        </p:nvSpPr>
+        <p:spPr>
+          <a:xfrm>
+            <a:off x="3685296" y="3113818"/>
+            <a:ext cx="2847703" cy="1839634"/>
+          </a:xfrm>
+          <a:prstGeom prst="rect">
+            <a:avLst/>
+          </a:prstGeom>
+          <a:ln w="19050">
+            <a:solidFill>
+              <a:srgbClr val="0369A3"/>
+            </a:solidFill>
+          </a:ln>
+        </p:spPr>
+        <p:style>
+          <a:lnRef idx="2">
+            <a:schemeClr val="accent2"/>
+          </a:lnRef>
+          <a:fillRef idx="1">
+            <a:schemeClr val="lt1"/>
+          </a:fillRef>
+          <a:effectRef idx="0">
+            <a:schemeClr val="accent2"/>
+          </a:effectRef>
+          <a:fontRef idx="minor">
+            <a:schemeClr val="dk1"/>
+          </a:fontRef>
+        </p:style>
+        <p:txBody>
+          <a:bodyPr rtlCol="0" anchor="ctr"/>
+          <a:lstStyle>
+            <a:defPPr>
+              <a:defRPr lang="zh-CN"/>
+            </a:defPPr>
+            <a:lvl1pPr marL="0" algn="l" defTabSz="914400" rtl="0" eaLnBrk="1" latinLnBrk="0" hangingPunct="1">
+              <a:defRPr sz="1800" kern="1200">
+                <a:solidFill>
+                  <a:schemeClr val="dk1"/>
+                </a:solidFill>
+                <a:latin typeface="+mn-lt"/>
+                <a:ea typeface="+mn-ea"/>
+                <a:cs typeface="+mn-cs"/>
+              </a:defRPr>
+            </a:lvl1pPr>
+            <a:lvl2pPr marL="457200" algn="l" defTabSz="914400" rtl="0" eaLnBrk="1" latinLnBrk="0" hangingPunct="1">
+              <a:defRPr sz="1800" kern="1200">
+                <a:solidFill>
+                  <a:schemeClr val="dk1"/>
+                </a:solidFill>
+                <a:latin typeface="+mn-lt"/>
+                <a:ea typeface="+mn-ea"/>
+                <a:cs typeface="+mn-cs"/>
+              </a:defRPr>
+            </a:lvl2pPr>
+            <a:lvl3pPr marL="914400" algn="l" defTabSz="914400" rtl="0" eaLnBrk="1" latinLnBrk="0" hangingPunct="1">
+              <a:defRPr sz="1800" kern="1200">
+                <a:solidFill>
+                  <a:schemeClr val="dk1"/>
+                </a:solidFill>
+                <a:latin typeface="+mn-lt"/>
+                <a:ea typeface="+mn-ea"/>
+                <a:cs typeface="+mn-cs"/>
+              </a:defRPr>
+            </a:lvl3pPr>
+            <a:lvl4pPr marL="1371600" algn="l" defTabSz="914400" rtl="0" eaLnBrk="1" latinLnBrk="0" hangingPunct="1">
+              <a:defRPr sz="1800" kern="1200">
+                <a:solidFill>
+                  <a:schemeClr val="dk1"/>
+                </a:solidFill>
+                <a:latin typeface="+mn-lt"/>
+                <a:ea typeface="+mn-ea"/>
+                <a:cs typeface="+mn-cs"/>
+              </a:defRPr>
+            </a:lvl4pPr>
+            <a:lvl5pPr marL="1828800" algn="l" defTabSz="914400" rtl="0" eaLnBrk="1" latinLnBrk="0" hangingPunct="1">
+              <a:defRPr sz="1800" kern="1200">
+                <a:solidFill>
+                  <a:schemeClr val="dk1"/>
+                </a:solidFill>
+                <a:latin typeface="+mn-lt"/>
+                <a:ea typeface="+mn-ea"/>
+                <a:cs typeface="+mn-cs"/>
+              </a:defRPr>
+            </a:lvl5pPr>
+            <a:lvl6pPr marL="2286000" algn="l" defTabSz="914400" rtl="0" eaLnBrk="1" latinLnBrk="0" hangingPunct="1">
+              <a:defRPr sz="1800" kern="1200">
+                <a:solidFill>
+                  <a:schemeClr val="dk1"/>
+                </a:solidFill>
+                <a:latin typeface="+mn-lt"/>
+                <a:ea typeface="+mn-ea"/>
+                <a:cs typeface="+mn-cs"/>
+              </a:defRPr>
+            </a:lvl6pPr>
+            <a:lvl7pPr marL="2743200" algn="l" defTabSz="914400" rtl="0" eaLnBrk="1" latinLnBrk="0" hangingPunct="1">
+              <a:defRPr sz="1800" kern="1200">
+                <a:solidFill>
+                  <a:schemeClr val="dk1"/>
+                </a:solidFill>
+                <a:latin typeface="+mn-lt"/>
+                <a:ea typeface="+mn-ea"/>
+                <a:cs typeface="+mn-cs"/>
+              </a:defRPr>
+            </a:lvl7pPr>
+            <a:lvl8pPr marL="3200400" algn="l" defTabSz="914400" rtl="0" eaLnBrk="1" latinLnBrk="0" hangingPunct="1">
+              <a:defRPr sz="1800" kern="1200">
+                <a:solidFill>
+                  <a:schemeClr val="dk1"/>
+                </a:solidFill>
+                <a:latin typeface="+mn-lt"/>
+                <a:ea typeface="+mn-ea"/>
+                <a:cs typeface="+mn-cs"/>
+              </a:defRPr>
+            </a:lvl8pPr>
+            <a:lvl9pPr marL="3657600" algn="l" defTabSz="914400" rtl="0" eaLnBrk="1" latinLnBrk="0" hangingPunct="1">
+              <a:defRPr sz="1800" kern="1200">
+                <a:solidFill>
+                  <a:schemeClr val="dk1"/>
+                </a:solidFill>
+                <a:latin typeface="+mn-lt"/>
+                <a:ea typeface="+mn-ea"/>
+                <a:cs typeface="+mn-cs"/>
+              </a:defRPr>
+            </a:lvl9pPr>
+          </a:lstStyle>
+          <a:p>
+            <a:pPr marL="285750" indent="-285750">
+              <a:buFont typeface="Arial" panose="020B0604020202020204" pitchFamily="34" charset="0"/>
+              <a:buChar char="•"/>
+            </a:pPr>
+            <a:r>
+              <a:rPr lang="en-US" altLang="zh-CN" sz="1800" b="1" dirty="0"/>
+              <a:t>Decrease overload of grid</a:t>
+            </a:r>
+            <a:endParaRPr lang="en-US" altLang="zh-CN" b="1" dirty="0"/>
+          </a:p>
+          <a:p>
+            <a:endParaRPr lang="en-US" altLang="zh-CN" b="1" dirty="0"/>
+          </a:p>
+        </p:txBody>
+      </p:sp>
+      <p:sp>
+        <p:nvSpPr>
+          <p:cNvPr id="8" name="矩形: 圆角 7">
+            <a:extLst>
+              <a:ext uri="{FF2B5EF4-FFF2-40B4-BE49-F238E27FC236}">
+                <a16:creationId xmlns:a16="http://schemas.microsoft.com/office/drawing/2014/main" id="{77191F9C-8192-5462-6D09-9D6FFC0F343F}"/>
+              </a:ext>
+            </a:extLst>
+          </p:cNvPr>
+          <p:cNvSpPr/>
+          <p:nvPr/>
+        </p:nvSpPr>
+        <p:spPr>
+          <a:xfrm>
+            <a:off x="4151265" y="2724645"/>
+            <a:ext cx="1854926" cy="740229"/>
+          </a:xfrm>
+          <a:prstGeom prst="roundRect">
+            <a:avLst/>
+          </a:prstGeom>
+        </p:spPr>
+        <p:style>
+          <a:lnRef idx="1">
+            <a:schemeClr val="accent2"/>
+          </a:lnRef>
+          <a:fillRef idx="3">
+            <a:schemeClr val="accent2"/>
+          </a:fillRef>
+          <a:effectRef idx="2">
+            <a:schemeClr val="accent2"/>
+          </a:effectRef>
+          <a:fontRef idx="minor">
+            <a:schemeClr val="lt1"/>
+          </a:fontRef>
+        </p:style>
+        <p:txBody>
+          <a:bodyPr rtlCol="0" anchor="ctr"/>
+          <a:lstStyle>
+            <a:defPPr>
+              <a:defRPr lang="zh-CN"/>
+            </a:defPPr>
+            <a:lvl1pPr marL="0" algn="l" defTabSz="914400" rtl="0" eaLnBrk="1" latinLnBrk="0" hangingPunct="1">
+              <a:defRPr sz="1800" kern="1200">
+                <a:solidFill>
+                  <a:schemeClr val="lt1"/>
+                </a:solidFill>
+                <a:latin typeface="+mn-lt"/>
+                <a:ea typeface="+mn-ea"/>
+                <a:cs typeface="+mn-cs"/>
+              </a:defRPr>
+            </a:lvl1pPr>
+            <a:lvl2pPr marL="457200" algn="l" defTabSz="914400" rtl="0" eaLnBrk="1" latinLnBrk="0" hangingPunct="1">
+              <a:defRPr sz="1800" kern="1200">
+                <a:solidFill>
+                  <a:schemeClr val="lt1"/>
+                </a:solidFill>
+                <a:latin typeface="+mn-lt"/>
+                <a:ea typeface="+mn-ea"/>
+                <a:cs typeface="+mn-cs"/>
+              </a:defRPr>
+            </a:lvl2pPr>
+            <a:lvl3pPr marL="914400" algn="l" defTabSz="914400" rtl="0" eaLnBrk="1" latinLnBrk="0" hangingPunct="1">
+              <a:defRPr sz="1800" kern="1200">
+                <a:solidFill>
+                  <a:schemeClr val="lt1"/>
+                </a:solidFill>
+                <a:latin typeface="+mn-lt"/>
+                <a:ea typeface="+mn-ea"/>
+                <a:cs typeface="+mn-cs"/>
+              </a:defRPr>
+            </a:lvl3pPr>
+            <a:lvl4pPr marL="1371600" algn="l" defTabSz="914400" rtl="0" eaLnBrk="1" latinLnBrk="0" hangingPunct="1">
+              <a:defRPr sz="1800" kern="1200">
+                <a:solidFill>
+                  <a:schemeClr val="lt1"/>
+                </a:solidFill>
+                <a:latin typeface="+mn-lt"/>
+                <a:ea typeface="+mn-ea"/>
+                <a:cs typeface="+mn-cs"/>
+              </a:defRPr>
+            </a:lvl4pPr>
+            <a:lvl5pPr marL="1828800" algn="l" defTabSz="914400" rtl="0" eaLnBrk="1" latinLnBrk="0" hangingPunct="1">
+              <a:defRPr sz="1800" kern="1200">
+                <a:solidFill>
+                  <a:schemeClr val="lt1"/>
+                </a:solidFill>
+                <a:latin typeface="+mn-lt"/>
+                <a:ea typeface="+mn-ea"/>
+                <a:cs typeface="+mn-cs"/>
+              </a:defRPr>
+            </a:lvl5pPr>
+            <a:lvl6pPr marL="2286000" algn="l" defTabSz="914400" rtl="0" eaLnBrk="1" latinLnBrk="0" hangingPunct="1">
+              <a:defRPr sz="1800" kern="1200">
+                <a:solidFill>
+                  <a:schemeClr val="lt1"/>
+                </a:solidFill>
+                <a:latin typeface="+mn-lt"/>
+                <a:ea typeface="+mn-ea"/>
+                <a:cs typeface="+mn-cs"/>
+              </a:defRPr>
+            </a:lvl6pPr>
+            <a:lvl7pPr marL="2743200" algn="l" defTabSz="914400" rtl="0" eaLnBrk="1" latinLnBrk="0" hangingPunct="1">
+              <a:defRPr sz="1800" kern="1200">
+                <a:solidFill>
+                  <a:schemeClr val="lt1"/>
+                </a:solidFill>
+                <a:latin typeface="+mn-lt"/>
+                <a:ea typeface="+mn-ea"/>
+                <a:cs typeface="+mn-cs"/>
+              </a:defRPr>
+            </a:lvl7pPr>
+            <a:lvl8pPr marL="3200400" algn="l" defTabSz="914400" rtl="0" eaLnBrk="1" latinLnBrk="0" hangingPunct="1">
+              <a:defRPr sz="1800" kern="1200">
+                <a:solidFill>
+                  <a:schemeClr val="lt1"/>
+                </a:solidFill>
+                <a:latin typeface="+mn-lt"/>
+                <a:ea typeface="+mn-ea"/>
+                <a:cs typeface="+mn-cs"/>
+              </a:defRPr>
+            </a:lvl8pPr>
+            <a:lvl9pPr marL="3657600" algn="l" defTabSz="914400" rtl="0" eaLnBrk="1" latinLnBrk="0" hangingPunct="1">
+              <a:defRPr sz="1800" kern="1200">
+                <a:solidFill>
+                  <a:schemeClr val="lt1"/>
+                </a:solidFill>
+                <a:latin typeface="+mn-lt"/>
+                <a:ea typeface="+mn-ea"/>
+                <a:cs typeface="+mn-cs"/>
+              </a:defRPr>
+            </a:lvl9pPr>
+          </a:lstStyle>
+          <a:p>
+            <a:pPr algn="ctr"/>
+            <a:r>
+              <a:rPr lang="en-US" altLang="zh-CN" sz="1800" dirty="0"/>
+              <a:t>Peak shaving</a:t>
+            </a:r>
+            <a:endParaRPr lang="zh-CN" altLang="en-US" dirty="0"/>
+          </a:p>
+        </p:txBody>
+      </p:sp>
+      <p:sp>
+        <p:nvSpPr>
+          <p:cNvPr id="11" name="矩形 10">
+            <a:extLst>
+              <a:ext uri="{FF2B5EF4-FFF2-40B4-BE49-F238E27FC236}">
+                <a16:creationId xmlns:a16="http://schemas.microsoft.com/office/drawing/2014/main" id="{5CEB6C7F-22A3-DA41-0B36-64406F7D4313}"/>
+              </a:ext>
+            </a:extLst>
+          </p:cNvPr>
+          <p:cNvSpPr/>
+          <p:nvPr/>
+        </p:nvSpPr>
+        <p:spPr>
+          <a:xfrm>
+            <a:off x="6818018" y="3132876"/>
+            <a:ext cx="2847703" cy="1839634"/>
+          </a:xfrm>
+          <a:prstGeom prst="rect">
+            <a:avLst/>
+          </a:prstGeom>
+          <a:ln w="19050">
+            <a:solidFill>
+              <a:srgbClr val="0369A3"/>
+            </a:solidFill>
+          </a:ln>
+        </p:spPr>
+        <p:style>
+          <a:lnRef idx="2">
+            <a:schemeClr val="accent2"/>
+          </a:lnRef>
+          <a:fillRef idx="1">
+            <a:schemeClr val="lt1"/>
+          </a:fillRef>
+          <a:effectRef idx="0">
+            <a:schemeClr val="accent2"/>
+          </a:effectRef>
+          <a:fontRef idx="minor">
+            <a:schemeClr val="dk1"/>
+          </a:fontRef>
+        </p:style>
+        <p:txBody>
+          <a:bodyPr rtlCol="0" anchor="ctr"/>
+          <a:lstStyle>
+            <a:defPPr>
+              <a:defRPr lang="zh-CN"/>
+            </a:defPPr>
+            <a:lvl1pPr marL="0" algn="l" defTabSz="914400" rtl="0" eaLnBrk="1" latinLnBrk="0" hangingPunct="1">
+              <a:defRPr sz="1800" kern="1200">
+                <a:solidFill>
+                  <a:schemeClr val="dk1"/>
+                </a:solidFill>
+                <a:latin typeface="+mn-lt"/>
+                <a:ea typeface="+mn-ea"/>
+                <a:cs typeface="+mn-cs"/>
+              </a:defRPr>
+            </a:lvl1pPr>
+            <a:lvl2pPr marL="457200" algn="l" defTabSz="914400" rtl="0" eaLnBrk="1" latinLnBrk="0" hangingPunct="1">
+              <a:defRPr sz="1800" kern="1200">
+                <a:solidFill>
+                  <a:schemeClr val="dk1"/>
+                </a:solidFill>
+                <a:latin typeface="+mn-lt"/>
+                <a:ea typeface="+mn-ea"/>
+                <a:cs typeface="+mn-cs"/>
+              </a:defRPr>
+            </a:lvl2pPr>
+            <a:lvl3pPr marL="914400" algn="l" defTabSz="914400" rtl="0" eaLnBrk="1" latinLnBrk="0" hangingPunct="1">
+              <a:defRPr sz="1800" kern="1200">
+                <a:solidFill>
+                  <a:schemeClr val="dk1"/>
+                </a:solidFill>
+                <a:latin typeface="+mn-lt"/>
+                <a:ea typeface="+mn-ea"/>
+                <a:cs typeface="+mn-cs"/>
+              </a:defRPr>
+            </a:lvl3pPr>
+            <a:lvl4pPr marL="1371600" algn="l" defTabSz="914400" rtl="0" eaLnBrk="1" latinLnBrk="0" hangingPunct="1">
+              <a:defRPr sz="1800" kern="1200">
+                <a:solidFill>
+                  <a:schemeClr val="dk1"/>
+                </a:solidFill>
+                <a:latin typeface="+mn-lt"/>
+                <a:ea typeface="+mn-ea"/>
+                <a:cs typeface="+mn-cs"/>
+              </a:defRPr>
+            </a:lvl4pPr>
+            <a:lvl5pPr marL="1828800" algn="l" defTabSz="914400" rtl="0" eaLnBrk="1" latinLnBrk="0" hangingPunct="1">
+              <a:defRPr sz="1800" kern="1200">
+                <a:solidFill>
+                  <a:schemeClr val="dk1"/>
+                </a:solidFill>
+                <a:latin typeface="+mn-lt"/>
+                <a:ea typeface="+mn-ea"/>
+                <a:cs typeface="+mn-cs"/>
+              </a:defRPr>
+            </a:lvl5pPr>
+            <a:lvl6pPr marL="2286000" algn="l" defTabSz="914400" rtl="0" eaLnBrk="1" latinLnBrk="0" hangingPunct="1">
+              <a:defRPr sz="1800" kern="1200">
+                <a:solidFill>
+                  <a:schemeClr val="dk1"/>
+                </a:solidFill>
+                <a:latin typeface="+mn-lt"/>
+                <a:ea typeface="+mn-ea"/>
+                <a:cs typeface="+mn-cs"/>
+              </a:defRPr>
+            </a:lvl6pPr>
+            <a:lvl7pPr marL="2743200" algn="l" defTabSz="914400" rtl="0" eaLnBrk="1" latinLnBrk="0" hangingPunct="1">
+              <a:defRPr sz="1800" kern="1200">
+                <a:solidFill>
+                  <a:schemeClr val="dk1"/>
+                </a:solidFill>
+                <a:latin typeface="+mn-lt"/>
+                <a:ea typeface="+mn-ea"/>
+                <a:cs typeface="+mn-cs"/>
+              </a:defRPr>
+            </a:lvl7pPr>
+            <a:lvl8pPr marL="3200400" algn="l" defTabSz="914400" rtl="0" eaLnBrk="1" latinLnBrk="0" hangingPunct="1">
+              <a:defRPr sz="1800" kern="1200">
+                <a:solidFill>
+                  <a:schemeClr val="dk1"/>
+                </a:solidFill>
+                <a:latin typeface="+mn-lt"/>
+                <a:ea typeface="+mn-ea"/>
+                <a:cs typeface="+mn-cs"/>
+              </a:defRPr>
+            </a:lvl8pPr>
+            <a:lvl9pPr marL="3657600" algn="l" defTabSz="914400" rtl="0" eaLnBrk="1" latinLnBrk="0" hangingPunct="1">
+              <a:defRPr sz="1800" kern="1200">
+                <a:solidFill>
+                  <a:schemeClr val="dk1"/>
+                </a:solidFill>
+                <a:latin typeface="+mn-lt"/>
+                <a:ea typeface="+mn-ea"/>
+                <a:cs typeface="+mn-cs"/>
+              </a:defRPr>
+            </a:lvl9pPr>
+          </a:lstStyle>
+          <a:p>
+            <a:pPr marL="285750" indent="-285750">
+              <a:buFont typeface="Arial" panose="020B0604020202020204" pitchFamily="34" charset="0"/>
+              <a:buChar char="•"/>
+            </a:pPr>
+            <a:r>
+              <a:rPr lang="en-US" altLang="zh-CN" sz="1800" b="1" dirty="0"/>
+              <a:t>Electricity price</a:t>
+            </a:r>
+          </a:p>
+          <a:p>
+            <a:pPr marL="285750" indent="-285750">
+              <a:buFont typeface="Arial" panose="020B0604020202020204" pitchFamily="34" charset="0"/>
+              <a:buChar char="•"/>
+            </a:pPr>
+            <a:r>
+              <a:rPr lang="en-US" altLang="zh-CN" sz="1800" b="1" dirty="0"/>
+              <a:t>Battery capacity</a:t>
+            </a:r>
+            <a:endParaRPr lang="en-US" altLang="zh-CN" b="1" dirty="0"/>
+          </a:p>
+        </p:txBody>
+      </p:sp>
+      <p:sp>
+        <p:nvSpPr>
+          <p:cNvPr id="12" name="矩形: 圆角 11">
+            <a:extLst>
+              <a:ext uri="{FF2B5EF4-FFF2-40B4-BE49-F238E27FC236}">
+                <a16:creationId xmlns:a16="http://schemas.microsoft.com/office/drawing/2014/main" id="{E10EFF15-36B8-4D4F-C4DA-FB5A0D788311}"/>
+              </a:ext>
+            </a:extLst>
+          </p:cNvPr>
+          <p:cNvSpPr/>
+          <p:nvPr/>
+        </p:nvSpPr>
+        <p:spPr>
+          <a:xfrm>
+            <a:off x="7283987" y="2743703"/>
+            <a:ext cx="1854926" cy="740229"/>
+          </a:xfrm>
+          <a:prstGeom prst="roundRect">
+            <a:avLst/>
+          </a:prstGeom>
+        </p:spPr>
+        <p:style>
+          <a:lnRef idx="1">
+            <a:schemeClr val="accent2"/>
+          </a:lnRef>
+          <a:fillRef idx="3">
+            <a:schemeClr val="accent2"/>
+          </a:fillRef>
+          <a:effectRef idx="2">
+            <a:schemeClr val="accent2"/>
+          </a:effectRef>
+          <a:fontRef idx="minor">
+            <a:schemeClr val="lt1"/>
+          </a:fontRef>
+        </p:style>
+        <p:txBody>
+          <a:bodyPr rtlCol="0" anchor="ctr"/>
+          <a:lstStyle>
+            <a:defPPr>
+              <a:defRPr lang="zh-CN"/>
+            </a:defPPr>
+            <a:lvl1pPr marL="0" algn="l" defTabSz="914400" rtl="0" eaLnBrk="1" latinLnBrk="0" hangingPunct="1">
+              <a:defRPr sz="1800" kern="1200">
+                <a:solidFill>
+                  <a:schemeClr val="lt1"/>
+                </a:solidFill>
+                <a:latin typeface="+mn-lt"/>
+                <a:ea typeface="+mn-ea"/>
+                <a:cs typeface="+mn-cs"/>
+              </a:defRPr>
+            </a:lvl1pPr>
+            <a:lvl2pPr marL="457200" algn="l" defTabSz="914400" rtl="0" eaLnBrk="1" latinLnBrk="0" hangingPunct="1">
+              <a:defRPr sz="1800" kern="1200">
+                <a:solidFill>
+                  <a:schemeClr val="lt1"/>
+                </a:solidFill>
+                <a:latin typeface="+mn-lt"/>
+                <a:ea typeface="+mn-ea"/>
+                <a:cs typeface="+mn-cs"/>
+              </a:defRPr>
+            </a:lvl2pPr>
+            <a:lvl3pPr marL="914400" algn="l" defTabSz="914400" rtl="0" eaLnBrk="1" latinLnBrk="0" hangingPunct="1">
+              <a:defRPr sz="1800" kern="1200">
+                <a:solidFill>
+                  <a:schemeClr val="lt1"/>
+                </a:solidFill>
+                <a:latin typeface="+mn-lt"/>
+                <a:ea typeface="+mn-ea"/>
+                <a:cs typeface="+mn-cs"/>
+              </a:defRPr>
+            </a:lvl3pPr>
+            <a:lvl4pPr marL="1371600" algn="l" defTabSz="914400" rtl="0" eaLnBrk="1" latinLnBrk="0" hangingPunct="1">
+              <a:defRPr sz="1800" kern="1200">
+                <a:solidFill>
+                  <a:schemeClr val="lt1"/>
+                </a:solidFill>
+                <a:latin typeface="+mn-lt"/>
+                <a:ea typeface="+mn-ea"/>
+                <a:cs typeface="+mn-cs"/>
+              </a:defRPr>
+            </a:lvl4pPr>
+            <a:lvl5pPr marL="1828800" algn="l" defTabSz="914400" rtl="0" eaLnBrk="1" latinLnBrk="0" hangingPunct="1">
+              <a:defRPr sz="1800" kern="1200">
+                <a:solidFill>
+                  <a:schemeClr val="lt1"/>
+                </a:solidFill>
+                <a:latin typeface="+mn-lt"/>
+                <a:ea typeface="+mn-ea"/>
+                <a:cs typeface="+mn-cs"/>
+              </a:defRPr>
+            </a:lvl5pPr>
+            <a:lvl6pPr marL="2286000" algn="l" defTabSz="914400" rtl="0" eaLnBrk="1" latinLnBrk="0" hangingPunct="1">
+              <a:defRPr sz="1800" kern="1200">
+                <a:solidFill>
+                  <a:schemeClr val="lt1"/>
+                </a:solidFill>
+                <a:latin typeface="+mn-lt"/>
+                <a:ea typeface="+mn-ea"/>
+                <a:cs typeface="+mn-cs"/>
+              </a:defRPr>
+            </a:lvl6pPr>
+            <a:lvl7pPr marL="2743200" algn="l" defTabSz="914400" rtl="0" eaLnBrk="1" latinLnBrk="0" hangingPunct="1">
+              <a:defRPr sz="1800" kern="1200">
+                <a:solidFill>
+                  <a:schemeClr val="lt1"/>
+                </a:solidFill>
+                <a:latin typeface="+mn-lt"/>
+                <a:ea typeface="+mn-ea"/>
+                <a:cs typeface="+mn-cs"/>
+              </a:defRPr>
+            </a:lvl7pPr>
+            <a:lvl8pPr marL="3200400" algn="l" defTabSz="914400" rtl="0" eaLnBrk="1" latinLnBrk="0" hangingPunct="1">
+              <a:defRPr sz="1800" kern="1200">
+                <a:solidFill>
+                  <a:schemeClr val="lt1"/>
+                </a:solidFill>
+                <a:latin typeface="+mn-lt"/>
+                <a:ea typeface="+mn-ea"/>
+                <a:cs typeface="+mn-cs"/>
+              </a:defRPr>
+            </a:lvl8pPr>
+            <a:lvl9pPr marL="3657600" algn="l" defTabSz="914400" rtl="0" eaLnBrk="1" latinLnBrk="0" hangingPunct="1">
+              <a:defRPr sz="1800" kern="1200">
+                <a:solidFill>
+                  <a:schemeClr val="lt1"/>
+                </a:solidFill>
+                <a:latin typeface="+mn-lt"/>
+                <a:ea typeface="+mn-ea"/>
+                <a:cs typeface="+mn-cs"/>
+              </a:defRPr>
+            </a:lvl9pPr>
+          </a:lstStyle>
+          <a:p>
+            <a:pPr algn="ctr"/>
+            <a:r>
+              <a:rPr lang="en-US" altLang="zh-CN" sz="1800" dirty="0"/>
+              <a:t>Variable charging rate</a:t>
+            </a:r>
+            <a:endParaRPr lang="zh-CN" altLang="en-US" dirty="0"/>
+          </a:p>
+        </p:txBody>
+      </p:sp>
+      <p:sp>
+        <p:nvSpPr>
+          <p:cNvPr id="15" name="矩形 14">
+            <a:extLst>
+              <a:ext uri="{FF2B5EF4-FFF2-40B4-BE49-F238E27FC236}">
+                <a16:creationId xmlns:a16="http://schemas.microsoft.com/office/drawing/2014/main" id="{37531A94-B2D8-8991-306E-365F9DBD2959}"/>
+              </a:ext>
+            </a:extLst>
+          </p:cNvPr>
+          <p:cNvSpPr/>
+          <p:nvPr/>
+        </p:nvSpPr>
+        <p:spPr>
+          <a:xfrm>
+            <a:off x="552574" y="3113818"/>
+            <a:ext cx="2847703" cy="1839634"/>
+          </a:xfrm>
+          <a:prstGeom prst="rect">
+            <a:avLst/>
+          </a:prstGeom>
+          <a:ln w="19050">
+            <a:solidFill>
+              <a:srgbClr val="0369A3"/>
+            </a:solidFill>
+          </a:ln>
+        </p:spPr>
+        <p:style>
+          <a:lnRef idx="2">
+            <a:schemeClr val="accent2"/>
+          </a:lnRef>
+          <a:fillRef idx="1">
+            <a:schemeClr val="lt1"/>
+          </a:fillRef>
+          <a:effectRef idx="0">
+            <a:schemeClr val="accent2"/>
+          </a:effectRef>
+          <a:fontRef idx="minor">
+            <a:schemeClr val="dk1"/>
+          </a:fontRef>
+        </p:style>
+        <p:txBody>
+          <a:bodyPr rtlCol="0" anchor="ctr"/>
+          <a:lstStyle>
+            <a:defPPr>
+              <a:defRPr lang="zh-CN"/>
+            </a:defPPr>
+            <a:lvl1pPr marL="0" algn="l" defTabSz="914400" rtl="0" eaLnBrk="1" latinLnBrk="0" hangingPunct="1">
+              <a:defRPr sz="1800" kern="1200">
+                <a:solidFill>
+                  <a:schemeClr val="dk1"/>
+                </a:solidFill>
+                <a:latin typeface="+mn-lt"/>
+                <a:ea typeface="+mn-ea"/>
+                <a:cs typeface="+mn-cs"/>
+              </a:defRPr>
+            </a:lvl1pPr>
+            <a:lvl2pPr marL="457200" algn="l" defTabSz="914400" rtl="0" eaLnBrk="1" latinLnBrk="0" hangingPunct="1">
+              <a:defRPr sz="1800" kern="1200">
+                <a:solidFill>
+                  <a:schemeClr val="dk1"/>
+                </a:solidFill>
+                <a:latin typeface="+mn-lt"/>
+                <a:ea typeface="+mn-ea"/>
+                <a:cs typeface="+mn-cs"/>
+              </a:defRPr>
+            </a:lvl2pPr>
+            <a:lvl3pPr marL="914400" algn="l" defTabSz="914400" rtl="0" eaLnBrk="1" latinLnBrk="0" hangingPunct="1">
+              <a:defRPr sz="1800" kern="1200">
+                <a:solidFill>
+                  <a:schemeClr val="dk1"/>
+                </a:solidFill>
+                <a:latin typeface="+mn-lt"/>
+                <a:ea typeface="+mn-ea"/>
+                <a:cs typeface="+mn-cs"/>
+              </a:defRPr>
+            </a:lvl3pPr>
+            <a:lvl4pPr marL="1371600" algn="l" defTabSz="914400" rtl="0" eaLnBrk="1" latinLnBrk="0" hangingPunct="1">
+              <a:defRPr sz="1800" kern="1200">
+                <a:solidFill>
+                  <a:schemeClr val="dk1"/>
+                </a:solidFill>
+                <a:latin typeface="+mn-lt"/>
+                <a:ea typeface="+mn-ea"/>
+                <a:cs typeface="+mn-cs"/>
+              </a:defRPr>
+            </a:lvl4pPr>
+            <a:lvl5pPr marL="1828800" algn="l" defTabSz="914400" rtl="0" eaLnBrk="1" latinLnBrk="0" hangingPunct="1">
+              <a:defRPr sz="1800" kern="1200">
+                <a:solidFill>
+                  <a:schemeClr val="dk1"/>
+                </a:solidFill>
+                <a:latin typeface="+mn-lt"/>
+                <a:ea typeface="+mn-ea"/>
+                <a:cs typeface="+mn-cs"/>
+              </a:defRPr>
+            </a:lvl5pPr>
+            <a:lvl6pPr marL="2286000" algn="l" defTabSz="914400" rtl="0" eaLnBrk="1" latinLnBrk="0" hangingPunct="1">
+              <a:defRPr sz="1800" kern="1200">
+                <a:solidFill>
+                  <a:schemeClr val="dk1"/>
+                </a:solidFill>
+                <a:latin typeface="+mn-lt"/>
+                <a:ea typeface="+mn-ea"/>
+                <a:cs typeface="+mn-cs"/>
+              </a:defRPr>
+            </a:lvl6pPr>
+            <a:lvl7pPr marL="2743200" algn="l" defTabSz="914400" rtl="0" eaLnBrk="1" latinLnBrk="0" hangingPunct="1">
+              <a:defRPr sz="1800" kern="1200">
+                <a:solidFill>
+                  <a:schemeClr val="dk1"/>
+                </a:solidFill>
+                <a:latin typeface="+mn-lt"/>
+                <a:ea typeface="+mn-ea"/>
+                <a:cs typeface="+mn-cs"/>
+              </a:defRPr>
+            </a:lvl7pPr>
+            <a:lvl8pPr marL="3200400" algn="l" defTabSz="914400" rtl="0" eaLnBrk="1" latinLnBrk="0" hangingPunct="1">
+              <a:defRPr sz="1800" kern="1200">
+                <a:solidFill>
+                  <a:schemeClr val="dk1"/>
+                </a:solidFill>
+                <a:latin typeface="+mn-lt"/>
+                <a:ea typeface="+mn-ea"/>
+                <a:cs typeface="+mn-cs"/>
+              </a:defRPr>
+            </a:lvl8pPr>
+            <a:lvl9pPr marL="3657600" algn="l" defTabSz="914400" rtl="0" eaLnBrk="1" latinLnBrk="0" hangingPunct="1">
+              <a:defRPr sz="1800" kern="1200">
+                <a:solidFill>
+                  <a:schemeClr val="dk1"/>
+                </a:solidFill>
+                <a:latin typeface="+mn-lt"/>
+                <a:ea typeface="+mn-ea"/>
+                <a:cs typeface="+mn-cs"/>
+              </a:defRPr>
+            </a:lvl9pPr>
+          </a:lstStyle>
+          <a:p>
+            <a:pPr marL="285750" indent="-285750">
+              <a:buFont typeface="Arial" panose="020B0604020202020204" pitchFamily="34" charset="0"/>
+              <a:buChar char="•"/>
+            </a:pPr>
+            <a:r>
+              <a:rPr lang="en-US" altLang="zh-CN" sz="1800" b="1" dirty="0"/>
+              <a:t>Open source</a:t>
+            </a:r>
+            <a:endParaRPr lang="en-US" altLang="zh-CN" b="1" dirty="0"/>
+          </a:p>
+          <a:p>
+            <a:endParaRPr lang="en-US" altLang="zh-CN" b="1" dirty="0"/>
+          </a:p>
+        </p:txBody>
+      </p:sp>
+      <p:sp>
+        <p:nvSpPr>
+          <p:cNvPr id="16" name="矩形: 圆角 15">
+            <a:extLst>
+              <a:ext uri="{FF2B5EF4-FFF2-40B4-BE49-F238E27FC236}">
+                <a16:creationId xmlns:a16="http://schemas.microsoft.com/office/drawing/2014/main" id="{ED2A4851-0CD3-A2E2-A803-864EE0C9C361}"/>
+              </a:ext>
+            </a:extLst>
+          </p:cNvPr>
+          <p:cNvSpPr/>
+          <p:nvPr/>
+        </p:nvSpPr>
+        <p:spPr>
+          <a:xfrm>
+            <a:off x="1018543" y="2724645"/>
+            <a:ext cx="1854926" cy="740229"/>
+          </a:xfrm>
+          <a:prstGeom prst="roundRect">
+            <a:avLst/>
+          </a:prstGeom>
+        </p:spPr>
+        <p:style>
+          <a:lnRef idx="1">
+            <a:schemeClr val="accent2"/>
+          </a:lnRef>
+          <a:fillRef idx="3">
+            <a:schemeClr val="accent2"/>
+          </a:fillRef>
+          <a:effectRef idx="2">
+            <a:schemeClr val="accent2"/>
+          </a:effectRef>
+          <a:fontRef idx="minor">
+            <a:schemeClr val="lt1"/>
+          </a:fontRef>
+        </p:style>
+        <p:txBody>
+          <a:bodyPr rtlCol="0" anchor="ctr"/>
+          <a:lstStyle>
+            <a:defPPr>
+              <a:defRPr lang="zh-CN"/>
+            </a:defPPr>
+            <a:lvl1pPr marL="0" algn="l" defTabSz="914400" rtl="0" eaLnBrk="1" latinLnBrk="0" hangingPunct="1">
+              <a:defRPr sz="1800" kern="1200">
+                <a:solidFill>
+                  <a:schemeClr val="lt1"/>
+                </a:solidFill>
+                <a:latin typeface="+mn-lt"/>
+                <a:ea typeface="+mn-ea"/>
+                <a:cs typeface="+mn-cs"/>
+              </a:defRPr>
+            </a:lvl1pPr>
+            <a:lvl2pPr marL="457200" algn="l" defTabSz="914400" rtl="0" eaLnBrk="1" latinLnBrk="0" hangingPunct="1">
+              <a:defRPr sz="1800" kern="1200">
+                <a:solidFill>
+                  <a:schemeClr val="lt1"/>
+                </a:solidFill>
+                <a:latin typeface="+mn-lt"/>
+                <a:ea typeface="+mn-ea"/>
+                <a:cs typeface="+mn-cs"/>
+              </a:defRPr>
+            </a:lvl2pPr>
+            <a:lvl3pPr marL="914400" algn="l" defTabSz="914400" rtl="0" eaLnBrk="1" latinLnBrk="0" hangingPunct="1">
+              <a:defRPr sz="1800" kern="1200">
+                <a:solidFill>
+                  <a:schemeClr val="lt1"/>
+                </a:solidFill>
+                <a:latin typeface="+mn-lt"/>
+                <a:ea typeface="+mn-ea"/>
+                <a:cs typeface="+mn-cs"/>
+              </a:defRPr>
+            </a:lvl3pPr>
+            <a:lvl4pPr marL="1371600" algn="l" defTabSz="914400" rtl="0" eaLnBrk="1" latinLnBrk="0" hangingPunct="1">
+              <a:defRPr sz="1800" kern="1200">
+                <a:solidFill>
+                  <a:schemeClr val="lt1"/>
+                </a:solidFill>
+                <a:latin typeface="+mn-lt"/>
+                <a:ea typeface="+mn-ea"/>
+                <a:cs typeface="+mn-cs"/>
+              </a:defRPr>
+            </a:lvl4pPr>
+            <a:lvl5pPr marL="1828800" algn="l" defTabSz="914400" rtl="0" eaLnBrk="1" latinLnBrk="0" hangingPunct="1">
+              <a:defRPr sz="1800" kern="1200">
+                <a:solidFill>
+                  <a:schemeClr val="lt1"/>
+                </a:solidFill>
+                <a:latin typeface="+mn-lt"/>
+                <a:ea typeface="+mn-ea"/>
+                <a:cs typeface="+mn-cs"/>
+              </a:defRPr>
+            </a:lvl5pPr>
+            <a:lvl6pPr marL="2286000" algn="l" defTabSz="914400" rtl="0" eaLnBrk="1" latinLnBrk="0" hangingPunct="1">
+              <a:defRPr sz="1800" kern="1200">
+                <a:solidFill>
+                  <a:schemeClr val="lt1"/>
+                </a:solidFill>
+                <a:latin typeface="+mn-lt"/>
+                <a:ea typeface="+mn-ea"/>
+                <a:cs typeface="+mn-cs"/>
+              </a:defRPr>
+            </a:lvl6pPr>
+            <a:lvl7pPr marL="2743200" algn="l" defTabSz="914400" rtl="0" eaLnBrk="1" latinLnBrk="0" hangingPunct="1">
+              <a:defRPr sz="1800" kern="1200">
+                <a:solidFill>
+                  <a:schemeClr val="lt1"/>
+                </a:solidFill>
+                <a:latin typeface="+mn-lt"/>
+                <a:ea typeface="+mn-ea"/>
+                <a:cs typeface="+mn-cs"/>
+              </a:defRPr>
+            </a:lvl7pPr>
+            <a:lvl8pPr marL="3200400" algn="l" defTabSz="914400" rtl="0" eaLnBrk="1" latinLnBrk="0" hangingPunct="1">
+              <a:defRPr sz="1800" kern="1200">
+                <a:solidFill>
+                  <a:schemeClr val="lt1"/>
+                </a:solidFill>
+                <a:latin typeface="+mn-lt"/>
+                <a:ea typeface="+mn-ea"/>
+                <a:cs typeface="+mn-cs"/>
+              </a:defRPr>
+            </a:lvl8pPr>
+            <a:lvl9pPr marL="3657600" algn="l" defTabSz="914400" rtl="0" eaLnBrk="1" latinLnBrk="0" hangingPunct="1">
+              <a:defRPr sz="1800" kern="1200">
+                <a:solidFill>
+                  <a:schemeClr val="lt1"/>
+                </a:solidFill>
+                <a:latin typeface="+mn-lt"/>
+                <a:ea typeface="+mn-ea"/>
+                <a:cs typeface="+mn-cs"/>
+              </a:defRPr>
+            </a:lvl9pPr>
+          </a:lstStyle>
+          <a:p>
+            <a:pPr algn="ctr"/>
+            <a:r>
+              <a:rPr lang="en-US" altLang="zh-CN" sz="1800" dirty="0"/>
+              <a:t>OCPP</a:t>
+            </a:r>
+            <a:endParaRPr lang="zh-CN" altLang="en-US" dirty="0"/>
+          </a:p>
+        </p:txBody>
+      </p:sp>
+    </p:spTree>
+    <p:extLst>
+      <p:ext uri="{BB962C8B-B14F-4D97-AF65-F5344CB8AC3E}">
+        <p14:creationId xmlns:p14="http://schemas.microsoft.com/office/powerpoint/2010/main" val="2761291170"/>
+      </p:ext>
+    </p:extLst>
+  </p:cSld>
+  <p:clrMapOvr>
+    <a:masterClrMapping/>
+  </p:clrMapOvr>
+</p:sld>
+</file>
+
+<file path=ppt/slides/slide4.xml><?xml version="1.0" encoding="utf-8"?>
+<p:sld xmlns:a="http://schemas.openxmlformats.org/drawingml/2006/main" xmlns:r="http://schemas.openxmlformats.org/officeDocument/2006/relationships" xmlns:p="http://schemas.openxmlformats.org/presentationml/2006/main">
+  <p:cSld>
+    <p:spTree>
+      <p:nvGrpSpPr>
+        <p:cNvPr id="1" name=""/>
+        <p:cNvGrpSpPr/>
+        <p:nvPr/>
+      </p:nvGrpSpPr>
+      <p:grpSpPr>
+        <a:xfrm>
+          <a:off x="0" y="0"/>
+          <a:ext cx="0" cy="0"/>
+          <a:chOff x="0" y="0"/>
+          <a:chExt cx="0" cy="0"/>
+        </a:xfrm>
+      </p:grpSpPr>
+      <p:sp>
+        <p:nvSpPr>
+          <p:cNvPr id="2" name="标题 1">
+            <a:extLst>
+              <a:ext uri="{FF2B5EF4-FFF2-40B4-BE49-F238E27FC236}">
+                <a16:creationId xmlns:a16="http://schemas.microsoft.com/office/drawing/2014/main" id="{35969E52-23D3-4ADD-2D78-CA8BE77121B1}"/>
+              </a:ext>
+            </a:extLst>
+          </p:cNvPr>
+          <p:cNvSpPr>
+            <a:spLocks noGrp="1"/>
+          </p:cNvSpPr>
+          <p:nvPr>
+            <p:ph type="title"/>
+          </p:nvPr>
+        </p:nvSpPr>
+        <p:spPr/>
+        <p:txBody>
+          <a:bodyPr/>
+          <a:lstStyle/>
+          <a:p>
+            <a:r>
+              <a:rPr lang="en-US" altLang="zh-CN" sz="3600" dirty="0"/>
+              <a:t>Objectives</a:t>
+            </a:r>
+            <a:endParaRPr lang="zh-CN" altLang="en-US" sz="3600" dirty="0"/>
+          </a:p>
+        </p:txBody>
+      </p:sp>
+      <p:sp>
+        <p:nvSpPr>
+          <p:cNvPr id="4" name="文本框 3">
+            <a:extLst>
+              <a:ext uri="{FF2B5EF4-FFF2-40B4-BE49-F238E27FC236}">
+                <a16:creationId xmlns:a16="http://schemas.microsoft.com/office/drawing/2014/main" id="{127F6B3C-ED03-BAEA-E940-39772C9B048F}"/>
+              </a:ext>
+            </a:extLst>
+          </p:cNvPr>
+          <p:cNvSpPr txBox="1"/>
+          <p:nvPr/>
+        </p:nvSpPr>
+        <p:spPr>
+          <a:xfrm>
+            <a:off x="456840" y="1887165"/>
+            <a:ext cx="8200777" cy="3508653"/>
+          </a:xfrm>
+          <a:prstGeom prst="rect">
+            <a:avLst/>
+          </a:prstGeom>
+          <a:noFill/>
+        </p:spPr>
+        <p:txBody>
+          <a:bodyPr wrap="square" rtlCol="0">
+            <a:spAutoFit/>
+          </a:bodyPr>
+          <a:lstStyle/>
+          <a:p>
+            <a:r>
+              <a:rPr lang="en-US" altLang="zh-CN" dirty="0"/>
+              <a:t>1, Search and read existing literature on standardized charging infrastructure and smart charging</a:t>
+            </a:r>
+          </a:p>
+          <a:p>
+            <a:endParaRPr lang="en-US" altLang="zh-CN" dirty="0"/>
+          </a:p>
+          <a:p>
+            <a:r>
+              <a:rPr lang="en-US" altLang="zh-CN" dirty="0"/>
+              <a:t>2, Learn about the existing charge point</a:t>
+            </a:r>
+          </a:p>
+          <a:p>
+            <a:endParaRPr lang="en-US" altLang="zh-CN" dirty="0"/>
+          </a:p>
+          <a:p>
+            <a:r>
+              <a:rPr lang="en-US" altLang="zh-CN" dirty="0"/>
+              <a:t>3, Upgrade the old charge point</a:t>
+            </a:r>
+          </a:p>
+          <a:p>
+            <a:r>
+              <a:rPr lang="en-US" altLang="zh-CN" dirty="0"/>
+              <a:t> to support the OCPP communication protocol</a:t>
+            </a:r>
+          </a:p>
+          <a:p>
+            <a:endParaRPr lang="en-US" altLang="zh-CN" dirty="0"/>
+          </a:p>
+          <a:p>
+            <a:r>
+              <a:rPr lang="en-US" altLang="zh-CN" dirty="0"/>
+              <a:t>4, Complete the construction of a prototype of a smart charging system</a:t>
+            </a:r>
+          </a:p>
+          <a:p>
+            <a:endParaRPr lang="en-US" altLang="zh-CN" dirty="0"/>
+          </a:p>
+          <a:p>
+            <a:r>
+              <a:rPr lang="en-US" altLang="zh-CN" dirty="0"/>
+              <a:t>5, Test and debug the functions of the smart charge point</a:t>
+            </a:r>
+          </a:p>
+          <a:p>
+            <a:endParaRPr lang="zh-CN" altLang="en-US" sz="2400" dirty="0"/>
+          </a:p>
+        </p:txBody>
+      </p:sp>
+    </p:spTree>
+    <p:extLst>
+      <p:ext uri="{BB962C8B-B14F-4D97-AF65-F5344CB8AC3E}">
+        <p14:creationId xmlns:p14="http://schemas.microsoft.com/office/powerpoint/2010/main" val="992062265"/>
+      </p:ext>
+    </p:extLst>
+  </p:cSld>
+  <p:clrMapOvr>
+    <a:masterClrMapping/>
+  </p:clrMapOvr>
+</p:sld>
+</file>
+
+<file path=ppt/slides/slide5.xml><?xml version="1.0" encoding="utf-8"?>
+<p:sld xmlns:a="http://schemas.openxmlformats.org/drawingml/2006/main" xmlns:r="http://schemas.openxmlformats.org/officeDocument/2006/relationships" xmlns:p="http://schemas.openxmlformats.org/presentationml/2006/main">
+  <p:cSld>
+    <p:spTree>
+      <p:nvGrpSpPr>
+        <p:cNvPr id="1" name=""/>
+        <p:cNvGrpSpPr/>
+        <p:nvPr/>
+      </p:nvGrpSpPr>
+      <p:grpSpPr>
+        <a:xfrm>
+          <a:off x="0" y="0"/>
+          <a:ext cx="0" cy="0"/>
+          <a:chOff x="0" y="0"/>
+          <a:chExt cx="0" cy="0"/>
+        </a:xfrm>
+      </p:grpSpPr>
+      <p:sp>
+        <p:nvSpPr>
+          <p:cNvPr id="2" name="标题 1">
+            <a:extLst>
+              <a:ext uri="{FF2B5EF4-FFF2-40B4-BE49-F238E27FC236}">
+                <a16:creationId xmlns:a16="http://schemas.microsoft.com/office/drawing/2014/main" id="{577E95F6-5039-FED5-F09E-220A961C6AD9}"/>
+              </a:ext>
+            </a:extLst>
+          </p:cNvPr>
+          <p:cNvSpPr>
+            <a:spLocks noGrp="1"/>
+          </p:cNvSpPr>
+          <p:nvPr>
+            <p:ph type="title"/>
+          </p:nvPr>
+        </p:nvSpPr>
+        <p:spPr/>
+        <p:txBody>
+          <a:bodyPr/>
+          <a:lstStyle/>
+          <a:p>
+            <a:r>
+              <a:rPr lang="en-US" altLang="zh-CN" sz="3600" dirty="0"/>
+              <a:t>Problems during Testing</a:t>
+            </a:r>
+            <a:endParaRPr lang="zh-CN" altLang="en-US" sz="3600" dirty="0"/>
+          </a:p>
+        </p:txBody>
+      </p:sp>
+      <p:pic>
+        <p:nvPicPr>
+          <p:cNvPr id="7" name="图片 6">
+            <a:extLst>
+              <a:ext uri="{FF2B5EF4-FFF2-40B4-BE49-F238E27FC236}">
+                <a16:creationId xmlns:a16="http://schemas.microsoft.com/office/drawing/2014/main" id="{D92AF810-56CA-4E06-4183-BF3BB4870211}"/>
+              </a:ext>
+            </a:extLst>
+          </p:cNvPr>
+          <p:cNvPicPr>
+            <a:picLocks noChangeAspect="1"/>
+          </p:cNvPicPr>
+          <p:nvPr/>
+        </p:nvPicPr>
+        <p:blipFill>
+          <a:blip r:embed="rId2" cstate="print">
+            <a:extLst>
+              <a:ext uri="{28A0092B-C50C-407E-A947-70E740481C1C}">
+                <a14:useLocalDpi xmlns:a14="http://schemas.microsoft.com/office/drawing/2010/main" val="0"/>
+              </a:ext>
+            </a:extLst>
+          </a:blip>
+          <a:stretch>
+            <a:fillRect/>
+          </a:stretch>
+        </p:blipFill>
+        <p:spPr>
+          <a:xfrm>
+            <a:off x="5682791" y="1915989"/>
+            <a:ext cx="3725965" cy="2795566"/>
+          </a:xfrm>
+          <a:prstGeom prst="rect">
+            <a:avLst/>
+          </a:prstGeom>
+        </p:spPr>
+      </p:pic>
+      <p:sp>
+        <p:nvSpPr>
+          <p:cNvPr id="3" name="文本框 2">
+            <a:extLst>
+              <a:ext uri="{FF2B5EF4-FFF2-40B4-BE49-F238E27FC236}">
+                <a16:creationId xmlns:a16="http://schemas.microsoft.com/office/drawing/2014/main" id="{0A8DA4CE-B56A-A432-B8A9-D757A5B5DDE8}"/>
+              </a:ext>
+            </a:extLst>
+          </p:cNvPr>
+          <p:cNvSpPr txBox="1"/>
+          <p:nvPr/>
+        </p:nvSpPr>
+        <p:spPr>
+          <a:xfrm>
+            <a:off x="350196" y="1915989"/>
+            <a:ext cx="4581727" cy="5078313"/>
+          </a:xfrm>
+          <a:prstGeom prst="rect">
+            <a:avLst/>
+          </a:prstGeom>
+          <a:noFill/>
+        </p:spPr>
+        <p:txBody>
+          <a:bodyPr wrap="square" rtlCol="0">
+            <a:spAutoFit/>
+          </a:bodyPr>
+          <a:lstStyle/>
+          <a:p>
+            <a:r>
+              <a:rPr lang="de-DE" altLang="zh-CN" dirty="0"/>
+              <a:t>1, No indicator for </a:t>
+            </a:r>
+            <a:r>
+              <a:rPr lang="en-US" altLang="zh-CN" sz="1800" dirty="0"/>
+              <a:t>charge point</a:t>
+            </a:r>
+          </a:p>
+          <a:p>
+            <a:endParaRPr lang="de-DE" altLang="zh-CN" dirty="0"/>
+          </a:p>
+          <a:p>
+            <a:r>
+              <a:rPr lang="de-DE" altLang="zh-CN" dirty="0"/>
+              <a:t>Solution: LED for the Start button </a:t>
+            </a:r>
+          </a:p>
+          <a:p>
+            <a:r>
+              <a:rPr lang="de-DE" altLang="zh-CN" dirty="0"/>
+              <a:t>               lit – </a:t>
+            </a:r>
+            <a:r>
+              <a:rPr lang="en-US" altLang="zh-CN" sz="1800" dirty="0"/>
+              <a:t>charge point </a:t>
+            </a:r>
+            <a:r>
+              <a:rPr lang="de-DE" altLang="zh-CN" dirty="0"/>
+              <a:t>ready to </a:t>
+            </a:r>
+          </a:p>
+          <a:p>
+            <a:r>
+              <a:rPr lang="de-DE" altLang="zh-CN" dirty="0"/>
+              <a:t>                      set current</a:t>
+            </a:r>
+          </a:p>
+          <a:p>
+            <a:r>
+              <a:rPr lang="de-DE" altLang="zh-CN" dirty="0"/>
+              <a:t>               blinking – Charging beginns</a:t>
+            </a:r>
+          </a:p>
+          <a:p>
+            <a:endParaRPr lang="de-DE" altLang="zh-CN" dirty="0"/>
+          </a:p>
+          <a:p>
+            <a:r>
+              <a:rPr lang="de-DE" altLang="zh-CN" dirty="0"/>
+              <a:t>2, Modbus port allows only one thread at    </a:t>
+            </a:r>
+          </a:p>
+          <a:p>
+            <a:r>
+              <a:rPr lang="de-DE" altLang="zh-CN" dirty="0"/>
+              <a:t>    one time</a:t>
+            </a:r>
+          </a:p>
+          <a:p>
+            <a:endParaRPr lang="de-DE" altLang="zh-CN" dirty="0"/>
+          </a:p>
+          <a:p>
+            <a:r>
+              <a:rPr lang="de-DE" altLang="zh-CN" dirty="0"/>
+              <a:t>Solution: first, serialize access using thread</a:t>
+            </a:r>
+          </a:p>
+          <a:p>
+            <a:r>
+              <a:rPr lang="de-DE" altLang="zh-CN" dirty="0"/>
+              <a:t>               lock (use context manager to </a:t>
+            </a:r>
+          </a:p>
+          <a:p>
+            <a:r>
+              <a:rPr lang="de-DE" altLang="zh-CN" dirty="0"/>
+              <a:t>               manage)</a:t>
+            </a:r>
+          </a:p>
+          <a:p>
+            <a:r>
+              <a:rPr lang="de-DE" altLang="zh-CN" dirty="0"/>
+              <a:t>               then ensure globlally unique  </a:t>
+            </a:r>
+          </a:p>
+          <a:p>
+            <a:r>
+              <a:rPr lang="de-DE" altLang="zh-CN" dirty="0"/>
+              <a:t>               access with singelton pattern</a:t>
+            </a:r>
+          </a:p>
+          <a:p>
+            <a:endParaRPr lang="de-DE" altLang="zh-CN" dirty="0"/>
+          </a:p>
+          <a:p>
+            <a:r>
+              <a:rPr lang="de-DE" altLang="zh-CN" dirty="0"/>
+              <a:t>3, Register 1006 </a:t>
+            </a:r>
+            <a:r>
+              <a:rPr lang="en-US" altLang="zh-CN" dirty="0"/>
+              <a:t>“only readable”</a:t>
+            </a:r>
+            <a:endParaRPr lang="de-DE" altLang="zh-CN" dirty="0"/>
+          </a:p>
+          <a:p>
+            <a:r>
+              <a:rPr lang="de-DE" altLang="zh-CN" dirty="0"/>
+              <a:t>               </a:t>
+            </a:r>
+            <a:endParaRPr lang="zh-CN" altLang="en-US" dirty="0"/>
+          </a:p>
+        </p:txBody>
+      </p:sp>
+      <p:pic>
+        <p:nvPicPr>
+          <p:cNvPr id="11" name="图片 10">
+            <a:extLst>
+              <a:ext uri="{FF2B5EF4-FFF2-40B4-BE49-F238E27FC236}">
+                <a16:creationId xmlns:a16="http://schemas.microsoft.com/office/drawing/2014/main" id="{BDE3F7E1-B8AC-DEA1-FC13-CA379B55C8ED}"/>
+              </a:ext>
+            </a:extLst>
+          </p:cNvPr>
+          <p:cNvPicPr>
+            <a:picLocks noChangeAspect="1"/>
+          </p:cNvPicPr>
+          <p:nvPr/>
+        </p:nvPicPr>
+        <p:blipFill>
+          <a:blip r:embed="rId3">
+            <a:extLst>
+              <a:ext uri="{28A0092B-C50C-407E-A947-70E740481C1C}">
+                <a14:useLocalDpi xmlns:a14="http://schemas.microsoft.com/office/drawing/2010/main" val="0"/>
+              </a:ext>
+            </a:extLst>
+          </a:blip>
+          <a:stretch>
+            <a:fillRect/>
+          </a:stretch>
+        </p:blipFill>
+        <p:spPr>
+          <a:xfrm>
+            <a:off x="4663731" y="5453600"/>
+            <a:ext cx="5258256" cy="823031"/>
+          </a:xfrm>
+          <a:prstGeom prst="rect">
+            <a:avLst/>
+          </a:prstGeom>
+        </p:spPr>
+      </p:pic>
+      <p:sp>
+        <p:nvSpPr>
+          <p:cNvPr id="12" name="文本框 11">
+            <a:extLst>
+              <a:ext uri="{FF2B5EF4-FFF2-40B4-BE49-F238E27FC236}">
+                <a16:creationId xmlns:a16="http://schemas.microsoft.com/office/drawing/2014/main" id="{AFE9EEBB-7A20-2CCD-5AFE-C9FE3FC68AAA}"/>
+              </a:ext>
+            </a:extLst>
+          </p:cNvPr>
+          <p:cNvSpPr txBox="1"/>
+          <p:nvPr/>
+        </p:nvSpPr>
+        <p:spPr>
+          <a:xfrm>
+            <a:off x="6376665" y="4793391"/>
+            <a:ext cx="2480553" cy="276999"/>
+          </a:xfrm>
+          <a:prstGeom prst="rect">
+            <a:avLst/>
+          </a:prstGeom>
+          <a:noFill/>
+        </p:spPr>
+        <p:txBody>
+          <a:bodyPr wrap="square" rtlCol="0">
+            <a:spAutoFit/>
+          </a:bodyPr>
+          <a:lstStyle/>
+          <a:p>
+            <a:pPr algn="ctr"/>
+            <a:r>
+              <a:rPr lang="en-US" altLang="zh-CN" sz="1200" dirty="0"/>
+              <a:t>Figure 2: Test in lab</a:t>
+            </a:r>
+            <a:endParaRPr lang="zh-CN" altLang="en-US" sz="1200" dirty="0"/>
+          </a:p>
+        </p:txBody>
+      </p:sp>
+      <p:sp>
+        <p:nvSpPr>
+          <p:cNvPr id="13" name="文本框 12">
+            <a:extLst>
+              <a:ext uri="{FF2B5EF4-FFF2-40B4-BE49-F238E27FC236}">
+                <a16:creationId xmlns:a16="http://schemas.microsoft.com/office/drawing/2014/main" id="{FD44FBE4-4288-0662-B5B4-94EAC44F4DE2}"/>
+              </a:ext>
+            </a:extLst>
+          </p:cNvPr>
+          <p:cNvSpPr txBox="1"/>
+          <p:nvPr/>
+        </p:nvSpPr>
+        <p:spPr>
+          <a:xfrm>
+            <a:off x="5648884" y="6358467"/>
+            <a:ext cx="3287949" cy="461665"/>
+          </a:xfrm>
+          <a:prstGeom prst="rect">
+            <a:avLst/>
+          </a:prstGeom>
+          <a:noFill/>
+        </p:spPr>
+        <p:txBody>
+          <a:bodyPr wrap="square" rtlCol="0">
+            <a:spAutoFit/>
+          </a:bodyPr>
+          <a:lstStyle/>
+          <a:p>
+            <a:r>
+              <a:rPr lang="en-US" altLang="zh-CN" sz="1200" dirty="0"/>
+              <a:t>Figure 3: Register 1006 status of EVSE from datasheet</a:t>
+            </a:r>
+            <a:endParaRPr lang="zh-CN" altLang="en-US" sz="1200" dirty="0"/>
+          </a:p>
+        </p:txBody>
+      </p:sp>
+    </p:spTree>
+    <p:extLst>
+      <p:ext uri="{BB962C8B-B14F-4D97-AF65-F5344CB8AC3E}">
+        <p14:creationId xmlns:p14="http://schemas.microsoft.com/office/powerpoint/2010/main" val="4109789210"/>
+      </p:ext>
+    </p:extLst>
+  </p:cSld>
+  <p:clrMapOvr>
+    <a:masterClrMapping/>
+  </p:clrMapOvr>
+</p:sld>
+</file>
+
+<file path=ppt/slides/slide6.xml><?xml version="1.0" encoding="utf-8"?>
+<p:sld xmlns:a="http://schemas.openxmlformats.org/drawingml/2006/main" xmlns:r="http://schemas.openxmlformats.org/officeDocument/2006/relationships" xmlns:p="http://schemas.openxmlformats.org/presentationml/2006/main">
+  <p:cSld>
+    <p:spTree>
+      <p:nvGrpSpPr>
+        <p:cNvPr id="1" name=""/>
+        <p:cNvGrpSpPr/>
+        <p:nvPr/>
+      </p:nvGrpSpPr>
+      <p:grpSpPr>
+        <a:xfrm>
+          <a:off x="0" y="0"/>
+          <a:ext cx="0" cy="0"/>
+          <a:chOff x="0" y="0"/>
+          <a:chExt cx="0" cy="0"/>
+        </a:xfrm>
+      </p:grpSpPr>
+      <p:sp>
+        <p:nvSpPr>
+          <p:cNvPr id="2" name="标题 1">
+            <a:extLst>
+              <a:ext uri="{FF2B5EF4-FFF2-40B4-BE49-F238E27FC236}">
+                <a16:creationId xmlns:a16="http://schemas.microsoft.com/office/drawing/2014/main" id="{6109B5D9-E782-0157-497F-848FC28F339F}"/>
+              </a:ext>
+            </a:extLst>
+          </p:cNvPr>
+          <p:cNvSpPr>
+            <a:spLocks noGrp="1"/>
+          </p:cNvSpPr>
+          <p:nvPr>
+            <p:ph type="title"/>
+          </p:nvPr>
+        </p:nvSpPr>
+        <p:spPr/>
+        <p:txBody>
+          <a:bodyPr/>
+          <a:lstStyle/>
+          <a:p>
+            <a:r>
+              <a:rPr lang="en-US" altLang="zh-CN" sz="3600" dirty="0"/>
+              <a:t>Conclusions</a:t>
+            </a:r>
+            <a:endParaRPr lang="zh-CN" altLang="en-US" sz="3600" dirty="0"/>
+          </a:p>
+        </p:txBody>
+      </p:sp>
+      <p:sp>
+        <p:nvSpPr>
+          <p:cNvPr id="4" name="文本框 3">
+            <a:extLst>
+              <a:ext uri="{FF2B5EF4-FFF2-40B4-BE49-F238E27FC236}">
+                <a16:creationId xmlns:a16="http://schemas.microsoft.com/office/drawing/2014/main" id="{B7768A44-A259-E4B6-6D03-CF4AB6492710}"/>
+              </a:ext>
+            </a:extLst>
+          </p:cNvPr>
+          <p:cNvSpPr txBox="1"/>
+          <p:nvPr/>
+        </p:nvSpPr>
+        <p:spPr>
+          <a:xfrm>
+            <a:off x="379018" y="1608587"/>
+            <a:ext cx="8726071" cy="2308324"/>
+          </a:xfrm>
+          <a:prstGeom prst="rect">
+            <a:avLst/>
+          </a:prstGeom>
+          <a:noFill/>
+        </p:spPr>
+        <p:txBody>
+          <a:bodyPr wrap="square" rtlCol="0">
+            <a:spAutoFit/>
+          </a:bodyPr>
+          <a:lstStyle/>
+          <a:p>
+            <a:r>
+              <a:rPr lang="en-US" altLang="zh-CN" dirty="0"/>
+              <a:t>1, Results</a:t>
+            </a:r>
+          </a:p>
+          <a:p>
+            <a:endParaRPr lang="en-US" altLang="zh-CN" dirty="0"/>
+          </a:p>
+          <a:p>
+            <a:r>
+              <a:rPr lang="en-US" altLang="zh-CN" dirty="0"/>
+              <a:t>    1,1 Charging point control and optimization</a:t>
+            </a:r>
+          </a:p>
+          <a:p>
+            <a:r>
+              <a:rPr lang="en-US" altLang="zh-CN" dirty="0"/>
+              <a:t>   3 modes: lowest-cost charging, shortest-time charging and dynamical charging</a:t>
+            </a:r>
+          </a:p>
+          <a:p>
+            <a:r>
+              <a:rPr lang="en-US" altLang="zh-CN" dirty="0"/>
+              <a:t> </a:t>
+            </a:r>
+          </a:p>
+          <a:p>
+            <a:r>
+              <a:rPr lang="en-US" altLang="zh-CN" dirty="0"/>
+              <a:t>    1,2 Data visualization</a:t>
+            </a:r>
+          </a:p>
+          <a:p>
+            <a:endParaRPr lang="en-US" altLang="zh-CN" dirty="0"/>
+          </a:p>
+          <a:p>
+            <a:r>
+              <a:rPr lang="en-US" altLang="zh-CN" dirty="0"/>
+              <a:t>    </a:t>
+            </a:r>
+            <a:endParaRPr lang="zh-CN" altLang="en-US" dirty="0"/>
+          </a:p>
+        </p:txBody>
+      </p:sp>
+      <p:pic>
+        <p:nvPicPr>
+          <p:cNvPr id="6" name="图片 5">
+            <a:extLst>
+              <a:ext uri="{FF2B5EF4-FFF2-40B4-BE49-F238E27FC236}">
+                <a16:creationId xmlns:a16="http://schemas.microsoft.com/office/drawing/2014/main" id="{3E5A606A-D3DC-2293-ECFA-913139DF7AB6}"/>
+              </a:ext>
+            </a:extLst>
+          </p:cNvPr>
+          <p:cNvPicPr>
+            <a:picLocks noChangeAspect="1"/>
+          </p:cNvPicPr>
+          <p:nvPr/>
+        </p:nvPicPr>
+        <p:blipFill>
+          <a:blip r:embed="rId2" cstate="print">
+            <a:extLst>
+              <a:ext uri="{28A0092B-C50C-407E-A947-70E740481C1C}">
+                <a14:useLocalDpi xmlns:a14="http://schemas.microsoft.com/office/drawing/2010/main" val="0"/>
+              </a:ext>
+            </a:extLst>
+          </a:blip>
+          <a:stretch>
+            <a:fillRect/>
+          </a:stretch>
+        </p:blipFill>
+        <p:spPr>
+          <a:xfrm>
+            <a:off x="817123" y="3310741"/>
+            <a:ext cx="6814267" cy="3699934"/>
+          </a:xfrm>
+          <a:prstGeom prst="rect">
+            <a:avLst/>
+          </a:prstGeom>
+        </p:spPr>
+      </p:pic>
+      <p:sp>
+        <p:nvSpPr>
+          <p:cNvPr id="7" name="文本框 6">
+            <a:extLst>
+              <a:ext uri="{FF2B5EF4-FFF2-40B4-BE49-F238E27FC236}">
+                <a16:creationId xmlns:a16="http://schemas.microsoft.com/office/drawing/2014/main" id="{8986AA98-3A97-A2C1-1B1C-5BCF200A0A2E}"/>
+              </a:ext>
+            </a:extLst>
+          </p:cNvPr>
+          <p:cNvSpPr txBox="1"/>
+          <p:nvPr/>
+        </p:nvSpPr>
+        <p:spPr>
+          <a:xfrm>
+            <a:off x="5126477" y="6560890"/>
+            <a:ext cx="1478604" cy="276999"/>
+          </a:xfrm>
+          <a:prstGeom prst="rect">
+            <a:avLst/>
+          </a:prstGeom>
+          <a:noFill/>
+        </p:spPr>
+        <p:txBody>
+          <a:bodyPr wrap="square" rtlCol="0">
+            <a:spAutoFit/>
+          </a:bodyPr>
+          <a:lstStyle/>
+          <a:p>
+            <a:r>
+              <a:rPr lang="en-US" altLang="zh-CN" sz="1200" dirty="0"/>
+              <a:t>Figure 4: GUI</a:t>
+            </a:r>
+            <a:endParaRPr lang="zh-CN" altLang="en-US" sz="1200" dirty="0"/>
+          </a:p>
+        </p:txBody>
+      </p:sp>
+    </p:spTree>
+    <p:extLst>
+      <p:ext uri="{BB962C8B-B14F-4D97-AF65-F5344CB8AC3E}">
+        <p14:creationId xmlns:p14="http://schemas.microsoft.com/office/powerpoint/2010/main" val="1505537707"/>
+      </p:ext>
+    </p:extLst>
+  </p:cSld>
+  <p:clrMapOvr>
+    <a:masterClrMapping/>
+  </p:clrMapOvr>
+</p:sld>
+</file>
+
+<file path=ppt/slides/slide7.xml><?xml version="1.0" encoding="utf-8"?>
+<p:sld xmlns:a="http://schemas.openxmlformats.org/drawingml/2006/main" xmlns:r="http://schemas.openxmlformats.org/officeDocument/2006/relationships" xmlns:p="http://schemas.openxmlformats.org/presentationml/2006/main">
+  <p:cSld>
+    <p:spTree>
+      <p:nvGrpSpPr>
+        <p:cNvPr id="1" name="">
+          <a:extLst>
+            <a:ext uri="{FF2B5EF4-FFF2-40B4-BE49-F238E27FC236}">
+              <a16:creationId xmlns:a16="http://schemas.microsoft.com/office/drawing/2014/main" id="{7DE18EEE-ADEC-ACD6-1CDD-A8916EBBF611}"/>
+            </a:ext>
+          </a:extLst>
+        </p:cNvPr>
+        <p:cNvGrpSpPr/>
+        <p:nvPr/>
+      </p:nvGrpSpPr>
+      <p:grpSpPr>
+        <a:xfrm>
+          <a:off x="0" y="0"/>
+          <a:ext cx="0" cy="0"/>
+          <a:chOff x="0" y="0"/>
+          <a:chExt cx="0" cy="0"/>
+        </a:xfrm>
+      </p:grpSpPr>
+      <p:sp>
+        <p:nvSpPr>
+          <p:cNvPr id="2" name="标题 1">
+            <a:extLst>
+              <a:ext uri="{FF2B5EF4-FFF2-40B4-BE49-F238E27FC236}">
+                <a16:creationId xmlns:a16="http://schemas.microsoft.com/office/drawing/2014/main" id="{DC27B531-C267-6E82-4887-7CAD8D62E3DE}"/>
+              </a:ext>
+            </a:extLst>
+          </p:cNvPr>
+          <p:cNvSpPr>
+            <a:spLocks noGrp="1"/>
+          </p:cNvSpPr>
+          <p:nvPr>
+            <p:ph type="title"/>
+          </p:nvPr>
+        </p:nvSpPr>
+        <p:spPr/>
+        <p:txBody>
+          <a:bodyPr/>
+          <a:lstStyle/>
+          <a:p>
+            <a:r>
+              <a:rPr lang="en-US" altLang="zh-CN" sz="3600" dirty="0"/>
+              <a:t>Conclusions</a:t>
+            </a:r>
+            <a:endParaRPr lang="zh-CN" altLang="en-US" sz="3600" dirty="0"/>
+          </a:p>
+        </p:txBody>
+      </p:sp>
+      <p:sp>
+        <p:nvSpPr>
+          <p:cNvPr id="3" name="文本框 2">
+            <a:extLst>
+              <a:ext uri="{FF2B5EF4-FFF2-40B4-BE49-F238E27FC236}">
+                <a16:creationId xmlns:a16="http://schemas.microsoft.com/office/drawing/2014/main" id="{AD182009-CA40-E3EB-93DD-5F03AD4D6A38}"/>
+              </a:ext>
+            </a:extLst>
+          </p:cNvPr>
+          <p:cNvSpPr txBox="1"/>
+          <p:nvPr/>
+        </p:nvSpPr>
+        <p:spPr>
+          <a:xfrm>
+            <a:off x="396065" y="1707170"/>
+            <a:ext cx="8910536" cy="2308324"/>
+          </a:xfrm>
+          <a:prstGeom prst="rect">
+            <a:avLst/>
+          </a:prstGeom>
+          <a:noFill/>
+        </p:spPr>
+        <p:txBody>
+          <a:bodyPr wrap="square" rtlCol="0">
+            <a:spAutoFit/>
+          </a:bodyPr>
+          <a:lstStyle/>
+          <a:p>
+            <a:r>
+              <a:rPr lang="en-US" altLang="zh-CN" dirty="0"/>
+              <a:t>1,3 Communication between charge point and optimizer</a:t>
+            </a:r>
+          </a:p>
+          <a:p>
+            <a:endParaRPr lang="en-US" altLang="zh-CN" dirty="0"/>
+          </a:p>
+          <a:p>
+            <a:r>
+              <a:rPr lang="en-US" altLang="zh-CN" dirty="0"/>
+              <a:t>1,4 GUI Deign including charging status, log information and control operations</a:t>
+            </a:r>
+          </a:p>
+          <a:p>
+            <a:endParaRPr lang="en-US" altLang="zh-CN" dirty="0"/>
+          </a:p>
+          <a:p>
+            <a:r>
+              <a:rPr lang="en-US" altLang="zh-CN" dirty="0"/>
+              <a:t>1,5 Simulator Deign</a:t>
+            </a:r>
+          </a:p>
+          <a:p>
+            <a:endParaRPr lang="en-US" altLang="zh-CN" dirty="0"/>
+          </a:p>
+          <a:p>
+            <a:r>
+              <a:rPr lang="en-US" altLang="zh-CN" dirty="0"/>
+              <a:t>1,6 Hardware modification (</a:t>
+            </a:r>
+            <a:r>
+              <a:rPr lang="en-US" altLang="zh-CN" dirty="0">
+                <a:solidFill>
+                  <a:srgbClr val="000000"/>
+                </a:solidFill>
+                <a:latin typeface="微软雅黑" panose="020B0503020204020204" pitchFamily="34" charset="-122"/>
+                <a:ea typeface="微软雅黑" panose="020B0503020204020204" pitchFamily="34" charset="-122"/>
+              </a:rPr>
+              <a:t>Raspberry Pi, Shelly, relay for DC-motor and LED-  </a:t>
+            </a:r>
+          </a:p>
+          <a:p>
+            <a:r>
+              <a:rPr lang="en-US" altLang="zh-CN" dirty="0">
+                <a:solidFill>
+                  <a:srgbClr val="000000"/>
+                </a:solidFill>
+                <a:latin typeface="微软雅黑" panose="020B0503020204020204" pitchFamily="34" charset="-122"/>
+                <a:ea typeface="微软雅黑" panose="020B0503020204020204" pitchFamily="34" charset="-122"/>
+              </a:rPr>
+              <a:t>      indicator</a:t>
+            </a:r>
+            <a:r>
+              <a:rPr lang="en-US" altLang="zh-CN" dirty="0"/>
+              <a:t>)</a:t>
+            </a:r>
+            <a:endParaRPr lang="zh-CN" altLang="en-US" dirty="0"/>
+          </a:p>
+        </p:txBody>
+      </p:sp>
+      <p:pic>
+        <p:nvPicPr>
+          <p:cNvPr id="5" name="图片 4">
+            <a:extLst>
+              <a:ext uri="{FF2B5EF4-FFF2-40B4-BE49-F238E27FC236}">
+                <a16:creationId xmlns:a16="http://schemas.microsoft.com/office/drawing/2014/main" id="{8380A144-F68A-4E9E-FF51-9F611C54C6F6}"/>
+              </a:ext>
+            </a:extLst>
+          </p:cNvPr>
+          <p:cNvPicPr>
+            <a:picLocks noChangeAspect="1"/>
+          </p:cNvPicPr>
+          <p:nvPr/>
+        </p:nvPicPr>
+        <p:blipFill>
+          <a:blip r:embed="rId2" cstate="print">
+            <a:extLst>
+              <a:ext uri="{28A0092B-C50C-407E-A947-70E740481C1C}">
+                <a14:useLocalDpi xmlns:a14="http://schemas.microsoft.com/office/drawing/2010/main" val="0"/>
+              </a:ext>
+            </a:extLst>
+          </a:blip>
+          <a:stretch>
+            <a:fillRect/>
+          </a:stretch>
+        </p:blipFill>
+        <p:spPr>
+          <a:xfrm>
+            <a:off x="396065" y="4015494"/>
+            <a:ext cx="9068948" cy="2721127"/>
+          </a:xfrm>
+          <a:prstGeom prst="rect">
+            <a:avLst/>
+          </a:prstGeom>
+        </p:spPr>
+      </p:pic>
+      <p:sp>
+        <p:nvSpPr>
+          <p:cNvPr id="6" name="文本框 5">
+            <a:extLst>
+              <a:ext uri="{FF2B5EF4-FFF2-40B4-BE49-F238E27FC236}">
+                <a16:creationId xmlns:a16="http://schemas.microsoft.com/office/drawing/2014/main" id="{A234BC85-6EF1-EAA4-335C-AB5CFB997698}"/>
+              </a:ext>
+            </a:extLst>
+          </p:cNvPr>
+          <p:cNvSpPr txBox="1"/>
+          <p:nvPr/>
+        </p:nvSpPr>
+        <p:spPr>
+          <a:xfrm>
+            <a:off x="3895572" y="6733676"/>
+            <a:ext cx="2289480" cy="276999"/>
+          </a:xfrm>
+          <a:prstGeom prst="rect">
+            <a:avLst/>
+          </a:prstGeom>
+          <a:noFill/>
+        </p:spPr>
+        <p:txBody>
+          <a:bodyPr wrap="square" rtlCol="0">
+            <a:spAutoFit/>
+          </a:bodyPr>
+          <a:lstStyle/>
+          <a:p>
+            <a:r>
+              <a:rPr lang="en-US" altLang="zh-CN" sz="1200"/>
+              <a:t>Figure 5: Hardware </a:t>
+            </a:r>
+            <a:r>
+              <a:rPr lang="en-US" altLang="zh-CN" sz="1200" dirty="0"/>
+              <a:t>connection</a:t>
+            </a:r>
+            <a:endParaRPr lang="zh-CN" altLang="en-US" sz="1200" dirty="0"/>
+          </a:p>
+        </p:txBody>
+      </p:sp>
+    </p:spTree>
+    <p:extLst>
+      <p:ext uri="{BB962C8B-B14F-4D97-AF65-F5344CB8AC3E}">
+        <p14:creationId xmlns:p14="http://schemas.microsoft.com/office/powerpoint/2010/main" val="1918620414"/>
+      </p:ext>
+    </p:extLst>
+  </p:cSld>
+  <p:clrMapOvr>
+    <a:masterClrMapping/>
+  </p:clrMapOvr>
+</p:sld>
+</file>
+
+<file path=ppt/slides/slide8.xml><?xml version="1.0" encoding="utf-8"?>
+<p:sld xmlns:a="http://schemas.openxmlformats.org/drawingml/2006/main" xmlns:r="http://schemas.openxmlformats.org/officeDocument/2006/relationships" xmlns:p="http://schemas.openxmlformats.org/presentationml/2006/main">
+  <p:cSld>
+    <p:spTree>
+      <p:nvGrpSpPr>
+        <p:cNvPr id="1" name=""/>
+        <p:cNvGrpSpPr/>
+        <p:nvPr/>
+      </p:nvGrpSpPr>
+      <p:grpSpPr>
+        <a:xfrm>
+          <a:off x="0" y="0"/>
+          <a:ext cx="0" cy="0"/>
+          <a:chOff x="0" y="0"/>
+          <a:chExt cx="0" cy="0"/>
+        </a:xfrm>
+      </p:grpSpPr>
+      <p:sp>
+        <p:nvSpPr>
+          <p:cNvPr id="2" name="标题 1">
+            <a:extLst>
+              <a:ext uri="{FF2B5EF4-FFF2-40B4-BE49-F238E27FC236}">
+                <a16:creationId xmlns:a16="http://schemas.microsoft.com/office/drawing/2014/main" id="{3DEF46BA-9C5B-ED69-634A-19B9C84A75A3}"/>
+              </a:ext>
+            </a:extLst>
+          </p:cNvPr>
+          <p:cNvSpPr>
+            <a:spLocks noGrp="1"/>
+          </p:cNvSpPr>
+          <p:nvPr>
+            <p:ph type="title"/>
+          </p:nvPr>
+        </p:nvSpPr>
+        <p:spPr/>
+        <p:txBody>
+          <a:bodyPr/>
+          <a:lstStyle/>
+          <a:p>
+            <a:r>
+              <a:rPr lang="en-US" altLang="zh-CN" sz="3600" dirty="0"/>
+              <a:t>Conclusions</a:t>
+            </a:r>
+            <a:endParaRPr lang="zh-CN" altLang="en-US" sz="3600" dirty="0"/>
+          </a:p>
+        </p:txBody>
+      </p:sp>
+      <p:sp>
+        <p:nvSpPr>
+          <p:cNvPr id="5" name="文本框 4">
+            <a:extLst>
+              <a:ext uri="{FF2B5EF4-FFF2-40B4-BE49-F238E27FC236}">
+                <a16:creationId xmlns:a16="http://schemas.microsoft.com/office/drawing/2014/main" id="{F214D201-609A-E801-7D28-9DBAFA294F5E}"/>
+              </a:ext>
+            </a:extLst>
+          </p:cNvPr>
+          <p:cNvSpPr txBox="1"/>
+          <p:nvPr/>
+        </p:nvSpPr>
+        <p:spPr>
+          <a:xfrm>
+            <a:off x="456840" y="1906622"/>
+            <a:ext cx="9348641" cy="3416320"/>
+          </a:xfrm>
+          <a:prstGeom prst="rect">
+            <a:avLst/>
+          </a:prstGeom>
+          <a:noFill/>
+        </p:spPr>
+        <p:txBody>
+          <a:bodyPr wrap="square" rtlCol="0">
+            <a:spAutoFit/>
+          </a:bodyPr>
+          <a:lstStyle/>
+          <a:p>
+            <a:r>
+              <a:rPr lang="en-US" altLang="zh-CN" dirty="0"/>
+              <a:t>2, Discussion</a:t>
+            </a:r>
+          </a:p>
+          <a:p>
+            <a:endParaRPr lang="en-US" altLang="zh-CN" dirty="0"/>
+          </a:p>
+          <a:p>
+            <a:r>
+              <a:rPr lang="en-US" altLang="zh-CN" dirty="0"/>
+              <a:t>2,1 Compatibility Issues with the OCPP Python Library Versions</a:t>
+            </a:r>
+          </a:p>
+          <a:p>
+            <a:endParaRPr lang="en-US" altLang="zh-CN" dirty="0"/>
+          </a:p>
+          <a:p>
+            <a:r>
+              <a:rPr lang="en-US" altLang="zh-CN" dirty="0"/>
+              <a:t>2,2 Current Monitoring and Safety Control</a:t>
+            </a:r>
+          </a:p>
+          <a:p>
+            <a:endParaRPr lang="en-US" altLang="zh-CN" dirty="0"/>
+          </a:p>
+          <a:p>
+            <a:r>
+              <a:rPr lang="en-US" altLang="zh-CN" dirty="0"/>
+              <a:t>2,3 Raspberry Pi Wi-Fi Hotspot Support</a:t>
+            </a:r>
+          </a:p>
+          <a:p>
+            <a:endParaRPr lang="en-US" altLang="zh-CN" dirty="0"/>
+          </a:p>
+          <a:p>
+            <a:r>
+              <a:rPr lang="en-US" altLang="zh-CN" dirty="0"/>
+              <a:t>2,4 Limitation on Web Terminal Message Display (memory overflow or browser crashes)</a:t>
+            </a:r>
+          </a:p>
+          <a:p>
+            <a:endParaRPr lang="en-US" altLang="zh-CN" dirty="0"/>
+          </a:p>
+          <a:p>
+            <a:endParaRPr lang="en-US" altLang="zh-CN" dirty="0"/>
+          </a:p>
+          <a:p>
+            <a:endParaRPr lang="zh-CN" altLang="en-US" dirty="0"/>
+          </a:p>
+        </p:txBody>
+      </p:sp>
+    </p:spTree>
+    <p:extLst>
+      <p:ext uri="{BB962C8B-B14F-4D97-AF65-F5344CB8AC3E}">
+        <p14:creationId xmlns:p14="http://schemas.microsoft.com/office/powerpoint/2010/main" val="235550376"/>
+      </p:ext>
+    </p:extLst>
+  </p:cSld>
+  <p:clrMapOvr>
+    <a:masterClrMapping/>
+  </p:clrMapOvr>
+</p:sld>
+</file>
+
+<file path=ppt/slides/slide9.xml><?xml version="1.0" encoding="utf-8"?>
+<p:sld xmlns:a="http://schemas.openxmlformats.org/drawingml/2006/main" xmlns:r="http://schemas.openxmlformats.org/officeDocument/2006/relationships" xmlns:p="http://schemas.openxmlformats.org/presentationml/2006/main">
+  <p:cSld>
+    <p:spTree>
+      <p:nvGrpSpPr>
+        <p:cNvPr id="1" name="">
+          <a:extLst>
+            <a:ext uri="{FF2B5EF4-FFF2-40B4-BE49-F238E27FC236}">
+              <a16:creationId xmlns:a16="http://schemas.microsoft.com/office/drawing/2014/main" id="{AD79F357-1BF1-0668-1492-B26EB6E3F32C}"/>
+            </a:ext>
+          </a:extLst>
+        </p:cNvPr>
+        <p:cNvGrpSpPr/>
+        <p:nvPr/>
+      </p:nvGrpSpPr>
+      <p:grpSpPr>
+        <a:xfrm>
+          <a:off x="0" y="0"/>
+          <a:ext cx="0" cy="0"/>
+          <a:chOff x="0" y="0"/>
+          <a:chExt cx="0" cy="0"/>
+        </a:xfrm>
+      </p:grpSpPr>
+      <p:sp>
+        <p:nvSpPr>
+          <p:cNvPr id="2" name="标题 1">
+            <a:extLst>
+              <a:ext uri="{FF2B5EF4-FFF2-40B4-BE49-F238E27FC236}">
+                <a16:creationId xmlns:a16="http://schemas.microsoft.com/office/drawing/2014/main" id="{6A7AB2EC-D368-F3EE-46B2-21FECB53317F}"/>
+              </a:ext>
+            </a:extLst>
+          </p:cNvPr>
+          <p:cNvSpPr>
+            <a:spLocks noGrp="1"/>
+          </p:cNvSpPr>
+          <p:nvPr>
+            <p:ph type="title"/>
+          </p:nvPr>
+        </p:nvSpPr>
+        <p:spPr/>
+        <p:txBody>
+          <a:bodyPr/>
+          <a:lstStyle/>
+          <a:p>
+            <a:r>
+              <a:rPr lang="en-US" altLang="zh-CN" dirty="0"/>
+              <a:t>Literature</a:t>
+            </a:r>
+            <a:endParaRPr lang="zh-CN" altLang="en-US" dirty="0"/>
+          </a:p>
+        </p:txBody>
+      </p:sp>
+      <p:sp>
+        <p:nvSpPr>
+          <p:cNvPr id="3" name="文本框 2">
+            <a:extLst>
+              <a:ext uri="{FF2B5EF4-FFF2-40B4-BE49-F238E27FC236}">
+                <a16:creationId xmlns:a16="http://schemas.microsoft.com/office/drawing/2014/main" id="{D5B9B03E-688D-0BB5-D4B6-ACFD81388C00}"/>
+              </a:ext>
+            </a:extLst>
+          </p:cNvPr>
+          <p:cNvSpPr txBox="1"/>
+          <p:nvPr/>
+        </p:nvSpPr>
+        <p:spPr>
+          <a:xfrm>
+            <a:off x="456839" y="2052536"/>
+            <a:ext cx="9241637" cy="1200329"/>
+          </a:xfrm>
+          <a:prstGeom prst="rect">
+            <a:avLst/>
+          </a:prstGeom>
+          <a:noFill/>
+        </p:spPr>
+        <p:txBody>
+          <a:bodyPr wrap="square" rtlCol="0">
+            <a:spAutoFit/>
+          </a:bodyPr>
+          <a:lstStyle/>
+          <a:p>
+            <a:r>
+              <a:rPr lang="en-US" altLang="zh-CN" dirty="0"/>
+              <a:t>[1] https://www.statista.com/outlook/mmo/electric Electric </a:t>
+            </a:r>
+            <a:r>
+              <a:rPr lang="en-US" altLang="zh-CN" dirty="0" err="1"/>
+              <a:t>Vehicles.url:vehicles</a:t>
+            </a:r>
+            <a:r>
+              <a:rPr lang="en-US" altLang="zh-CN" dirty="0"/>
+              <a:t>/worldwide</a:t>
+            </a:r>
+          </a:p>
+          <a:p>
+            <a:r>
+              <a:rPr lang="en-US" altLang="zh-CN" dirty="0"/>
+              <a:t>(visited on 01/2025). </a:t>
+            </a:r>
+          </a:p>
+          <a:p>
+            <a:r>
+              <a:rPr lang="en-US" altLang="zh-CN" dirty="0"/>
+              <a:t>[2] International Renewable Energy Agency(IRENA). Innovation Outlook Smart Charging For Electric </a:t>
+            </a:r>
+            <a:r>
+              <a:rPr lang="en-US" altLang="zh-CN" dirty="0" err="1"/>
+              <a:t>Vehicles.Tech</a:t>
+            </a:r>
+            <a:r>
+              <a:rPr lang="en-US" altLang="zh-CN" dirty="0"/>
+              <a:t>. rep. International Renewable Energy Agency(IRENA), 2019</a:t>
+            </a:r>
+            <a:endParaRPr lang="zh-CN" altLang="en-US" dirty="0"/>
+          </a:p>
+        </p:txBody>
+      </p:sp>
+    </p:spTree>
+    <p:extLst>
+      <p:ext uri="{BB962C8B-B14F-4D97-AF65-F5344CB8AC3E}">
+        <p14:creationId xmlns:p14="http://schemas.microsoft.com/office/powerpoint/2010/main" val="3810804855"/>
+      </p:ext>
+    </p:extLst>
+  </p:cSld>
+  <p:clrMapOvr>
+    <a:masterClrMapping/>
+  </p:clrMapOvr>
 </p:sld>
 </file>
 
 <file path=ppt/theme/theme1.xml><?xml version="1.0" encoding="utf-8"?>
-<a:theme xmlns:a="http://schemas.openxmlformats.org/drawingml/2006/main" xmlns:r="http://schemas.openxmlformats.org/officeDocument/2006/relationships" name="Office">
+<a:theme xmlns:a="http://schemas.openxmlformats.org/drawingml/2006/main" name="Office">
   <a:themeElements>
     <a:clrScheme name="LibreOffice">
       <a:dk1>
         <a:srgbClr val="000000"/>
       </a:dk1>
       <a:lt1>
-        <a:srgbClr val="ffffff"/>
+        <a:srgbClr val="FFFFFF"/>
       </a:lt1>
       <a:dk2>
         <a:srgbClr val="000000"/>
       </a:dk2>
       <a:lt2>
-        <a:srgbClr val="ffffff"/>
+        <a:srgbClr val="FFFFFF"/>
       </a:lt2>
       <a:accent1>
-        <a:srgbClr val="18a303"/>
+        <a:srgbClr val="18A303"/>
       </a:accent1>
       <a:accent2>
-        <a:srgbClr val="0369a3"/>
+        <a:srgbClr val="0369A3"/>
       </a:accent2>
       <a:accent3>
-        <a:srgbClr val="a33e03"/>
+        <a:srgbClr val="A33E03"/>
       </a:accent3>
       <a:accent4>
-        <a:srgbClr val="8e03a3"/>
+        <a:srgbClr val="8E03A3"/>
       </a:accent4>
       <a:accent5>
-        <a:srgbClr val="c99c00"/>
+        <a:srgbClr val="C99C00"/>
       </a:accent5>
       <a:accent6>
-        <a:srgbClr val="c9211e"/>
+        <a:srgbClr val="C9211E"/>
       </a:accent6>
       <a:hlink>
-        <a:srgbClr val="0000ee"/>
+        <a:srgbClr val="0000EE"/>
       </a:hlink>
       <a:folHlink>
-        <a:srgbClr val="551a8b"/>
+        <a:srgbClr val="551A8B"/>
       </a:folHlink>
     </a:clrScheme>
     <a:fontScheme name="Office">
       <a:majorFont>
-        <a:latin typeface="Arial" pitchFamily="0" charset="1"/>
-        <a:ea typeface="DejaVu Sans" pitchFamily="0" charset="1"/>
-        <a:cs typeface="DejaVu Sans" pitchFamily="0" charset="1"/>
+        <a:latin typeface="Arial"/>
+        <a:ea typeface="DejaVu Sans"/>
+        <a:cs typeface="DejaVu Sans"/>
       </a:majorFont>
       <a:minorFont>
-        <a:latin typeface="Arial" pitchFamily="0" charset="1"/>
-        <a:ea typeface="DejaVu Sans" pitchFamily="0" charset="1"/>
-        <a:cs typeface="DejaVu Sans" pitchFamily="0" charset="1"/>
+        <a:latin typeface="Arial"/>
+        <a:ea typeface="DejaVu Sans"/>
+        <a:cs typeface="DejaVu Sans"/>
       </a:minorFont>
     </a:fontScheme>
     <a:fmtScheme>
@@ -1263,5 +6595,288 @@
       </a:bgFillStyleLst>
     </a:fmtScheme>
   </a:themeElements>
+  <a:objectDefaults/>
+  <a:extraClrSchemeLst/>
+</a:theme>
+</file>
+
+<file path=ppt/theme/theme2.xml><?xml version="1.0" encoding="utf-8"?>
+<a:theme xmlns:a="http://schemas.openxmlformats.org/drawingml/2006/main" name="Office Theme">
+  <a:themeElements>
+    <a:clrScheme name="Office">
+      <a:dk1>
+        <a:srgbClr val="000000"/>
+      </a:dk1>
+      <a:lt1>
+        <a:srgbClr val="FFFFFF"/>
+      </a:lt1>
+      <a:dk2>
+        <a:srgbClr val="1F497D"/>
+      </a:dk2>
+      <a:lt2>
+        <a:srgbClr val="EEECE1"/>
+      </a:lt2>
+      <a:accent1>
+        <a:srgbClr val="4F81BD"/>
+      </a:accent1>
+      <a:accent2>
+        <a:srgbClr val="C0504D"/>
+      </a:accent2>
+      <a:accent3>
+        <a:srgbClr val="9BBB59"/>
+      </a:accent3>
+      <a:accent4>
+        <a:srgbClr val="8064A2"/>
+      </a:accent4>
+      <a:accent5>
+        <a:srgbClr val="4BACC6"/>
+      </a:accent5>
+      <a:accent6>
+        <a:srgbClr val="F79646"/>
+      </a:accent6>
+      <a:hlink>
+        <a:srgbClr val="0000FF"/>
+      </a:hlink>
+      <a:folHlink>
+        <a:srgbClr val="800080"/>
+      </a:folHlink>
+    </a:clrScheme>
+    <a:fontScheme name="Office">
+      <a:majorFont>
+        <a:latin typeface="Arial"/>
+        <a:ea typeface=""/>
+        <a:cs typeface=""/>
+        <a:font script="Jpan" typeface="ＭＳ Ｐゴシック"/>
+        <a:font script="Hang" typeface="맑은 고딕"/>
+        <a:font script="Hans" typeface="宋体"/>
+        <a:font script="Hant" typeface="新細明體"/>
+        <a:font script="Arab" typeface="Times New Roman"/>
+        <a:font script="Hebr" typeface="Times New Roman"/>
+        <a:font script="Thai" typeface="Angsana New"/>
+        <a:font script="Ethi" typeface="Nyala"/>
+        <a:font script="Beng" typeface="Vrinda"/>
+        <a:font script="Gujr" typeface="Shruti"/>
+        <a:font script="Khmr" typeface="MoolBoran"/>
+        <a:font script="Knda" typeface="Tunga"/>
+        <a:font script="Guru" typeface="Raavi"/>
+        <a:font script="Cans" typeface="Euphemia"/>
+        <a:font script="Cher" typeface="Plantagenet Cherokee"/>
+        <a:font script="Yiii" typeface="Microsoft Yi Baiti"/>
+        <a:font script="Tibt" typeface="Microsoft Himalaya"/>
+        <a:font script="Thaa" typeface="MV Boli"/>
+        <a:font script="Deva" typeface="Mangal"/>
+        <a:font script="Telu" typeface="Gautami"/>
+        <a:font script="Taml" typeface="Latha"/>
+        <a:font script="Syrc" typeface="Estrangelo Edessa"/>
+        <a:font script="Orya" typeface="Kalinga"/>
+        <a:font script="Mlym" typeface="Kartika"/>
+        <a:font script="Laoo" typeface="DokChampa"/>
+        <a:font script="Sinh" typeface="Iskoola Pota"/>
+        <a:font script="Mong" typeface="Mongolian Baiti"/>
+        <a:font script="Viet" typeface="Times New Roman"/>
+        <a:font script="Uigh" typeface="Microsoft Uighur"/>
+        <a:font script="Geor" typeface="Sylfaen"/>
+      </a:majorFont>
+      <a:minorFont>
+        <a:latin typeface="Arial"/>
+        <a:ea typeface=""/>
+        <a:cs typeface=""/>
+        <a:font script="Jpan" typeface="ＭＳ Ｐゴシック"/>
+        <a:font script="Hang" typeface="맑은 고딕"/>
+        <a:font script="Hans" typeface="宋体"/>
+        <a:font script="Hant" typeface="新細明體"/>
+        <a:font script="Arab" typeface="Arial"/>
+        <a:font script="Hebr" typeface="Arial"/>
+        <a:font script="Thai" typeface="Cordia New"/>
+        <a:font script="Ethi" typeface="Nyala"/>
+        <a:font script="Beng" typeface="Vrinda"/>
+        <a:font script="Gujr" typeface="Shruti"/>
+        <a:font script="Khmr" typeface="DaunPenh"/>
+        <a:font script="Knda" typeface="Tunga"/>
+        <a:font script="Guru" typeface="Raavi"/>
+        <a:font script="Cans" typeface="Euphemia"/>
+        <a:font script="Cher" typeface="Plantagenet Cherokee"/>
+        <a:font script="Yiii" typeface="Microsoft Yi Baiti"/>
+        <a:font script="Tibt" typeface="Microsoft Himalaya"/>
+        <a:font script="Thaa" typeface="MV Boli"/>
+        <a:font script="Deva" typeface="Mangal"/>
+        <a:font script="Telu" typeface="Gautami"/>
+        <a:font script="Taml" typeface="Latha"/>
+        <a:font script="Syrc" typeface="Estrangelo Edessa"/>
+        <a:font script="Orya" typeface="Kalinga"/>
+        <a:font script="Mlym" typeface="Kartika"/>
+        <a:font script="Laoo" typeface="DokChampa"/>
+        <a:font script="Sinh" typeface="Iskoola Pota"/>
+        <a:font script="Mong" typeface="Mongolian Baiti"/>
+        <a:font script="Viet" typeface="Arial"/>
+        <a:font script="Uigh" typeface="Microsoft Uighur"/>
+        <a:font script="Geor" typeface="Sylfaen"/>
+      </a:minorFont>
+    </a:fontScheme>
+    <a:fmtScheme name="Office">
+      <a:fillStyleLst>
+        <a:solidFill>
+          <a:schemeClr val="phClr"/>
+        </a:solidFill>
+        <a:gradFill rotWithShape="1">
+          <a:gsLst>
+            <a:gs pos="0">
+              <a:schemeClr val="phClr">
+                <a:tint val="50000"/>
+                <a:satMod val="300000"/>
+              </a:schemeClr>
+            </a:gs>
+            <a:gs pos="35000">
+              <a:schemeClr val="phClr">
+                <a:tint val="37000"/>
+                <a:satMod val="300000"/>
+              </a:schemeClr>
+            </a:gs>
+            <a:gs pos="100000">
+              <a:schemeClr val="phClr">
+                <a:tint val="15000"/>
+                <a:satMod val="350000"/>
+              </a:schemeClr>
+            </a:gs>
+          </a:gsLst>
+          <a:lin ang="16200000" scaled="1"/>
+        </a:gradFill>
+        <a:gradFill rotWithShape="1">
+          <a:gsLst>
+            <a:gs pos="0">
+              <a:schemeClr val="phClr">
+                <a:tint val="100000"/>
+                <a:shade val="100000"/>
+                <a:satMod val="130000"/>
+              </a:schemeClr>
+            </a:gs>
+            <a:gs pos="100000">
+              <a:schemeClr val="phClr">
+                <a:tint val="50000"/>
+                <a:shade val="100000"/>
+                <a:satMod val="350000"/>
+              </a:schemeClr>
+            </a:gs>
+          </a:gsLst>
+          <a:lin ang="16200000" scaled="0"/>
+        </a:gradFill>
+      </a:fillStyleLst>
+      <a:lnStyleLst>
+        <a:ln w="9525" cap="flat" cmpd="sng" algn="ctr">
+          <a:solidFill>
+            <a:schemeClr val="phClr">
+              <a:shade val="95000"/>
+              <a:satMod val="105000"/>
+            </a:schemeClr>
+          </a:solidFill>
+          <a:prstDash val="solid"/>
+        </a:ln>
+        <a:ln w="25400" cap="flat" cmpd="sng" algn="ctr">
+          <a:solidFill>
+            <a:schemeClr val="phClr"/>
+          </a:solidFill>
+          <a:prstDash val="solid"/>
+        </a:ln>
+        <a:ln w="38100" cap="flat" cmpd="sng" algn="ctr">
+          <a:solidFill>
+            <a:schemeClr val="phClr"/>
+          </a:solidFill>
+          <a:prstDash val="solid"/>
+        </a:ln>
+      </a:lnStyleLst>
+      <a:effectStyleLst>
+        <a:effectStyle>
+          <a:effectLst>
+            <a:outerShdw blurRad="40000" dist="20000" dir="5400000" rotWithShape="0">
+              <a:srgbClr val="000000">
+                <a:alpha val="38000"/>
+              </a:srgbClr>
+            </a:outerShdw>
+          </a:effectLst>
+        </a:effectStyle>
+        <a:effectStyle>
+          <a:effectLst>
+            <a:outerShdw blurRad="40000" dist="23000" dir="5400000" rotWithShape="0">
+              <a:srgbClr val="000000">
+                <a:alpha val="35000"/>
+              </a:srgbClr>
+            </a:outerShdw>
+          </a:effectLst>
+        </a:effectStyle>
+        <a:effectStyle>
+          <a:effectLst>
+            <a:outerShdw blurRad="40000" dist="23000" dir="5400000" rotWithShape="0">
+              <a:srgbClr val="000000">
+                <a:alpha val="35000"/>
+              </a:srgbClr>
+            </a:outerShdw>
+          </a:effectLst>
+          <a:scene3d>
+            <a:camera prst="orthographicFront">
+              <a:rot lat="0" lon="0" rev="0"/>
+            </a:camera>
+            <a:lightRig rig="threePt" dir="t">
+              <a:rot lat="0" lon="0" rev="1200000"/>
+            </a:lightRig>
+          </a:scene3d>
+          <a:sp3d>
+            <a:bevelT w="63500" h="25400"/>
+          </a:sp3d>
+        </a:effectStyle>
+      </a:effectStyleLst>
+      <a:bgFillStyleLst>
+        <a:solidFill>
+          <a:schemeClr val="phClr"/>
+        </a:solidFill>
+        <a:gradFill rotWithShape="1">
+          <a:gsLst>
+            <a:gs pos="0">
+              <a:schemeClr val="phClr">
+                <a:tint val="40000"/>
+                <a:satMod val="350000"/>
+              </a:schemeClr>
+            </a:gs>
+            <a:gs pos="40000">
+              <a:schemeClr val="phClr">
+                <a:tint val="45000"/>
+                <a:shade val="99000"/>
+                <a:satMod val="350000"/>
+              </a:schemeClr>
+            </a:gs>
+            <a:gs pos="100000">
+              <a:schemeClr val="phClr">
+                <a:shade val="20000"/>
+                <a:satMod val="255000"/>
+              </a:schemeClr>
+            </a:gs>
+          </a:gsLst>
+          <a:path path="circle">
+            <a:fillToRect l="50000" t="-80000" r="50000" b="180000"/>
+          </a:path>
+        </a:gradFill>
+        <a:gradFill rotWithShape="1">
+          <a:gsLst>
+            <a:gs pos="0">
+              <a:schemeClr val="phClr">
+                <a:tint val="80000"/>
+                <a:satMod val="300000"/>
+              </a:schemeClr>
+            </a:gs>
+            <a:gs pos="100000">
+              <a:schemeClr val="phClr">
+                <a:shade val="30000"/>
+                <a:satMod val="200000"/>
+              </a:schemeClr>
+            </a:gs>
+          </a:gsLst>
+          <a:path path="circle">
+            <a:fillToRect l="50000" t="50000" r="50000" b="50000"/>
+          </a:path>
+        </a:gradFill>
+      </a:bgFillStyleLst>
+    </a:fmtScheme>
+  </a:themeElements>
+  <a:objectDefaults/>
+  <a:extraClrSchemeLst/>
 </a:theme>
 </file>
--- a/ppt/Chen_Huang.pptx
+++ b/ppt/Chen_Huang.pptx
@@ -4086,6 +4086,69 @@
           </a:prstGeom>
         </p:spPr>
       </p:pic>
+      <p:graphicFrame>
+        <p:nvGraphicFramePr>
+          <p:cNvPr id="2" name="对象 1">
+            <a:extLst>
+              <a:ext uri="{FF2B5EF4-FFF2-40B4-BE49-F238E27FC236}">
+                <a16:creationId xmlns:a16="http://schemas.microsoft.com/office/drawing/2014/main" id="{7E3C9BE3-48FC-2F6C-F505-C269F97B7DCC}"/>
+              </a:ext>
+            </a:extLst>
+          </p:cNvPr>
+          <p:cNvGraphicFramePr>
+            <a:graphicFrameLocks noChangeAspect="1"/>
+          </p:cNvGraphicFramePr>
+          <p:nvPr>
+            <p:extLst>
+              <p:ext uri="{D42A27DB-BD31-4B8C-83A1-F6EECF244321}">
+                <p14:modId xmlns:p14="http://schemas.microsoft.com/office/powerpoint/2010/main" val="73062492"/>
+              </p:ext>
+            </p:extLst>
+          </p:nvPr>
+        </p:nvGraphicFramePr>
+        <p:xfrm>
+          <a:off x="63500" y="6891338"/>
+          <a:ext cx="4533900" cy="6415087"/>
+        </p:xfrm>
+        <a:graphic>
+          <a:graphicData uri="http://schemas.openxmlformats.org/presentationml/2006/ole">
+            <mc:AlternateContent xmlns:mc="http://schemas.openxmlformats.org/markup-compatibility/2006">
+              <mc:Choice xmlns:v="urn:schemas-microsoft-com:vml" Requires="v">
+                <p:oleObj name="Acrobat Document" r:id="rId3" imgW="4533723" imgH="6415677" progId="Acrobat.Document.DC">
+                  <p:embed/>
+                </p:oleObj>
+              </mc:Choice>
+              <mc:Fallback>
+                <p:oleObj name="Acrobat Document" r:id="rId3" imgW="4533723" imgH="6415677" progId="Acrobat.Document.DC">
+                  <p:embed/>
+                  <p:pic>
+                    <p:nvPicPr>
+                      <p:cNvPr id="0" name=""/>
+                      <p:cNvPicPr/>
+                      <p:nvPr/>
+                    </p:nvPicPr>
+                    <p:blipFill>
+                      <a:blip r:embed="rId4"/>
+                      <a:stretch>
+                        <a:fillRect/>
+                      </a:stretch>
+                    </p:blipFill>
+                    <p:spPr>
+                      <a:xfrm>
+                        <a:off x="63500" y="6891338"/>
+                        <a:ext cx="4533900" cy="6415087"/>
+                      </a:xfrm>
+                      <a:prstGeom prst="rect">
+                        <a:avLst/>
+                      </a:prstGeom>
+                    </p:spPr>
+                  </p:pic>
+                </p:oleObj>
+              </mc:Fallback>
+            </mc:AlternateContent>
+          </a:graphicData>
+        </a:graphic>
+      </p:graphicFrame>
     </p:spTree>
     <p:extLst>
       <p:ext uri="{BB962C8B-B14F-4D97-AF65-F5344CB8AC3E}">
@@ -5540,8 +5603,8 @@
         </p:nvSpPr>
         <p:spPr>
           <a:xfrm>
-            <a:off x="350196" y="1915989"/>
-            <a:ext cx="4581727" cy="5078313"/>
+            <a:off x="291830" y="1655363"/>
+            <a:ext cx="5357054" cy="5632311"/>
           </a:xfrm>
           <a:prstGeom prst="rect">
             <a:avLst/>
@@ -5569,34 +5632,35 @@
           <a:p>
             <a:r>
               <a:rPr lang="de-DE" altLang="zh-CN" dirty="0"/>
-              <a:t>Solution: LED for the Start button </a:t>
+              <a:t>Solution:</a:t>
             </a:r>
           </a:p>
           <a:p>
             <a:r>
               <a:rPr lang="de-DE" altLang="zh-CN" dirty="0"/>
-              <a:t>               lit – </a:t>
-            </a:r>
-            <a:r>
-              <a:rPr lang="en-US" altLang="zh-CN" sz="1800" dirty="0"/>
-              <a:t>charge point </a:t>
-            </a:r>
+              <a:t>Always on                                ready to set current</a:t>
+            </a:r>
+          </a:p>
+          <a:p>
             <a:r>
               <a:rPr lang="de-DE" altLang="zh-CN" dirty="0"/>
-              <a:t>ready to </a:t>
+              <a:t>Fast blinking                            0,1s Current is set</a:t>
             </a:r>
           </a:p>
           <a:p>
             <a:r>
               <a:rPr lang="de-DE" altLang="zh-CN" dirty="0"/>
-              <a:t>                      set current</a:t>
+              <a:t>Slow blinking                           1s Charging</a:t>
             </a:r>
           </a:p>
           <a:p>
             <a:r>
               <a:rPr lang="de-DE" altLang="zh-CN" dirty="0"/>
-              <a:t>               blinking – Charging beginns</a:t>
-            </a:r>
+              <a:t>Blinks 2 times                          Error</a:t>
+            </a:r>
+          </a:p>
+          <a:p>
+            <a:endParaRPr lang="de-DE" altLang="zh-CN" dirty="0"/>
           </a:p>
           <a:p>
             <a:endParaRPr lang="de-DE" altLang="zh-CN" dirty="0"/>
@@ -5775,6 +5839,961 @@
               <a:t>Figure 3: Register 1006 status of EVSE from datasheet</a:t>
             </a:r>
             <a:endParaRPr lang="zh-CN" altLang="en-US" sz="1200" dirty="0"/>
+          </a:p>
+        </p:txBody>
+      </p:sp>
+      <p:sp>
+        <p:nvSpPr>
+          <p:cNvPr id="15" name="流程图: 接点 14">
+            <a:extLst>
+              <a:ext uri="{FF2B5EF4-FFF2-40B4-BE49-F238E27FC236}">
+                <a16:creationId xmlns:a16="http://schemas.microsoft.com/office/drawing/2014/main" id="{D897658B-408C-2BE3-919B-B1D11D0AB44E}"/>
+              </a:ext>
+            </a:extLst>
+          </p:cNvPr>
+          <p:cNvSpPr/>
+          <p:nvPr/>
+        </p:nvSpPr>
+        <p:spPr>
+          <a:xfrm>
+            <a:off x="2224561" y="2586478"/>
+            <a:ext cx="218872" cy="209145"/>
+          </a:xfrm>
+          <a:prstGeom prst="flowChartConnector">
+            <a:avLst/>
+          </a:prstGeom>
+        </p:spPr>
+        <p:style>
+          <a:lnRef idx="2">
+            <a:schemeClr val="accent1">
+              <a:shade val="15000"/>
+            </a:schemeClr>
+          </a:lnRef>
+          <a:fillRef idx="1">
+            <a:schemeClr val="accent1"/>
+          </a:fillRef>
+          <a:effectRef idx="0">
+            <a:schemeClr val="accent1"/>
+          </a:effectRef>
+          <a:fontRef idx="minor">
+            <a:schemeClr val="lt1"/>
+          </a:fontRef>
+        </p:style>
+        <p:txBody>
+          <a:bodyPr rtlCol="0" anchor="ctr"/>
+          <a:lstStyle/>
+          <a:p>
+            <a:pPr algn="ctr"/>
+            <a:endParaRPr lang="zh-CN" altLang="en-US"/>
+          </a:p>
+        </p:txBody>
+      </p:sp>
+      <p:sp>
+        <p:nvSpPr>
+          <p:cNvPr id="16" name="流程图: 接点 15">
+            <a:extLst>
+              <a:ext uri="{FF2B5EF4-FFF2-40B4-BE49-F238E27FC236}">
+                <a16:creationId xmlns:a16="http://schemas.microsoft.com/office/drawing/2014/main" id="{3A394FA4-1A0A-F5AF-2194-0224D5B865D0}"/>
+              </a:ext>
+            </a:extLst>
+          </p:cNvPr>
+          <p:cNvSpPr/>
+          <p:nvPr/>
+        </p:nvSpPr>
+        <p:spPr>
+          <a:xfrm>
+            <a:off x="1932277" y="2586477"/>
+            <a:ext cx="218872" cy="209145"/>
+          </a:xfrm>
+          <a:prstGeom prst="flowChartConnector">
+            <a:avLst/>
+          </a:prstGeom>
+        </p:spPr>
+        <p:style>
+          <a:lnRef idx="2">
+            <a:schemeClr val="accent1">
+              <a:shade val="15000"/>
+            </a:schemeClr>
+          </a:lnRef>
+          <a:fillRef idx="1">
+            <a:schemeClr val="accent1"/>
+          </a:fillRef>
+          <a:effectRef idx="0">
+            <a:schemeClr val="accent1"/>
+          </a:effectRef>
+          <a:fontRef idx="minor">
+            <a:schemeClr val="lt1"/>
+          </a:fontRef>
+        </p:style>
+        <p:txBody>
+          <a:bodyPr rtlCol="0" anchor="ctr"/>
+          <a:lstStyle/>
+          <a:p>
+            <a:pPr algn="ctr"/>
+            <a:endParaRPr lang="zh-CN" altLang="en-US"/>
+          </a:p>
+        </p:txBody>
+      </p:sp>
+      <p:sp>
+        <p:nvSpPr>
+          <p:cNvPr id="17" name="流程图: 接点 16">
+            <a:extLst>
+              <a:ext uri="{FF2B5EF4-FFF2-40B4-BE49-F238E27FC236}">
+                <a16:creationId xmlns:a16="http://schemas.microsoft.com/office/drawing/2014/main" id="{65434AFF-A234-4E6A-C1C1-3097028FD11B}"/>
+              </a:ext>
+            </a:extLst>
+          </p:cNvPr>
+          <p:cNvSpPr/>
+          <p:nvPr/>
+        </p:nvSpPr>
+        <p:spPr>
+          <a:xfrm>
+            <a:off x="2516845" y="2586479"/>
+            <a:ext cx="218872" cy="209145"/>
+          </a:xfrm>
+          <a:prstGeom prst="flowChartConnector">
+            <a:avLst/>
+          </a:prstGeom>
+        </p:spPr>
+        <p:style>
+          <a:lnRef idx="2">
+            <a:schemeClr val="accent1">
+              <a:shade val="15000"/>
+            </a:schemeClr>
+          </a:lnRef>
+          <a:fillRef idx="1">
+            <a:schemeClr val="accent1"/>
+          </a:fillRef>
+          <a:effectRef idx="0">
+            <a:schemeClr val="accent1"/>
+          </a:effectRef>
+          <a:fontRef idx="minor">
+            <a:schemeClr val="lt1"/>
+          </a:fontRef>
+        </p:style>
+        <p:txBody>
+          <a:bodyPr rtlCol="0" anchor="ctr"/>
+          <a:lstStyle/>
+          <a:p>
+            <a:pPr algn="ctr"/>
+            <a:endParaRPr lang="zh-CN" altLang="en-US"/>
+          </a:p>
+        </p:txBody>
+      </p:sp>
+      <p:sp>
+        <p:nvSpPr>
+          <p:cNvPr id="19" name="流程图: 接点 18">
+            <a:extLst>
+              <a:ext uri="{FF2B5EF4-FFF2-40B4-BE49-F238E27FC236}">
+                <a16:creationId xmlns:a16="http://schemas.microsoft.com/office/drawing/2014/main" id="{F91ECDCD-9B5F-6175-F52B-A0010015220D}"/>
+              </a:ext>
+            </a:extLst>
+          </p:cNvPr>
+          <p:cNvSpPr/>
+          <p:nvPr/>
+        </p:nvSpPr>
+        <p:spPr>
+          <a:xfrm>
+            <a:off x="3101413" y="2586480"/>
+            <a:ext cx="218872" cy="209145"/>
+          </a:xfrm>
+          <a:prstGeom prst="flowChartConnector">
+            <a:avLst/>
+          </a:prstGeom>
+        </p:spPr>
+        <p:style>
+          <a:lnRef idx="2">
+            <a:schemeClr val="accent1">
+              <a:shade val="15000"/>
+            </a:schemeClr>
+          </a:lnRef>
+          <a:fillRef idx="1">
+            <a:schemeClr val="accent1"/>
+          </a:fillRef>
+          <a:effectRef idx="0">
+            <a:schemeClr val="accent1"/>
+          </a:effectRef>
+          <a:fontRef idx="minor">
+            <a:schemeClr val="lt1"/>
+          </a:fontRef>
+        </p:style>
+        <p:txBody>
+          <a:bodyPr rtlCol="0" anchor="ctr"/>
+          <a:lstStyle/>
+          <a:p>
+            <a:pPr algn="ctr"/>
+            <a:endParaRPr lang="zh-CN" altLang="en-US"/>
+          </a:p>
+        </p:txBody>
+      </p:sp>
+      <p:sp>
+        <p:nvSpPr>
+          <p:cNvPr id="20" name="流程图: 接点 19">
+            <a:extLst>
+              <a:ext uri="{FF2B5EF4-FFF2-40B4-BE49-F238E27FC236}">
+                <a16:creationId xmlns:a16="http://schemas.microsoft.com/office/drawing/2014/main" id="{3BC4E30F-C464-5FA1-3581-4EAD8462B7DD}"/>
+              </a:ext>
+            </a:extLst>
+          </p:cNvPr>
+          <p:cNvSpPr/>
+          <p:nvPr/>
+        </p:nvSpPr>
+        <p:spPr>
+          <a:xfrm>
+            <a:off x="2809129" y="2586480"/>
+            <a:ext cx="218872" cy="209145"/>
+          </a:xfrm>
+          <a:prstGeom prst="flowChartConnector">
+            <a:avLst/>
+          </a:prstGeom>
+        </p:spPr>
+        <p:style>
+          <a:lnRef idx="2">
+            <a:schemeClr val="accent1">
+              <a:shade val="15000"/>
+            </a:schemeClr>
+          </a:lnRef>
+          <a:fillRef idx="1">
+            <a:schemeClr val="accent1"/>
+          </a:fillRef>
+          <a:effectRef idx="0">
+            <a:schemeClr val="accent1"/>
+          </a:effectRef>
+          <a:fontRef idx="minor">
+            <a:schemeClr val="lt1"/>
+          </a:fontRef>
+        </p:style>
+        <p:txBody>
+          <a:bodyPr rtlCol="0" anchor="ctr"/>
+          <a:lstStyle/>
+          <a:p>
+            <a:pPr algn="ctr"/>
+            <a:endParaRPr lang="zh-CN" altLang="en-US"/>
+          </a:p>
+        </p:txBody>
+      </p:sp>
+      <p:sp>
+        <p:nvSpPr>
+          <p:cNvPr id="21" name="流程图: 接点 20">
+            <a:extLst>
+              <a:ext uri="{FF2B5EF4-FFF2-40B4-BE49-F238E27FC236}">
+                <a16:creationId xmlns:a16="http://schemas.microsoft.com/office/drawing/2014/main" id="{C6BE9C74-24E9-1E02-DBC9-F6F727C17071}"/>
+              </a:ext>
+            </a:extLst>
+          </p:cNvPr>
+          <p:cNvSpPr/>
+          <p:nvPr/>
+        </p:nvSpPr>
+        <p:spPr>
+          <a:xfrm>
+            <a:off x="1926010" y="2860896"/>
+            <a:ext cx="218872" cy="209145"/>
+          </a:xfrm>
+          <a:prstGeom prst="flowChartConnector">
+            <a:avLst/>
+          </a:prstGeom>
+        </p:spPr>
+        <p:style>
+          <a:lnRef idx="2">
+            <a:schemeClr val="accent1">
+              <a:shade val="15000"/>
+            </a:schemeClr>
+          </a:lnRef>
+          <a:fillRef idx="1">
+            <a:schemeClr val="accent1"/>
+          </a:fillRef>
+          <a:effectRef idx="0">
+            <a:schemeClr val="accent1"/>
+          </a:effectRef>
+          <a:fontRef idx="minor">
+            <a:schemeClr val="lt1"/>
+          </a:fontRef>
+        </p:style>
+        <p:txBody>
+          <a:bodyPr rtlCol="0" anchor="ctr"/>
+          <a:lstStyle/>
+          <a:p>
+            <a:pPr algn="ctr"/>
+            <a:endParaRPr lang="zh-CN" altLang="en-US"/>
+          </a:p>
+        </p:txBody>
+      </p:sp>
+      <p:sp>
+        <p:nvSpPr>
+          <p:cNvPr id="22" name="流程图: 接点 21">
+            <a:extLst>
+              <a:ext uri="{FF2B5EF4-FFF2-40B4-BE49-F238E27FC236}">
+                <a16:creationId xmlns:a16="http://schemas.microsoft.com/office/drawing/2014/main" id="{F7462504-A34C-C225-4EA4-CA64C3662B38}"/>
+              </a:ext>
+            </a:extLst>
+          </p:cNvPr>
+          <p:cNvSpPr/>
+          <p:nvPr/>
+        </p:nvSpPr>
+        <p:spPr>
+          <a:xfrm>
+            <a:off x="1926010" y="3142622"/>
+            <a:ext cx="218872" cy="209145"/>
+          </a:xfrm>
+          <a:prstGeom prst="flowChartConnector">
+            <a:avLst/>
+          </a:prstGeom>
+        </p:spPr>
+        <p:style>
+          <a:lnRef idx="2">
+            <a:schemeClr val="accent1">
+              <a:shade val="15000"/>
+            </a:schemeClr>
+          </a:lnRef>
+          <a:fillRef idx="1">
+            <a:schemeClr val="accent1"/>
+          </a:fillRef>
+          <a:effectRef idx="0">
+            <a:schemeClr val="accent1"/>
+          </a:effectRef>
+          <a:fontRef idx="minor">
+            <a:schemeClr val="lt1"/>
+          </a:fontRef>
+        </p:style>
+        <p:txBody>
+          <a:bodyPr rtlCol="0" anchor="ctr"/>
+          <a:lstStyle/>
+          <a:p>
+            <a:pPr algn="ctr"/>
+            <a:endParaRPr lang="zh-CN" altLang="en-US"/>
+          </a:p>
+        </p:txBody>
+      </p:sp>
+      <p:sp>
+        <p:nvSpPr>
+          <p:cNvPr id="23" name="流程图: 接点 22">
+            <a:extLst>
+              <a:ext uri="{FF2B5EF4-FFF2-40B4-BE49-F238E27FC236}">
+                <a16:creationId xmlns:a16="http://schemas.microsoft.com/office/drawing/2014/main" id="{3946E872-F6B3-6982-C331-CEA691AA3ABC}"/>
+              </a:ext>
+            </a:extLst>
+          </p:cNvPr>
+          <p:cNvSpPr/>
+          <p:nvPr/>
+        </p:nvSpPr>
+        <p:spPr>
+          <a:xfrm>
+            <a:off x="3101413" y="2860894"/>
+            <a:ext cx="218872" cy="209145"/>
+          </a:xfrm>
+          <a:prstGeom prst="flowChartConnector">
+            <a:avLst/>
+          </a:prstGeom>
+        </p:spPr>
+        <p:style>
+          <a:lnRef idx="2">
+            <a:schemeClr val="accent1">
+              <a:shade val="15000"/>
+            </a:schemeClr>
+          </a:lnRef>
+          <a:fillRef idx="1">
+            <a:schemeClr val="accent1"/>
+          </a:fillRef>
+          <a:effectRef idx="0">
+            <a:schemeClr val="accent1"/>
+          </a:effectRef>
+          <a:fontRef idx="minor">
+            <a:schemeClr val="lt1"/>
+          </a:fontRef>
+        </p:style>
+        <p:txBody>
+          <a:bodyPr rtlCol="0" anchor="ctr"/>
+          <a:lstStyle/>
+          <a:p>
+            <a:pPr algn="ctr"/>
+            <a:endParaRPr lang="zh-CN" altLang="en-US"/>
+          </a:p>
+        </p:txBody>
+      </p:sp>
+      <p:sp>
+        <p:nvSpPr>
+          <p:cNvPr id="24" name="流程图: 接点 23">
+            <a:extLst>
+              <a:ext uri="{FF2B5EF4-FFF2-40B4-BE49-F238E27FC236}">
+                <a16:creationId xmlns:a16="http://schemas.microsoft.com/office/drawing/2014/main" id="{CBC49DAB-8330-C2EE-9ADA-E7FFC15A15D5}"/>
+              </a:ext>
+            </a:extLst>
+          </p:cNvPr>
+          <p:cNvSpPr/>
+          <p:nvPr/>
+        </p:nvSpPr>
+        <p:spPr>
+          <a:xfrm>
+            <a:off x="2511981" y="2860895"/>
+            <a:ext cx="218872" cy="209145"/>
+          </a:xfrm>
+          <a:prstGeom prst="flowChartConnector">
+            <a:avLst/>
+          </a:prstGeom>
+        </p:spPr>
+        <p:style>
+          <a:lnRef idx="2">
+            <a:schemeClr val="accent1">
+              <a:shade val="15000"/>
+            </a:schemeClr>
+          </a:lnRef>
+          <a:fillRef idx="1">
+            <a:schemeClr val="accent1"/>
+          </a:fillRef>
+          <a:effectRef idx="0">
+            <a:schemeClr val="accent1"/>
+          </a:effectRef>
+          <a:fontRef idx="minor">
+            <a:schemeClr val="lt1"/>
+          </a:fontRef>
+        </p:style>
+        <p:txBody>
+          <a:bodyPr rtlCol="0" anchor="ctr"/>
+          <a:lstStyle/>
+          <a:p>
+            <a:pPr algn="ctr"/>
+            <a:endParaRPr lang="zh-CN" altLang="en-US"/>
+          </a:p>
+        </p:txBody>
+      </p:sp>
+      <p:sp>
+        <p:nvSpPr>
+          <p:cNvPr id="25" name="流程图: 接点 24">
+            <a:extLst>
+              <a:ext uri="{FF2B5EF4-FFF2-40B4-BE49-F238E27FC236}">
+                <a16:creationId xmlns:a16="http://schemas.microsoft.com/office/drawing/2014/main" id="{EBFE71B9-384B-A1F6-CCF2-128FE2169E59}"/>
+              </a:ext>
+            </a:extLst>
+          </p:cNvPr>
+          <p:cNvSpPr/>
+          <p:nvPr/>
+        </p:nvSpPr>
+        <p:spPr>
+          <a:xfrm>
+            <a:off x="3097952" y="3142622"/>
+            <a:ext cx="218872" cy="209145"/>
+          </a:xfrm>
+          <a:prstGeom prst="flowChartConnector">
+            <a:avLst/>
+          </a:prstGeom>
+        </p:spPr>
+        <p:style>
+          <a:lnRef idx="2">
+            <a:schemeClr val="accent1">
+              <a:shade val="15000"/>
+            </a:schemeClr>
+          </a:lnRef>
+          <a:fillRef idx="1">
+            <a:schemeClr val="accent1"/>
+          </a:fillRef>
+          <a:effectRef idx="0">
+            <a:schemeClr val="accent1"/>
+          </a:effectRef>
+          <a:fontRef idx="minor">
+            <a:schemeClr val="lt1"/>
+          </a:fontRef>
+        </p:style>
+        <p:txBody>
+          <a:bodyPr rtlCol="0" anchor="ctr"/>
+          <a:lstStyle/>
+          <a:p>
+            <a:pPr algn="ctr"/>
+            <a:endParaRPr lang="zh-CN" altLang="en-US"/>
+          </a:p>
+        </p:txBody>
+      </p:sp>
+      <p:sp>
+        <p:nvSpPr>
+          <p:cNvPr id="26" name="流程图: 接点 25">
+            <a:extLst>
+              <a:ext uri="{FF2B5EF4-FFF2-40B4-BE49-F238E27FC236}">
+                <a16:creationId xmlns:a16="http://schemas.microsoft.com/office/drawing/2014/main" id="{03B78C18-5E6B-239F-6C2C-F6F5B0BEBD29}"/>
+              </a:ext>
+            </a:extLst>
+          </p:cNvPr>
+          <p:cNvSpPr/>
+          <p:nvPr/>
+        </p:nvSpPr>
+        <p:spPr>
+          <a:xfrm>
+            <a:off x="2511981" y="3142622"/>
+            <a:ext cx="218872" cy="209145"/>
+          </a:xfrm>
+          <a:prstGeom prst="flowChartConnector">
+            <a:avLst/>
+          </a:prstGeom>
+        </p:spPr>
+        <p:style>
+          <a:lnRef idx="2">
+            <a:schemeClr val="accent1">
+              <a:shade val="15000"/>
+            </a:schemeClr>
+          </a:lnRef>
+          <a:fillRef idx="1">
+            <a:schemeClr val="accent1"/>
+          </a:fillRef>
+          <a:effectRef idx="0">
+            <a:schemeClr val="accent1"/>
+          </a:effectRef>
+          <a:fontRef idx="minor">
+            <a:schemeClr val="lt1"/>
+          </a:fontRef>
+        </p:style>
+        <p:txBody>
+          <a:bodyPr rtlCol="0" anchor="ctr"/>
+          <a:lstStyle/>
+          <a:p>
+            <a:pPr algn="ctr"/>
+            <a:endParaRPr lang="zh-CN" altLang="en-US"/>
+          </a:p>
+        </p:txBody>
+      </p:sp>
+      <p:sp>
+        <p:nvSpPr>
+          <p:cNvPr id="27" name="流程图: 接点 26">
+            <a:extLst>
+              <a:ext uri="{FF2B5EF4-FFF2-40B4-BE49-F238E27FC236}">
+                <a16:creationId xmlns:a16="http://schemas.microsoft.com/office/drawing/2014/main" id="{F441F509-F316-C283-0822-0036D66823B8}"/>
+              </a:ext>
+            </a:extLst>
+          </p:cNvPr>
+          <p:cNvSpPr/>
+          <p:nvPr/>
+        </p:nvSpPr>
+        <p:spPr>
+          <a:xfrm>
+            <a:off x="1928375" y="3405966"/>
+            <a:ext cx="218872" cy="209145"/>
+          </a:xfrm>
+          <a:prstGeom prst="flowChartConnector">
+            <a:avLst/>
+          </a:prstGeom>
+        </p:spPr>
+        <p:style>
+          <a:lnRef idx="2">
+            <a:schemeClr val="accent1">
+              <a:shade val="15000"/>
+            </a:schemeClr>
+          </a:lnRef>
+          <a:fillRef idx="1">
+            <a:schemeClr val="accent1"/>
+          </a:fillRef>
+          <a:effectRef idx="0">
+            <a:schemeClr val="accent1"/>
+          </a:effectRef>
+          <a:fontRef idx="minor">
+            <a:schemeClr val="lt1"/>
+          </a:fontRef>
+        </p:style>
+        <p:txBody>
+          <a:bodyPr rtlCol="0" anchor="ctr"/>
+          <a:lstStyle/>
+          <a:p>
+            <a:pPr algn="ctr"/>
+            <a:endParaRPr lang="zh-CN" altLang="en-US"/>
+          </a:p>
+        </p:txBody>
+      </p:sp>
+      <p:sp>
+        <p:nvSpPr>
+          <p:cNvPr id="28" name="流程图: 接点 27">
+            <a:extLst>
+              <a:ext uri="{FF2B5EF4-FFF2-40B4-BE49-F238E27FC236}">
+                <a16:creationId xmlns:a16="http://schemas.microsoft.com/office/drawing/2014/main" id="{8B23E377-FD93-CDA6-9362-4333D0D5CA89}"/>
+              </a:ext>
+            </a:extLst>
+          </p:cNvPr>
+          <p:cNvSpPr/>
+          <p:nvPr/>
+        </p:nvSpPr>
+        <p:spPr>
+          <a:xfrm>
+            <a:off x="2518230" y="3405966"/>
+            <a:ext cx="212623" cy="209145"/>
+          </a:xfrm>
+          <a:prstGeom prst="flowChartConnector">
+            <a:avLst/>
+          </a:prstGeom>
+        </p:spPr>
+        <p:style>
+          <a:lnRef idx="2">
+            <a:schemeClr val="accent1">
+              <a:shade val="15000"/>
+            </a:schemeClr>
+          </a:lnRef>
+          <a:fillRef idx="1">
+            <a:schemeClr val="accent1"/>
+          </a:fillRef>
+          <a:effectRef idx="0">
+            <a:schemeClr val="accent1"/>
+          </a:effectRef>
+          <a:fontRef idx="minor">
+            <a:schemeClr val="lt1"/>
+          </a:fontRef>
+        </p:style>
+        <p:txBody>
+          <a:bodyPr rtlCol="0" anchor="ctr"/>
+          <a:lstStyle/>
+          <a:p>
+            <a:pPr algn="ctr"/>
+            <a:endParaRPr lang="zh-CN" altLang="en-US"/>
+          </a:p>
+        </p:txBody>
+      </p:sp>
+      <p:sp>
+        <p:nvSpPr>
+          <p:cNvPr id="31" name="流程图: 接点 30">
+            <a:extLst>
+              <a:ext uri="{FF2B5EF4-FFF2-40B4-BE49-F238E27FC236}">
+                <a16:creationId xmlns:a16="http://schemas.microsoft.com/office/drawing/2014/main" id="{3F3E93C1-F0A6-2596-6E54-39893807F0E3}"/>
+              </a:ext>
+            </a:extLst>
+          </p:cNvPr>
+          <p:cNvSpPr/>
+          <p:nvPr/>
+        </p:nvSpPr>
+        <p:spPr>
+          <a:xfrm>
+            <a:off x="2223920" y="2860894"/>
+            <a:ext cx="218872" cy="209145"/>
+          </a:xfrm>
+          <a:prstGeom prst="flowChartConnector">
+            <a:avLst/>
+          </a:prstGeom>
+          <a:solidFill>
+            <a:schemeClr val="bg2">
+              <a:lumMod val="85000"/>
+            </a:schemeClr>
+          </a:solidFill>
+        </p:spPr>
+        <p:style>
+          <a:lnRef idx="2">
+            <a:schemeClr val="accent1">
+              <a:shade val="15000"/>
+            </a:schemeClr>
+          </a:lnRef>
+          <a:fillRef idx="1">
+            <a:schemeClr val="accent1"/>
+          </a:fillRef>
+          <a:effectRef idx="0">
+            <a:schemeClr val="accent1"/>
+          </a:effectRef>
+          <a:fontRef idx="minor">
+            <a:schemeClr val="lt1"/>
+          </a:fontRef>
+        </p:style>
+        <p:txBody>
+          <a:bodyPr rtlCol="0" anchor="ctr"/>
+          <a:lstStyle/>
+          <a:p>
+            <a:pPr algn="ctr"/>
+            <a:endParaRPr lang="zh-CN" altLang="en-US" dirty="0"/>
+          </a:p>
+        </p:txBody>
+      </p:sp>
+      <p:sp>
+        <p:nvSpPr>
+          <p:cNvPr id="32" name="流程图: 接点 31">
+            <a:extLst>
+              <a:ext uri="{FF2B5EF4-FFF2-40B4-BE49-F238E27FC236}">
+                <a16:creationId xmlns:a16="http://schemas.microsoft.com/office/drawing/2014/main" id="{64066516-5F8E-24F1-B361-D79EC900DFF2}"/>
+              </a:ext>
+            </a:extLst>
+          </p:cNvPr>
+          <p:cNvSpPr/>
+          <p:nvPr/>
+        </p:nvSpPr>
+        <p:spPr>
+          <a:xfrm>
+            <a:off x="2219395" y="3142621"/>
+            <a:ext cx="218872" cy="209145"/>
+          </a:xfrm>
+          <a:prstGeom prst="flowChartConnector">
+            <a:avLst/>
+          </a:prstGeom>
+          <a:solidFill>
+            <a:schemeClr val="bg2">
+              <a:lumMod val="85000"/>
+            </a:schemeClr>
+          </a:solidFill>
+        </p:spPr>
+        <p:style>
+          <a:lnRef idx="2">
+            <a:schemeClr val="accent1">
+              <a:shade val="15000"/>
+            </a:schemeClr>
+          </a:lnRef>
+          <a:fillRef idx="1">
+            <a:schemeClr val="accent1"/>
+          </a:fillRef>
+          <a:effectRef idx="0">
+            <a:schemeClr val="accent1"/>
+          </a:effectRef>
+          <a:fontRef idx="minor">
+            <a:schemeClr val="lt1"/>
+          </a:fontRef>
+        </p:style>
+        <p:txBody>
+          <a:bodyPr rtlCol="0" anchor="ctr"/>
+          <a:lstStyle/>
+          <a:p>
+            <a:pPr algn="ctr"/>
+            <a:endParaRPr lang="zh-CN" altLang="en-US" dirty="0"/>
+          </a:p>
+        </p:txBody>
+      </p:sp>
+      <p:sp>
+        <p:nvSpPr>
+          <p:cNvPr id="33" name="流程图: 接点 32">
+            <a:extLst>
+              <a:ext uri="{FF2B5EF4-FFF2-40B4-BE49-F238E27FC236}">
+                <a16:creationId xmlns:a16="http://schemas.microsoft.com/office/drawing/2014/main" id="{A61C62F7-8C59-2F44-4ACC-99AFAF054CE2}"/>
+              </a:ext>
+            </a:extLst>
+          </p:cNvPr>
+          <p:cNvSpPr/>
+          <p:nvPr/>
+        </p:nvSpPr>
+        <p:spPr>
+          <a:xfrm>
+            <a:off x="2800042" y="2860894"/>
+            <a:ext cx="218872" cy="209145"/>
+          </a:xfrm>
+          <a:prstGeom prst="flowChartConnector">
+            <a:avLst/>
+          </a:prstGeom>
+          <a:solidFill>
+            <a:schemeClr val="bg2">
+              <a:lumMod val="85000"/>
+            </a:schemeClr>
+          </a:solidFill>
+        </p:spPr>
+        <p:style>
+          <a:lnRef idx="2">
+            <a:schemeClr val="accent1">
+              <a:shade val="15000"/>
+            </a:schemeClr>
+          </a:lnRef>
+          <a:fillRef idx="1">
+            <a:schemeClr val="accent1"/>
+          </a:fillRef>
+          <a:effectRef idx="0">
+            <a:schemeClr val="accent1"/>
+          </a:effectRef>
+          <a:fontRef idx="minor">
+            <a:schemeClr val="lt1"/>
+          </a:fontRef>
+        </p:style>
+        <p:txBody>
+          <a:bodyPr rtlCol="0" anchor="ctr"/>
+          <a:lstStyle/>
+          <a:p>
+            <a:pPr algn="ctr"/>
+            <a:endParaRPr lang="zh-CN" altLang="en-US" dirty="0"/>
+          </a:p>
+        </p:txBody>
+      </p:sp>
+      <p:sp>
+        <p:nvSpPr>
+          <p:cNvPr id="34" name="流程图: 接点 33">
+            <a:extLst>
+              <a:ext uri="{FF2B5EF4-FFF2-40B4-BE49-F238E27FC236}">
+                <a16:creationId xmlns:a16="http://schemas.microsoft.com/office/drawing/2014/main" id="{2928A1D1-677C-51DB-A031-40DBA4D45915}"/>
+              </a:ext>
+            </a:extLst>
+          </p:cNvPr>
+          <p:cNvSpPr/>
+          <p:nvPr/>
+        </p:nvSpPr>
+        <p:spPr>
+          <a:xfrm>
+            <a:off x="2219395" y="3415207"/>
+            <a:ext cx="218872" cy="209145"/>
+          </a:xfrm>
+          <a:prstGeom prst="flowChartConnector">
+            <a:avLst/>
+          </a:prstGeom>
+          <a:solidFill>
+            <a:schemeClr val="bg2">
+              <a:lumMod val="85000"/>
+            </a:schemeClr>
+          </a:solidFill>
+        </p:spPr>
+        <p:style>
+          <a:lnRef idx="2">
+            <a:schemeClr val="accent1">
+              <a:shade val="15000"/>
+            </a:schemeClr>
+          </a:lnRef>
+          <a:fillRef idx="1">
+            <a:schemeClr val="accent1"/>
+          </a:fillRef>
+          <a:effectRef idx="0">
+            <a:schemeClr val="accent1"/>
+          </a:effectRef>
+          <a:fontRef idx="minor">
+            <a:schemeClr val="lt1"/>
+          </a:fontRef>
+        </p:style>
+        <p:txBody>
+          <a:bodyPr rtlCol="0" anchor="ctr"/>
+          <a:lstStyle/>
+          <a:p>
+            <a:pPr algn="ctr"/>
+            <a:endParaRPr lang="zh-CN" altLang="en-US" dirty="0"/>
+          </a:p>
+        </p:txBody>
+      </p:sp>
+      <p:sp>
+        <p:nvSpPr>
+          <p:cNvPr id="35" name="流程图: 接点 34">
+            <a:extLst>
+              <a:ext uri="{FF2B5EF4-FFF2-40B4-BE49-F238E27FC236}">
+                <a16:creationId xmlns:a16="http://schemas.microsoft.com/office/drawing/2014/main" id="{05033DFC-E916-4033-4C76-7AE7520421E7}"/>
+              </a:ext>
+            </a:extLst>
+          </p:cNvPr>
+          <p:cNvSpPr/>
+          <p:nvPr/>
+        </p:nvSpPr>
+        <p:spPr>
+          <a:xfrm>
+            <a:off x="2800042" y="3142621"/>
+            <a:ext cx="218872" cy="209145"/>
+          </a:xfrm>
+          <a:prstGeom prst="flowChartConnector">
+            <a:avLst/>
+          </a:prstGeom>
+          <a:solidFill>
+            <a:schemeClr val="bg2">
+              <a:lumMod val="85000"/>
+            </a:schemeClr>
+          </a:solidFill>
+        </p:spPr>
+        <p:style>
+          <a:lnRef idx="2">
+            <a:schemeClr val="accent1">
+              <a:shade val="15000"/>
+            </a:schemeClr>
+          </a:lnRef>
+          <a:fillRef idx="1">
+            <a:schemeClr val="accent1"/>
+          </a:fillRef>
+          <a:effectRef idx="0">
+            <a:schemeClr val="accent1"/>
+          </a:effectRef>
+          <a:fontRef idx="minor">
+            <a:schemeClr val="lt1"/>
+          </a:fontRef>
+        </p:style>
+        <p:txBody>
+          <a:bodyPr rtlCol="0" anchor="ctr"/>
+          <a:lstStyle/>
+          <a:p>
+            <a:pPr algn="ctr"/>
+            <a:endParaRPr lang="zh-CN" altLang="en-US" dirty="0"/>
+          </a:p>
+        </p:txBody>
+      </p:sp>
+      <p:sp>
+        <p:nvSpPr>
+          <p:cNvPr id="36" name="流程图: 接点 35">
+            <a:extLst>
+              <a:ext uri="{FF2B5EF4-FFF2-40B4-BE49-F238E27FC236}">
+                <a16:creationId xmlns:a16="http://schemas.microsoft.com/office/drawing/2014/main" id="{65B4A9C4-5DB7-1D3D-B6B4-A5AEFEEE2C65}"/>
+              </a:ext>
+            </a:extLst>
+          </p:cNvPr>
+          <p:cNvSpPr/>
+          <p:nvPr/>
+        </p:nvSpPr>
+        <p:spPr>
+          <a:xfrm>
+            <a:off x="3106277" y="3421490"/>
+            <a:ext cx="218872" cy="209145"/>
+          </a:xfrm>
+          <a:prstGeom prst="flowChartConnector">
+            <a:avLst/>
+          </a:prstGeom>
+          <a:solidFill>
+            <a:schemeClr val="bg2">
+              <a:lumMod val="85000"/>
+            </a:schemeClr>
+          </a:solidFill>
+        </p:spPr>
+        <p:style>
+          <a:lnRef idx="2">
+            <a:schemeClr val="accent1">
+              <a:shade val="15000"/>
+            </a:schemeClr>
+          </a:lnRef>
+          <a:fillRef idx="1">
+            <a:schemeClr val="accent1"/>
+          </a:fillRef>
+          <a:effectRef idx="0">
+            <a:schemeClr val="accent1"/>
+          </a:effectRef>
+          <a:fontRef idx="minor">
+            <a:schemeClr val="lt1"/>
+          </a:fontRef>
+        </p:style>
+        <p:txBody>
+          <a:bodyPr rtlCol="0" anchor="ctr"/>
+          <a:lstStyle/>
+          <a:p>
+            <a:pPr algn="ctr"/>
+            <a:endParaRPr lang="zh-CN" altLang="en-US" dirty="0"/>
+          </a:p>
+        </p:txBody>
+      </p:sp>
+      <p:sp>
+        <p:nvSpPr>
+          <p:cNvPr id="37" name="流程图: 接点 36">
+            <a:extLst>
+              <a:ext uri="{FF2B5EF4-FFF2-40B4-BE49-F238E27FC236}">
+                <a16:creationId xmlns:a16="http://schemas.microsoft.com/office/drawing/2014/main" id="{37709988-08C3-AAFA-3582-B4957619E22D}"/>
+              </a:ext>
+            </a:extLst>
+          </p:cNvPr>
+          <p:cNvSpPr/>
+          <p:nvPr/>
+        </p:nvSpPr>
+        <p:spPr>
+          <a:xfrm>
+            <a:off x="2809129" y="3415207"/>
+            <a:ext cx="218872" cy="209145"/>
+          </a:xfrm>
+          <a:prstGeom prst="flowChartConnector">
+            <a:avLst/>
+          </a:prstGeom>
+          <a:solidFill>
+            <a:schemeClr val="bg2">
+              <a:lumMod val="85000"/>
+            </a:schemeClr>
+          </a:solidFill>
+        </p:spPr>
+        <p:style>
+          <a:lnRef idx="2">
+            <a:schemeClr val="accent1">
+              <a:shade val="15000"/>
+            </a:schemeClr>
+          </a:lnRef>
+          <a:fillRef idx="1">
+            <a:schemeClr val="accent1"/>
+          </a:fillRef>
+          <a:effectRef idx="0">
+            <a:schemeClr val="accent1"/>
+          </a:effectRef>
+          <a:fontRef idx="minor">
+            <a:schemeClr val="lt1"/>
+          </a:fontRef>
+        </p:style>
+        <p:txBody>
+          <a:bodyPr rtlCol="0" anchor="ctr"/>
+          <a:lstStyle/>
+          <a:p>
+            <a:pPr algn="ctr"/>
+            <a:endParaRPr lang="zh-CN" altLang="en-US" dirty="0"/>
           </a:p>
         </p:txBody>
       </p:sp>
@@ -5882,7 +6901,7 @@
           <a:p>
             <a:r>
               <a:rPr lang="en-US" altLang="zh-CN" dirty="0"/>
-              <a:t>   3 modes: lowest-cost charging, shortest-time charging and dynamical charging</a:t>
+              <a:t>          different modes: directly charging or using charging schedule</a:t>
             </a:r>
           </a:p>
           <a:p>
